--- a/dashboard ideas1.pptx
+++ b/dashboard ideas1.pptx
@@ -6,6 +6,7 @@
   </p:sldMasterIdLst>
   <p:sldIdLst>
     <p:sldId id="256" r:id="rId2"/>
+    <p:sldId id="257" r:id="rId3"/>
   </p:sldIdLst>
   <p:sldSz cx="12192000" cy="6858000"/>
   <p:notesSz cx="6858000" cy="9144000"/>
@@ -104,6 +105,11 @@
       </a:defRPr>
     </a:lvl9pPr>
   </p:defaultTextStyle>
+  <p:extLst>
+    <p:ext uri="{EFAFB233-063F-42B5-8137-9DF3F51BA10A}">
+      <p15:sldGuideLst xmlns:p15="http://schemas.microsoft.com/office/powerpoint/2012/main"/>
+    </p:ext>
+  </p:extLst>
 </p:presentation>
 </file>
 
@@ -144,7 +150,9 @@
           </c:tx>
           <c:spPr>
             <a:solidFill>
-              <a:schemeClr val="accent1"/>
+              <a:schemeClr val="accent1">
+                <a:lumMod val="75000"/>
+              </a:schemeClr>
             </a:solidFill>
             <a:ln>
               <a:noFill/>
@@ -312,354 +320,6 @@
                 <c:ptCount val="1"/>
                 <c:pt idx="0">
                   <c:v>Comp</c:v>
-                </c:pt>
-              </c:strCache>
-            </c:strRef>
-          </c:tx>
-          <c:spPr>
-            <a:solidFill>
-              <a:schemeClr val="accent2"/>
-            </a:solidFill>
-            <a:ln>
-              <a:noFill/>
-            </a:ln>
-            <a:effectLst/>
-          </c:spPr>
-          <c:invertIfNegative val="0"/>
-          <c:cat>
-            <c:strRef>
-              <c:f>Sheet1!$A$2:$A$23</c:f>
-              <c:strCache>
-                <c:ptCount val="22"/>
-                <c:pt idx="0">
-                  <c:v>RAI</c:v>
-                </c:pt>
-                <c:pt idx="1">
-                  <c:v>VET</c:v>
-                </c:pt>
-                <c:pt idx="2">
-                  <c:v>HUL</c:v>
-                </c:pt>
-                <c:pt idx="3">
-                  <c:v>PER</c:v>
-                </c:pt>
-                <c:pt idx="4">
-                  <c:v>GRO</c:v>
-                </c:pt>
-                <c:pt idx="5">
-                  <c:v>GUT</c:v>
-                </c:pt>
-                <c:pt idx="6">
-                  <c:v>WEH</c:v>
-                </c:pt>
-                <c:pt idx="7">
-                  <c:v>HAR</c:v>
-                </c:pt>
-                <c:pt idx="8">
-                  <c:v>VAN</c:v>
-                </c:pt>
-                <c:pt idx="9">
-                  <c:v>BUT</c:v>
-                </c:pt>
-                <c:pt idx="10">
-                  <c:v>ROS</c:v>
-                </c:pt>
-                <c:pt idx="11">
-                  <c:v>HAM</c:v>
-                </c:pt>
-                <c:pt idx="12">
-                  <c:v>RIC</c:v>
-                </c:pt>
-                <c:pt idx="13">
-                  <c:v>KVY</c:v>
-                </c:pt>
-                <c:pt idx="14">
-                  <c:v>MAG</c:v>
-                </c:pt>
-                <c:pt idx="15">
-                  <c:v>PAL</c:v>
-                </c:pt>
-                <c:pt idx="16">
-                  <c:v>ERI</c:v>
-                </c:pt>
-                <c:pt idx="17">
-                  <c:v>NAS</c:v>
-                </c:pt>
-                <c:pt idx="18">
-                  <c:v>VES</c:v>
-                </c:pt>
-                <c:pt idx="19">
-                  <c:v>SAI</c:v>
-                </c:pt>
-                <c:pt idx="20">
-                  <c:v>MAS</c:v>
-                </c:pt>
-                <c:pt idx="21">
-                  <c:v>BOT</c:v>
-                </c:pt>
-              </c:strCache>
-            </c:strRef>
-          </c:cat>
-          <c:val>
-            <c:numRef>
-              <c:f>Sheet1!$C$2:$C$23</c:f>
-              <c:numCache>
-                <c:formatCode>General</c:formatCode>
-                <c:ptCount val="22"/>
-                <c:pt idx="0">
-                  <c:v>6</c:v>
-                </c:pt>
-                <c:pt idx="1">
-                  <c:v>4</c:v>
-                </c:pt>
-                <c:pt idx="2">
-                  <c:v>3</c:v>
-                </c:pt>
-                <c:pt idx="3">
-                  <c:v>3</c:v>
-                </c:pt>
-                <c:pt idx="4">
-                  <c:v>1</c:v>
-                </c:pt>
-                <c:pt idx="5">
-                  <c:v>1</c:v>
-                </c:pt>
-                <c:pt idx="6">
-                  <c:v>2</c:v>
-                </c:pt>
-                <c:pt idx="7">
-                  <c:v>0</c:v>
-                </c:pt>
-                <c:pt idx="8">
-                  <c:v>0</c:v>
-                </c:pt>
-                <c:pt idx="9">
-                  <c:v>0</c:v>
-                </c:pt>
-                <c:pt idx="10">
-                  <c:v>1</c:v>
-                </c:pt>
-                <c:pt idx="11">
-                  <c:v>0</c:v>
-                </c:pt>
-                <c:pt idx="12">
-                  <c:v>0</c:v>
-                </c:pt>
-                <c:pt idx="13">
-                  <c:v>0</c:v>
-                </c:pt>
-                <c:pt idx="14">
-                  <c:v>0</c:v>
-                </c:pt>
-                <c:pt idx="15">
-                  <c:v>0</c:v>
-                </c:pt>
-                <c:pt idx="16">
-                  <c:v>0</c:v>
-                </c:pt>
-                <c:pt idx="17">
-                  <c:v>0</c:v>
-                </c:pt>
-                <c:pt idx="18">
-                  <c:v>0</c:v>
-                </c:pt>
-                <c:pt idx="19">
-                  <c:v>0</c:v>
-                </c:pt>
-                <c:pt idx="20">
-                  <c:v>0</c:v>
-                </c:pt>
-                <c:pt idx="21">
-                  <c:v>0</c:v>
-                </c:pt>
-              </c:numCache>
-            </c:numRef>
-          </c:val>
-        </c:ser>
-        <c:ser>
-          <c:idx val="2"/>
-          <c:order val="2"/>
-          <c:tx>
-            <c:strRef>
-              <c:f>Sheet1!$D$1</c:f>
-              <c:strCache>
-                <c:ptCount val="1"/>
-                <c:pt idx="0">
-                  <c:v>Movement</c:v>
-                </c:pt>
-              </c:strCache>
-            </c:strRef>
-          </c:tx>
-          <c:spPr>
-            <a:solidFill>
-              <a:schemeClr val="accent3"/>
-            </a:solidFill>
-            <a:ln>
-              <a:noFill/>
-            </a:ln>
-            <a:effectLst/>
-          </c:spPr>
-          <c:invertIfNegative val="0"/>
-          <c:cat>
-            <c:strRef>
-              <c:f>Sheet1!$A$2:$A$23</c:f>
-              <c:strCache>
-                <c:ptCount val="22"/>
-                <c:pt idx="0">
-                  <c:v>RAI</c:v>
-                </c:pt>
-                <c:pt idx="1">
-                  <c:v>VET</c:v>
-                </c:pt>
-                <c:pt idx="2">
-                  <c:v>HUL</c:v>
-                </c:pt>
-                <c:pt idx="3">
-                  <c:v>PER</c:v>
-                </c:pt>
-                <c:pt idx="4">
-                  <c:v>GRO</c:v>
-                </c:pt>
-                <c:pt idx="5">
-                  <c:v>GUT</c:v>
-                </c:pt>
-                <c:pt idx="6">
-                  <c:v>WEH</c:v>
-                </c:pt>
-                <c:pt idx="7">
-                  <c:v>HAR</c:v>
-                </c:pt>
-                <c:pt idx="8">
-                  <c:v>VAN</c:v>
-                </c:pt>
-                <c:pt idx="9">
-                  <c:v>BUT</c:v>
-                </c:pt>
-                <c:pt idx="10">
-                  <c:v>ROS</c:v>
-                </c:pt>
-                <c:pt idx="11">
-                  <c:v>HAM</c:v>
-                </c:pt>
-                <c:pt idx="12">
-                  <c:v>RIC</c:v>
-                </c:pt>
-                <c:pt idx="13">
-                  <c:v>KVY</c:v>
-                </c:pt>
-                <c:pt idx="14">
-                  <c:v>MAG</c:v>
-                </c:pt>
-                <c:pt idx="15">
-                  <c:v>PAL</c:v>
-                </c:pt>
-                <c:pt idx="16">
-                  <c:v>ERI</c:v>
-                </c:pt>
-                <c:pt idx="17">
-                  <c:v>NAS</c:v>
-                </c:pt>
-                <c:pt idx="18">
-                  <c:v>VES</c:v>
-                </c:pt>
-                <c:pt idx="19">
-                  <c:v>SAI</c:v>
-                </c:pt>
-                <c:pt idx="20">
-                  <c:v>MAS</c:v>
-                </c:pt>
-                <c:pt idx="21">
-                  <c:v>BOT</c:v>
-                </c:pt>
-              </c:strCache>
-            </c:strRef>
-          </c:cat>
-          <c:val>
-            <c:numRef>
-              <c:f>Sheet1!$D$2:$D$23</c:f>
-              <c:numCache>
-                <c:formatCode>General</c:formatCode>
-                <c:ptCount val="22"/>
-                <c:pt idx="0">
-                  <c:v>6</c:v>
-                </c:pt>
-                <c:pt idx="1">
-                  <c:v>4</c:v>
-                </c:pt>
-                <c:pt idx="2">
-                  <c:v>3</c:v>
-                </c:pt>
-                <c:pt idx="3">
-                  <c:v>3</c:v>
-                </c:pt>
-                <c:pt idx="4">
-                  <c:v>1</c:v>
-                </c:pt>
-                <c:pt idx="5">
-                  <c:v>1</c:v>
-                </c:pt>
-                <c:pt idx="6">
-                  <c:v>2</c:v>
-                </c:pt>
-                <c:pt idx="7">
-                  <c:v>0</c:v>
-                </c:pt>
-                <c:pt idx="8">
-                  <c:v>0</c:v>
-                </c:pt>
-                <c:pt idx="9">
-                  <c:v>0</c:v>
-                </c:pt>
-                <c:pt idx="10">
-                  <c:v>1</c:v>
-                </c:pt>
-                <c:pt idx="11">
-                  <c:v>0</c:v>
-                </c:pt>
-                <c:pt idx="12">
-                  <c:v>0</c:v>
-                </c:pt>
-                <c:pt idx="13">
-                  <c:v>0</c:v>
-                </c:pt>
-                <c:pt idx="14">
-                  <c:v>0</c:v>
-                </c:pt>
-                <c:pt idx="15">
-                  <c:v>0</c:v>
-                </c:pt>
-                <c:pt idx="16">
-                  <c:v>0</c:v>
-                </c:pt>
-                <c:pt idx="17">
-                  <c:v>0</c:v>
-                </c:pt>
-                <c:pt idx="18">
-                  <c:v>0</c:v>
-                </c:pt>
-                <c:pt idx="19">
-                  <c:v>0</c:v>
-                </c:pt>
-                <c:pt idx="20">
-                  <c:v>0</c:v>
-                </c:pt>
-                <c:pt idx="21">
-                  <c:v>0</c:v>
-                </c:pt>
-              </c:numCache>
-            </c:numRef>
-          </c:val>
-        </c:ser>
-        <c:ser>
-          <c:idx val="3"/>
-          <c:order val="3"/>
-          <c:tx>
-            <c:strRef>
-              <c:f>Sheet1!$E$1</c:f>
-              <c:strCache>
-                <c:ptCount val="1"/>
-                <c:pt idx="0">
-                  <c:v>Team</c:v>
                 </c:pt>
               </c:strCache>
             </c:strRef>
@@ -750,6 +410,358 @@
           </c:cat>
           <c:val>
             <c:numRef>
+              <c:f>Sheet1!$C$2:$C$23</c:f>
+              <c:numCache>
+                <c:formatCode>General</c:formatCode>
+                <c:ptCount val="22"/>
+                <c:pt idx="0">
+                  <c:v>6</c:v>
+                </c:pt>
+                <c:pt idx="1">
+                  <c:v>4</c:v>
+                </c:pt>
+                <c:pt idx="2">
+                  <c:v>3</c:v>
+                </c:pt>
+                <c:pt idx="3">
+                  <c:v>3</c:v>
+                </c:pt>
+                <c:pt idx="4">
+                  <c:v>1</c:v>
+                </c:pt>
+                <c:pt idx="5">
+                  <c:v>1</c:v>
+                </c:pt>
+                <c:pt idx="6">
+                  <c:v>2</c:v>
+                </c:pt>
+                <c:pt idx="7">
+                  <c:v>0</c:v>
+                </c:pt>
+                <c:pt idx="8">
+                  <c:v>0</c:v>
+                </c:pt>
+                <c:pt idx="9">
+                  <c:v>0</c:v>
+                </c:pt>
+                <c:pt idx="10">
+                  <c:v>1</c:v>
+                </c:pt>
+                <c:pt idx="11">
+                  <c:v>0</c:v>
+                </c:pt>
+                <c:pt idx="12">
+                  <c:v>0</c:v>
+                </c:pt>
+                <c:pt idx="13">
+                  <c:v>0</c:v>
+                </c:pt>
+                <c:pt idx="14">
+                  <c:v>0</c:v>
+                </c:pt>
+                <c:pt idx="15">
+                  <c:v>0</c:v>
+                </c:pt>
+                <c:pt idx="16">
+                  <c:v>0</c:v>
+                </c:pt>
+                <c:pt idx="17">
+                  <c:v>0</c:v>
+                </c:pt>
+                <c:pt idx="18">
+                  <c:v>0</c:v>
+                </c:pt>
+                <c:pt idx="19">
+                  <c:v>0</c:v>
+                </c:pt>
+                <c:pt idx="20">
+                  <c:v>0</c:v>
+                </c:pt>
+                <c:pt idx="21">
+                  <c:v>0</c:v>
+                </c:pt>
+              </c:numCache>
+            </c:numRef>
+          </c:val>
+        </c:ser>
+        <c:ser>
+          <c:idx val="2"/>
+          <c:order val="2"/>
+          <c:tx>
+            <c:strRef>
+              <c:f>Sheet1!$D$1</c:f>
+              <c:strCache>
+                <c:ptCount val="1"/>
+                <c:pt idx="0">
+                  <c:v>Movement</c:v>
+                </c:pt>
+              </c:strCache>
+            </c:strRef>
+          </c:tx>
+          <c:spPr>
+            <a:solidFill>
+              <a:schemeClr val="accent6">
+                <a:lumMod val="75000"/>
+              </a:schemeClr>
+            </a:solidFill>
+            <a:ln>
+              <a:noFill/>
+            </a:ln>
+            <a:effectLst/>
+          </c:spPr>
+          <c:invertIfNegative val="0"/>
+          <c:cat>
+            <c:strRef>
+              <c:f>Sheet1!$A$2:$A$23</c:f>
+              <c:strCache>
+                <c:ptCount val="22"/>
+                <c:pt idx="0">
+                  <c:v>RAI</c:v>
+                </c:pt>
+                <c:pt idx="1">
+                  <c:v>VET</c:v>
+                </c:pt>
+                <c:pt idx="2">
+                  <c:v>HUL</c:v>
+                </c:pt>
+                <c:pt idx="3">
+                  <c:v>PER</c:v>
+                </c:pt>
+                <c:pt idx="4">
+                  <c:v>GRO</c:v>
+                </c:pt>
+                <c:pt idx="5">
+                  <c:v>GUT</c:v>
+                </c:pt>
+                <c:pt idx="6">
+                  <c:v>WEH</c:v>
+                </c:pt>
+                <c:pt idx="7">
+                  <c:v>HAR</c:v>
+                </c:pt>
+                <c:pt idx="8">
+                  <c:v>VAN</c:v>
+                </c:pt>
+                <c:pt idx="9">
+                  <c:v>BUT</c:v>
+                </c:pt>
+                <c:pt idx="10">
+                  <c:v>ROS</c:v>
+                </c:pt>
+                <c:pt idx="11">
+                  <c:v>HAM</c:v>
+                </c:pt>
+                <c:pt idx="12">
+                  <c:v>RIC</c:v>
+                </c:pt>
+                <c:pt idx="13">
+                  <c:v>KVY</c:v>
+                </c:pt>
+                <c:pt idx="14">
+                  <c:v>MAG</c:v>
+                </c:pt>
+                <c:pt idx="15">
+                  <c:v>PAL</c:v>
+                </c:pt>
+                <c:pt idx="16">
+                  <c:v>ERI</c:v>
+                </c:pt>
+                <c:pt idx="17">
+                  <c:v>NAS</c:v>
+                </c:pt>
+                <c:pt idx="18">
+                  <c:v>VES</c:v>
+                </c:pt>
+                <c:pt idx="19">
+                  <c:v>SAI</c:v>
+                </c:pt>
+                <c:pt idx="20">
+                  <c:v>MAS</c:v>
+                </c:pt>
+                <c:pt idx="21">
+                  <c:v>BOT</c:v>
+                </c:pt>
+              </c:strCache>
+            </c:strRef>
+          </c:cat>
+          <c:val>
+            <c:numRef>
+              <c:f>Sheet1!$D$2:$D$23</c:f>
+              <c:numCache>
+                <c:formatCode>General</c:formatCode>
+                <c:ptCount val="22"/>
+                <c:pt idx="0">
+                  <c:v>6</c:v>
+                </c:pt>
+                <c:pt idx="1">
+                  <c:v>4</c:v>
+                </c:pt>
+                <c:pt idx="2">
+                  <c:v>3</c:v>
+                </c:pt>
+                <c:pt idx="3">
+                  <c:v>3</c:v>
+                </c:pt>
+                <c:pt idx="4">
+                  <c:v>1</c:v>
+                </c:pt>
+                <c:pt idx="5">
+                  <c:v>1</c:v>
+                </c:pt>
+                <c:pt idx="6">
+                  <c:v>2</c:v>
+                </c:pt>
+                <c:pt idx="7">
+                  <c:v>0</c:v>
+                </c:pt>
+                <c:pt idx="8">
+                  <c:v>0</c:v>
+                </c:pt>
+                <c:pt idx="9">
+                  <c:v>0</c:v>
+                </c:pt>
+                <c:pt idx="10">
+                  <c:v>1</c:v>
+                </c:pt>
+                <c:pt idx="11">
+                  <c:v>0</c:v>
+                </c:pt>
+                <c:pt idx="12">
+                  <c:v>0</c:v>
+                </c:pt>
+                <c:pt idx="13">
+                  <c:v>0</c:v>
+                </c:pt>
+                <c:pt idx="14">
+                  <c:v>0</c:v>
+                </c:pt>
+                <c:pt idx="15">
+                  <c:v>0</c:v>
+                </c:pt>
+                <c:pt idx="16">
+                  <c:v>0</c:v>
+                </c:pt>
+                <c:pt idx="17">
+                  <c:v>0</c:v>
+                </c:pt>
+                <c:pt idx="18">
+                  <c:v>0</c:v>
+                </c:pt>
+                <c:pt idx="19">
+                  <c:v>0</c:v>
+                </c:pt>
+                <c:pt idx="20">
+                  <c:v>0</c:v>
+                </c:pt>
+                <c:pt idx="21">
+                  <c:v>0</c:v>
+                </c:pt>
+              </c:numCache>
+            </c:numRef>
+          </c:val>
+        </c:ser>
+        <c:ser>
+          <c:idx val="3"/>
+          <c:order val="3"/>
+          <c:tx>
+            <c:strRef>
+              <c:f>Sheet1!$E$1</c:f>
+              <c:strCache>
+                <c:ptCount val="1"/>
+                <c:pt idx="0">
+                  <c:v>Team</c:v>
+                </c:pt>
+              </c:strCache>
+            </c:strRef>
+          </c:tx>
+          <c:spPr>
+            <a:solidFill>
+              <a:schemeClr val="accent2">
+                <a:lumMod val="75000"/>
+              </a:schemeClr>
+            </a:solidFill>
+            <a:ln>
+              <a:noFill/>
+            </a:ln>
+            <a:effectLst/>
+          </c:spPr>
+          <c:invertIfNegative val="0"/>
+          <c:cat>
+            <c:strRef>
+              <c:f>Sheet1!$A$2:$A$23</c:f>
+              <c:strCache>
+                <c:ptCount val="22"/>
+                <c:pt idx="0">
+                  <c:v>RAI</c:v>
+                </c:pt>
+                <c:pt idx="1">
+                  <c:v>VET</c:v>
+                </c:pt>
+                <c:pt idx="2">
+                  <c:v>HUL</c:v>
+                </c:pt>
+                <c:pt idx="3">
+                  <c:v>PER</c:v>
+                </c:pt>
+                <c:pt idx="4">
+                  <c:v>GRO</c:v>
+                </c:pt>
+                <c:pt idx="5">
+                  <c:v>GUT</c:v>
+                </c:pt>
+                <c:pt idx="6">
+                  <c:v>WEH</c:v>
+                </c:pt>
+                <c:pt idx="7">
+                  <c:v>HAR</c:v>
+                </c:pt>
+                <c:pt idx="8">
+                  <c:v>VAN</c:v>
+                </c:pt>
+                <c:pt idx="9">
+                  <c:v>BUT</c:v>
+                </c:pt>
+                <c:pt idx="10">
+                  <c:v>ROS</c:v>
+                </c:pt>
+                <c:pt idx="11">
+                  <c:v>HAM</c:v>
+                </c:pt>
+                <c:pt idx="12">
+                  <c:v>RIC</c:v>
+                </c:pt>
+                <c:pt idx="13">
+                  <c:v>KVY</c:v>
+                </c:pt>
+                <c:pt idx="14">
+                  <c:v>MAG</c:v>
+                </c:pt>
+                <c:pt idx="15">
+                  <c:v>PAL</c:v>
+                </c:pt>
+                <c:pt idx="16">
+                  <c:v>ERI</c:v>
+                </c:pt>
+                <c:pt idx="17">
+                  <c:v>NAS</c:v>
+                </c:pt>
+                <c:pt idx="18">
+                  <c:v>VES</c:v>
+                </c:pt>
+                <c:pt idx="19">
+                  <c:v>SAI</c:v>
+                </c:pt>
+                <c:pt idx="20">
+                  <c:v>MAS</c:v>
+                </c:pt>
+                <c:pt idx="21">
+                  <c:v>BOT</c:v>
+                </c:pt>
+              </c:strCache>
+            </c:strRef>
+          </c:cat>
+          <c:val>
+            <c:numRef>
               <c:f>Sheet1!$E$2:$E$23</c:f>
               <c:numCache>
                 <c:formatCode>General</c:formatCode>
@@ -840,7 +852,7 @@
           </c:tx>
           <c:spPr>
             <a:solidFill>
-              <a:schemeClr val="accent5"/>
+              <a:schemeClr val="tx1"/>
             </a:solidFill>
             <a:ln>
               <a:noFill/>
@@ -998,114 +1010,6 @@
             </c:numRef>
           </c:val>
         </c:ser>
-        <c:ser>
-          <c:idx val="5"/>
-          <c:order val="5"/>
-          <c:tx>
-            <c:strRef>
-              <c:f>Sheet1!$G$1</c:f>
-              <c:strCache>
-                <c:ptCount val="1"/>
-                <c:pt idx="0">
-                  <c:v>Column1</c:v>
-                </c:pt>
-              </c:strCache>
-            </c:strRef>
-          </c:tx>
-          <c:spPr>
-            <a:solidFill>
-              <a:schemeClr val="accent6"/>
-            </a:solidFill>
-            <a:ln>
-              <a:noFill/>
-            </a:ln>
-            <a:effectLst/>
-          </c:spPr>
-          <c:invertIfNegative val="0"/>
-          <c:cat>
-            <c:strRef>
-              <c:f>Sheet1!$A$2:$A$23</c:f>
-              <c:strCache>
-                <c:ptCount val="22"/>
-                <c:pt idx="0">
-                  <c:v>RAI</c:v>
-                </c:pt>
-                <c:pt idx="1">
-                  <c:v>VET</c:v>
-                </c:pt>
-                <c:pt idx="2">
-                  <c:v>HUL</c:v>
-                </c:pt>
-                <c:pt idx="3">
-                  <c:v>PER</c:v>
-                </c:pt>
-                <c:pt idx="4">
-                  <c:v>GRO</c:v>
-                </c:pt>
-                <c:pt idx="5">
-                  <c:v>GUT</c:v>
-                </c:pt>
-                <c:pt idx="6">
-                  <c:v>WEH</c:v>
-                </c:pt>
-                <c:pt idx="7">
-                  <c:v>HAR</c:v>
-                </c:pt>
-                <c:pt idx="8">
-                  <c:v>VAN</c:v>
-                </c:pt>
-                <c:pt idx="9">
-                  <c:v>BUT</c:v>
-                </c:pt>
-                <c:pt idx="10">
-                  <c:v>ROS</c:v>
-                </c:pt>
-                <c:pt idx="11">
-                  <c:v>HAM</c:v>
-                </c:pt>
-                <c:pt idx="12">
-                  <c:v>RIC</c:v>
-                </c:pt>
-                <c:pt idx="13">
-                  <c:v>KVY</c:v>
-                </c:pt>
-                <c:pt idx="14">
-                  <c:v>MAG</c:v>
-                </c:pt>
-                <c:pt idx="15">
-                  <c:v>PAL</c:v>
-                </c:pt>
-                <c:pt idx="16">
-                  <c:v>ERI</c:v>
-                </c:pt>
-                <c:pt idx="17">
-                  <c:v>NAS</c:v>
-                </c:pt>
-                <c:pt idx="18">
-                  <c:v>VES</c:v>
-                </c:pt>
-                <c:pt idx="19">
-                  <c:v>SAI</c:v>
-                </c:pt>
-                <c:pt idx="20">
-                  <c:v>MAS</c:v>
-                </c:pt>
-                <c:pt idx="21">
-                  <c:v>BOT</c:v>
-                </c:pt>
-              </c:strCache>
-            </c:strRef>
-          </c:cat>
-          <c:val>
-            <c:numRef>
-              <c:f>Sheet1!$G$2:$G$23</c:f>
-              <c:numCache>
-                <c:formatCode>General</c:formatCode>
-                <c:ptCount val="22"/>
-              </c:numCache>
-            </c:numRef>
-          </c:val>
-        </c:ser>
         <c:dLbls>
           <c:showLegendKey val="0"/>
           <c:showVal val="0"/>
@@ -1116,11 +1020,11 @@
         </c:dLbls>
         <c:gapWidth val="150"/>
         <c:overlap val="100"/>
-        <c:axId val="443200488"/>
-        <c:axId val="443200880"/>
+        <c:axId val="176165560"/>
+        <c:axId val="6948800"/>
       </c:barChart>
       <c:catAx>
-        <c:axId val="443200488"/>
+        <c:axId val="176165560"/>
         <c:scaling>
           <c:orientation val="minMax"/>
         </c:scaling>
@@ -1163,7 +1067,7 @@
             <a:endParaRPr lang="en-US"/>
           </a:p>
         </c:txPr>
-        <c:crossAx val="443200880"/>
+        <c:crossAx val="6948800"/>
         <c:crosses val="autoZero"/>
         <c:auto val="1"/>
         <c:lblAlgn val="ctr"/>
@@ -1171,7 +1075,7 @@
         <c:noMultiLvlLbl val="0"/>
       </c:catAx>
       <c:valAx>
-        <c:axId val="443200880"/>
+        <c:axId val="6948800"/>
         <c:scaling>
           <c:orientation val="minMax"/>
         </c:scaling>
@@ -1222,7 +1126,7 @@
             <a:endParaRPr lang="en-US"/>
           </a:p>
         </c:txPr>
-        <c:crossAx val="443200488"/>
+        <c:crossAx val="176165560"/>
         <c:crosses val="autoZero"/>
         <c:crossBetween val="between"/>
       </c:valAx>
@@ -1235,9 +1139,18 @@
       </c:spPr>
     </c:plotArea>
     <c:legend>
-      <c:legendPos val="b"/>
-      <c:layout/>
-      <c:overlay val="0"/>
+      <c:legendPos val="r"/>
+      <c:layout>
+        <c:manualLayout>
+          <c:xMode val="edge"/>
+          <c:yMode val="edge"/>
+          <c:x val="0.87440961308379583"/>
+          <c:y val="7.7044673286045029E-2"/>
+          <c:w val="0.11316633747827015"/>
+          <c:h val="0.36865127919832119"/>
+        </c:manualLayout>
+      </c:layout>
+      <c:overlay val="1"/>
       <c:spPr>
         <a:noFill/>
         <a:ln>
@@ -1756,11 +1669,11 @@
         </c:dLbls>
         <c:gapWidth val="150"/>
         <c:overlap val="100"/>
-        <c:axId val="450792776"/>
-        <c:axId val="450793560"/>
+        <c:axId val="176291336"/>
+        <c:axId val="176372000"/>
       </c:barChart>
       <c:catAx>
-        <c:axId val="450792776"/>
+        <c:axId val="176291336"/>
         <c:scaling>
           <c:orientation val="minMax"/>
         </c:scaling>
@@ -1803,7 +1716,7 @@
             <a:endParaRPr lang="en-US"/>
           </a:p>
         </c:txPr>
-        <c:crossAx val="450793560"/>
+        <c:crossAx val="176372000"/>
         <c:crosses val="autoZero"/>
         <c:auto val="1"/>
         <c:lblAlgn val="ctr"/>
@@ -1811,7 +1724,7 @@
         <c:noMultiLvlLbl val="0"/>
       </c:catAx>
       <c:valAx>
-        <c:axId val="450793560"/>
+        <c:axId val="176372000"/>
         <c:scaling>
           <c:orientation val="minMax"/>
         </c:scaling>
@@ -1862,7 +1775,2311 @@
             <a:endParaRPr lang="en-US"/>
           </a:p>
         </c:txPr>
-        <c:crossAx val="450792776"/>
+        <c:crossAx val="176291336"/>
+        <c:crosses val="autoZero"/>
+        <c:crossBetween val="between"/>
+      </c:valAx>
+      <c:spPr>
+        <a:noFill/>
+        <a:ln>
+          <a:noFill/>
+        </a:ln>
+        <a:effectLst/>
+      </c:spPr>
+    </c:plotArea>
+    <c:plotVisOnly val="1"/>
+    <c:dispBlanksAs val="gap"/>
+    <c:showDLblsOverMax val="0"/>
+  </c:chart>
+  <c:spPr>
+    <a:noFill/>
+    <a:ln>
+      <a:noFill/>
+    </a:ln>
+    <a:effectLst/>
+  </c:spPr>
+  <c:txPr>
+    <a:bodyPr/>
+    <a:lstStyle/>
+    <a:p>
+      <a:pPr>
+        <a:defRPr/>
+      </a:pPr>
+      <a:endParaRPr lang="en-US"/>
+    </a:p>
+  </c:txPr>
+  <c:externalData r:id="rId3">
+    <c:autoUpdate val="0"/>
+  </c:externalData>
+</c:chartSpace>
+</file>
+
+<file path=ppt/charts/chart3.xml><?xml version="1.0" encoding="utf-8"?>
+<c:chartSpace xmlns:c="http://schemas.openxmlformats.org/drawingml/2006/chart" xmlns:a="http://schemas.openxmlformats.org/drawingml/2006/main" xmlns:r="http://schemas.openxmlformats.org/officeDocument/2006/relationships">
+  <c:date1904 val="0"/>
+  <c:lang val="en-US"/>
+  <c:roundedCorners val="0"/>
+  <mc:AlternateContent xmlns:mc="http://schemas.openxmlformats.org/markup-compatibility/2006">
+    <mc:Choice xmlns:c14="http://schemas.microsoft.com/office/drawing/2007/8/2/chart" Requires="c14">
+      <c14:style val="102"/>
+    </mc:Choice>
+    <mc:Fallback>
+      <c:style val="2"/>
+    </mc:Fallback>
+  </mc:AlternateContent>
+  <c:chart>
+    <c:autoTitleDeleted val="1"/>
+    <c:plotArea>
+      <c:layout/>
+      <c:barChart>
+        <c:barDir val="col"/>
+        <c:grouping val="stacked"/>
+        <c:varyColors val="0"/>
+        <c:ser>
+          <c:idx val="0"/>
+          <c:order val="0"/>
+          <c:tx>
+            <c:strRef>
+              <c:f>Sheet1!$B$1</c:f>
+              <c:strCache>
+                <c:ptCount val="1"/>
+                <c:pt idx="0">
+                  <c:v>Qual</c:v>
+                </c:pt>
+              </c:strCache>
+            </c:strRef>
+          </c:tx>
+          <c:spPr>
+            <a:solidFill>
+              <a:schemeClr val="tx1"/>
+            </a:solidFill>
+            <a:ln>
+              <a:noFill/>
+            </a:ln>
+            <a:effectLst/>
+          </c:spPr>
+          <c:invertIfNegative val="0"/>
+          <c:cat>
+            <c:strRef>
+              <c:f>Sheet1!$A$2:$A$23</c:f>
+              <c:strCache>
+                <c:ptCount val="22"/>
+                <c:pt idx="0">
+                  <c:v>RAI</c:v>
+                </c:pt>
+                <c:pt idx="1">
+                  <c:v>VET</c:v>
+                </c:pt>
+                <c:pt idx="2">
+                  <c:v>HUL</c:v>
+                </c:pt>
+                <c:pt idx="3">
+                  <c:v>PER</c:v>
+                </c:pt>
+                <c:pt idx="4">
+                  <c:v>GRO</c:v>
+                </c:pt>
+                <c:pt idx="5">
+                  <c:v>GUT</c:v>
+                </c:pt>
+                <c:pt idx="6">
+                  <c:v>WEH</c:v>
+                </c:pt>
+                <c:pt idx="7">
+                  <c:v>HAR</c:v>
+                </c:pt>
+                <c:pt idx="8">
+                  <c:v>VAN</c:v>
+                </c:pt>
+                <c:pt idx="9">
+                  <c:v>BUT</c:v>
+                </c:pt>
+                <c:pt idx="10">
+                  <c:v>ROS</c:v>
+                </c:pt>
+                <c:pt idx="11">
+                  <c:v>HAM</c:v>
+                </c:pt>
+                <c:pt idx="12">
+                  <c:v>RIC</c:v>
+                </c:pt>
+                <c:pt idx="13">
+                  <c:v>KVY</c:v>
+                </c:pt>
+                <c:pt idx="14">
+                  <c:v>MAG</c:v>
+                </c:pt>
+                <c:pt idx="15">
+                  <c:v>PAL</c:v>
+                </c:pt>
+                <c:pt idx="16">
+                  <c:v>ERI</c:v>
+                </c:pt>
+                <c:pt idx="17">
+                  <c:v>NAS</c:v>
+                </c:pt>
+                <c:pt idx="18">
+                  <c:v>VES</c:v>
+                </c:pt>
+                <c:pt idx="19">
+                  <c:v>SAI</c:v>
+                </c:pt>
+                <c:pt idx="20">
+                  <c:v>MAS</c:v>
+                </c:pt>
+                <c:pt idx="21">
+                  <c:v>BOT</c:v>
+                </c:pt>
+              </c:strCache>
+            </c:strRef>
+          </c:cat>
+          <c:val>
+            <c:numRef>
+              <c:f>Sheet1!$B$2:$B$23</c:f>
+              <c:numCache>
+                <c:formatCode>General</c:formatCode>
+                <c:ptCount val="22"/>
+                <c:pt idx="0">
+                  <c:v>0</c:v>
+                </c:pt>
+                <c:pt idx="1">
+                  <c:v>1</c:v>
+                </c:pt>
+                <c:pt idx="2">
+                  <c:v>1</c:v>
+                </c:pt>
+                <c:pt idx="3">
+                  <c:v>1</c:v>
+                </c:pt>
+                <c:pt idx="4">
+                  <c:v>2</c:v>
+                </c:pt>
+                <c:pt idx="5">
+                  <c:v>2</c:v>
+                </c:pt>
+                <c:pt idx="6">
+                  <c:v>0</c:v>
+                </c:pt>
+                <c:pt idx="7">
+                  <c:v>2</c:v>
+                </c:pt>
+                <c:pt idx="8">
+                  <c:v>3</c:v>
+                </c:pt>
+                <c:pt idx="9">
+                  <c:v>2</c:v>
+                </c:pt>
+                <c:pt idx="10">
+                  <c:v>0</c:v>
+                </c:pt>
+                <c:pt idx="11">
+                  <c:v>2</c:v>
+                </c:pt>
+                <c:pt idx="12">
+                  <c:v>2</c:v>
+                </c:pt>
+                <c:pt idx="13">
+                  <c:v>1</c:v>
+                </c:pt>
+                <c:pt idx="14">
+                  <c:v>2</c:v>
+                </c:pt>
+                <c:pt idx="15">
+                  <c:v>1</c:v>
+                </c:pt>
+                <c:pt idx="16">
+                  <c:v>0</c:v>
+                </c:pt>
+                <c:pt idx="17">
+                  <c:v>1</c:v>
+                </c:pt>
+                <c:pt idx="18">
+                  <c:v>1</c:v>
+                </c:pt>
+                <c:pt idx="19">
+                  <c:v>0</c:v>
+                </c:pt>
+                <c:pt idx="20">
+                  <c:v>0</c:v>
+                </c:pt>
+                <c:pt idx="21">
+                  <c:v>0</c:v>
+                </c:pt>
+              </c:numCache>
+            </c:numRef>
+          </c:val>
+        </c:ser>
+        <c:ser>
+          <c:idx val="1"/>
+          <c:order val="1"/>
+          <c:tx>
+            <c:strRef>
+              <c:f>Sheet1!$C$1</c:f>
+              <c:strCache>
+                <c:ptCount val="1"/>
+                <c:pt idx="0">
+                  <c:v>Comp</c:v>
+                </c:pt>
+              </c:strCache>
+            </c:strRef>
+          </c:tx>
+          <c:spPr>
+            <a:solidFill>
+              <a:schemeClr val="tx1"/>
+            </a:solidFill>
+            <a:ln>
+              <a:noFill/>
+            </a:ln>
+            <a:effectLst/>
+          </c:spPr>
+          <c:invertIfNegative val="0"/>
+          <c:cat>
+            <c:strRef>
+              <c:f>Sheet1!$A$2:$A$23</c:f>
+              <c:strCache>
+                <c:ptCount val="22"/>
+                <c:pt idx="0">
+                  <c:v>RAI</c:v>
+                </c:pt>
+                <c:pt idx="1">
+                  <c:v>VET</c:v>
+                </c:pt>
+                <c:pt idx="2">
+                  <c:v>HUL</c:v>
+                </c:pt>
+                <c:pt idx="3">
+                  <c:v>PER</c:v>
+                </c:pt>
+                <c:pt idx="4">
+                  <c:v>GRO</c:v>
+                </c:pt>
+                <c:pt idx="5">
+                  <c:v>GUT</c:v>
+                </c:pt>
+                <c:pt idx="6">
+                  <c:v>WEH</c:v>
+                </c:pt>
+                <c:pt idx="7">
+                  <c:v>HAR</c:v>
+                </c:pt>
+                <c:pt idx="8">
+                  <c:v>VAN</c:v>
+                </c:pt>
+                <c:pt idx="9">
+                  <c:v>BUT</c:v>
+                </c:pt>
+                <c:pt idx="10">
+                  <c:v>ROS</c:v>
+                </c:pt>
+                <c:pt idx="11">
+                  <c:v>HAM</c:v>
+                </c:pt>
+                <c:pt idx="12">
+                  <c:v>RIC</c:v>
+                </c:pt>
+                <c:pt idx="13">
+                  <c:v>KVY</c:v>
+                </c:pt>
+                <c:pt idx="14">
+                  <c:v>MAG</c:v>
+                </c:pt>
+                <c:pt idx="15">
+                  <c:v>PAL</c:v>
+                </c:pt>
+                <c:pt idx="16">
+                  <c:v>ERI</c:v>
+                </c:pt>
+                <c:pt idx="17">
+                  <c:v>NAS</c:v>
+                </c:pt>
+                <c:pt idx="18">
+                  <c:v>VES</c:v>
+                </c:pt>
+                <c:pt idx="19">
+                  <c:v>SAI</c:v>
+                </c:pt>
+                <c:pt idx="20">
+                  <c:v>MAS</c:v>
+                </c:pt>
+                <c:pt idx="21">
+                  <c:v>BOT</c:v>
+                </c:pt>
+              </c:strCache>
+            </c:strRef>
+          </c:cat>
+          <c:val>
+            <c:numRef>
+              <c:f>Sheet1!$C$2:$C$23</c:f>
+              <c:numCache>
+                <c:formatCode>General</c:formatCode>
+                <c:ptCount val="22"/>
+                <c:pt idx="0">
+                  <c:v>6</c:v>
+                </c:pt>
+                <c:pt idx="1">
+                  <c:v>4</c:v>
+                </c:pt>
+                <c:pt idx="2">
+                  <c:v>3</c:v>
+                </c:pt>
+                <c:pt idx="3">
+                  <c:v>3</c:v>
+                </c:pt>
+                <c:pt idx="4">
+                  <c:v>1</c:v>
+                </c:pt>
+                <c:pt idx="5">
+                  <c:v>1</c:v>
+                </c:pt>
+                <c:pt idx="6">
+                  <c:v>2</c:v>
+                </c:pt>
+                <c:pt idx="7">
+                  <c:v>0</c:v>
+                </c:pt>
+                <c:pt idx="8">
+                  <c:v>0</c:v>
+                </c:pt>
+                <c:pt idx="9">
+                  <c:v>0</c:v>
+                </c:pt>
+                <c:pt idx="10">
+                  <c:v>1</c:v>
+                </c:pt>
+                <c:pt idx="11">
+                  <c:v>0</c:v>
+                </c:pt>
+                <c:pt idx="12">
+                  <c:v>0</c:v>
+                </c:pt>
+                <c:pt idx="13">
+                  <c:v>0</c:v>
+                </c:pt>
+                <c:pt idx="14">
+                  <c:v>0</c:v>
+                </c:pt>
+                <c:pt idx="15">
+                  <c:v>0</c:v>
+                </c:pt>
+                <c:pt idx="16">
+                  <c:v>0</c:v>
+                </c:pt>
+                <c:pt idx="17">
+                  <c:v>0</c:v>
+                </c:pt>
+                <c:pt idx="18">
+                  <c:v>0</c:v>
+                </c:pt>
+                <c:pt idx="19">
+                  <c:v>0</c:v>
+                </c:pt>
+                <c:pt idx="20">
+                  <c:v>0</c:v>
+                </c:pt>
+                <c:pt idx="21">
+                  <c:v>0</c:v>
+                </c:pt>
+              </c:numCache>
+            </c:numRef>
+          </c:val>
+        </c:ser>
+        <c:ser>
+          <c:idx val="2"/>
+          <c:order val="2"/>
+          <c:tx>
+            <c:strRef>
+              <c:f>Sheet1!$D$1</c:f>
+              <c:strCache>
+                <c:ptCount val="1"/>
+                <c:pt idx="0">
+                  <c:v>Movement</c:v>
+                </c:pt>
+              </c:strCache>
+            </c:strRef>
+          </c:tx>
+          <c:spPr>
+            <a:solidFill>
+              <a:schemeClr val="tx1"/>
+            </a:solidFill>
+            <a:ln>
+              <a:noFill/>
+            </a:ln>
+            <a:effectLst/>
+          </c:spPr>
+          <c:invertIfNegative val="0"/>
+          <c:cat>
+            <c:strRef>
+              <c:f>Sheet1!$A$2:$A$23</c:f>
+              <c:strCache>
+                <c:ptCount val="22"/>
+                <c:pt idx="0">
+                  <c:v>RAI</c:v>
+                </c:pt>
+                <c:pt idx="1">
+                  <c:v>VET</c:v>
+                </c:pt>
+                <c:pt idx="2">
+                  <c:v>HUL</c:v>
+                </c:pt>
+                <c:pt idx="3">
+                  <c:v>PER</c:v>
+                </c:pt>
+                <c:pt idx="4">
+                  <c:v>GRO</c:v>
+                </c:pt>
+                <c:pt idx="5">
+                  <c:v>GUT</c:v>
+                </c:pt>
+                <c:pt idx="6">
+                  <c:v>WEH</c:v>
+                </c:pt>
+                <c:pt idx="7">
+                  <c:v>HAR</c:v>
+                </c:pt>
+                <c:pt idx="8">
+                  <c:v>VAN</c:v>
+                </c:pt>
+                <c:pt idx="9">
+                  <c:v>BUT</c:v>
+                </c:pt>
+                <c:pt idx="10">
+                  <c:v>ROS</c:v>
+                </c:pt>
+                <c:pt idx="11">
+                  <c:v>HAM</c:v>
+                </c:pt>
+                <c:pt idx="12">
+                  <c:v>RIC</c:v>
+                </c:pt>
+                <c:pt idx="13">
+                  <c:v>KVY</c:v>
+                </c:pt>
+                <c:pt idx="14">
+                  <c:v>MAG</c:v>
+                </c:pt>
+                <c:pt idx="15">
+                  <c:v>PAL</c:v>
+                </c:pt>
+                <c:pt idx="16">
+                  <c:v>ERI</c:v>
+                </c:pt>
+                <c:pt idx="17">
+                  <c:v>NAS</c:v>
+                </c:pt>
+                <c:pt idx="18">
+                  <c:v>VES</c:v>
+                </c:pt>
+                <c:pt idx="19">
+                  <c:v>SAI</c:v>
+                </c:pt>
+                <c:pt idx="20">
+                  <c:v>MAS</c:v>
+                </c:pt>
+                <c:pt idx="21">
+                  <c:v>BOT</c:v>
+                </c:pt>
+              </c:strCache>
+            </c:strRef>
+          </c:cat>
+          <c:val>
+            <c:numRef>
+              <c:f>Sheet1!$D$2:$D$23</c:f>
+              <c:numCache>
+                <c:formatCode>General</c:formatCode>
+                <c:ptCount val="22"/>
+                <c:pt idx="0">
+                  <c:v>6</c:v>
+                </c:pt>
+                <c:pt idx="1">
+                  <c:v>4</c:v>
+                </c:pt>
+                <c:pt idx="2">
+                  <c:v>3</c:v>
+                </c:pt>
+                <c:pt idx="3">
+                  <c:v>3</c:v>
+                </c:pt>
+                <c:pt idx="4">
+                  <c:v>1</c:v>
+                </c:pt>
+                <c:pt idx="5">
+                  <c:v>1</c:v>
+                </c:pt>
+                <c:pt idx="6">
+                  <c:v>2</c:v>
+                </c:pt>
+                <c:pt idx="7">
+                  <c:v>0</c:v>
+                </c:pt>
+                <c:pt idx="8">
+                  <c:v>0</c:v>
+                </c:pt>
+                <c:pt idx="9">
+                  <c:v>0</c:v>
+                </c:pt>
+                <c:pt idx="10">
+                  <c:v>1</c:v>
+                </c:pt>
+                <c:pt idx="11">
+                  <c:v>0</c:v>
+                </c:pt>
+                <c:pt idx="12">
+                  <c:v>0</c:v>
+                </c:pt>
+                <c:pt idx="13">
+                  <c:v>0</c:v>
+                </c:pt>
+                <c:pt idx="14">
+                  <c:v>0</c:v>
+                </c:pt>
+                <c:pt idx="15">
+                  <c:v>0</c:v>
+                </c:pt>
+                <c:pt idx="16">
+                  <c:v>0</c:v>
+                </c:pt>
+                <c:pt idx="17">
+                  <c:v>0</c:v>
+                </c:pt>
+                <c:pt idx="18">
+                  <c:v>0</c:v>
+                </c:pt>
+                <c:pt idx="19">
+                  <c:v>0</c:v>
+                </c:pt>
+                <c:pt idx="20">
+                  <c:v>0</c:v>
+                </c:pt>
+                <c:pt idx="21">
+                  <c:v>0</c:v>
+                </c:pt>
+              </c:numCache>
+            </c:numRef>
+          </c:val>
+        </c:ser>
+        <c:ser>
+          <c:idx val="3"/>
+          <c:order val="3"/>
+          <c:tx>
+            <c:strRef>
+              <c:f>Sheet1!$E$1</c:f>
+              <c:strCache>
+                <c:ptCount val="1"/>
+                <c:pt idx="0">
+                  <c:v>Team</c:v>
+                </c:pt>
+              </c:strCache>
+            </c:strRef>
+          </c:tx>
+          <c:spPr>
+            <a:solidFill>
+              <a:schemeClr val="tx1"/>
+            </a:solidFill>
+            <a:ln>
+              <a:noFill/>
+            </a:ln>
+            <a:effectLst/>
+          </c:spPr>
+          <c:invertIfNegative val="0"/>
+          <c:cat>
+            <c:strRef>
+              <c:f>Sheet1!$A$2:$A$23</c:f>
+              <c:strCache>
+                <c:ptCount val="22"/>
+                <c:pt idx="0">
+                  <c:v>RAI</c:v>
+                </c:pt>
+                <c:pt idx="1">
+                  <c:v>VET</c:v>
+                </c:pt>
+                <c:pt idx="2">
+                  <c:v>HUL</c:v>
+                </c:pt>
+                <c:pt idx="3">
+                  <c:v>PER</c:v>
+                </c:pt>
+                <c:pt idx="4">
+                  <c:v>GRO</c:v>
+                </c:pt>
+                <c:pt idx="5">
+                  <c:v>GUT</c:v>
+                </c:pt>
+                <c:pt idx="6">
+                  <c:v>WEH</c:v>
+                </c:pt>
+                <c:pt idx="7">
+                  <c:v>HAR</c:v>
+                </c:pt>
+                <c:pt idx="8">
+                  <c:v>VAN</c:v>
+                </c:pt>
+                <c:pt idx="9">
+                  <c:v>BUT</c:v>
+                </c:pt>
+                <c:pt idx="10">
+                  <c:v>ROS</c:v>
+                </c:pt>
+                <c:pt idx="11">
+                  <c:v>HAM</c:v>
+                </c:pt>
+                <c:pt idx="12">
+                  <c:v>RIC</c:v>
+                </c:pt>
+                <c:pt idx="13">
+                  <c:v>KVY</c:v>
+                </c:pt>
+                <c:pt idx="14">
+                  <c:v>MAG</c:v>
+                </c:pt>
+                <c:pt idx="15">
+                  <c:v>PAL</c:v>
+                </c:pt>
+                <c:pt idx="16">
+                  <c:v>ERI</c:v>
+                </c:pt>
+                <c:pt idx="17">
+                  <c:v>NAS</c:v>
+                </c:pt>
+                <c:pt idx="18">
+                  <c:v>VES</c:v>
+                </c:pt>
+                <c:pt idx="19">
+                  <c:v>SAI</c:v>
+                </c:pt>
+                <c:pt idx="20">
+                  <c:v>MAS</c:v>
+                </c:pt>
+                <c:pt idx="21">
+                  <c:v>BOT</c:v>
+                </c:pt>
+              </c:strCache>
+            </c:strRef>
+          </c:cat>
+          <c:val>
+            <c:numRef>
+              <c:f>Sheet1!$E$2:$E$23</c:f>
+              <c:numCache>
+                <c:formatCode>General</c:formatCode>
+                <c:ptCount val="22"/>
+                <c:pt idx="0">
+                  <c:v>1</c:v>
+                </c:pt>
+                <c:pt idx="1">
+                  <c:v>0</c:v>
+                </c:pt>
+                <c:pt idx="2">
+                  <c:v>1</c:v>
+                </c:pt>
+                <c:pt idx="3">
+                  <c:v>1</c:v>
+                </c:pt>
+                <c:pt idx="4">
+                  <c:v>1</c:v>
+                </c:pt>
+                <c:pt idx="5">
+                  <c:v>1</c:v>
+                </c:pt>
+                <c:pt idx="6">
+                  <c:v>0</c:v>
+                </c:pt>
+                <c:pt idx="7">
+                  <c:v>1</c:v>
+                </c:pt>
+                <c:pt idx="8">
+                  <c:v>0</c:v>
+                </c:pt>
+                <c:pt idx="9">
+                  <c:v>1</c:v>
+                </c:pt>
+                <c:pt idx="10">
+                  <c:v>1</c:v>
+                </c:pt>
+                <c:pt idx="11">
+                  <c:v>1</c:v>
+                </c:pt>
+                <c:pt idx="12">
+                  <c:v>0</c:v>
+                </c:pt>
+                <c:pt idx="13">
+                  <c:v>1</c:v>
+                </c:pt>
+                <c:pt idx="14">
+                  <c:v>0</c:v>
+                </c:pt>
+                <c:pt idx="15">
+                  <c:v>0</c:v>
+                </c:pt>
+                <c:pt idx="16">
+                  <c:v>1</c:v>
+                </c:pt>
+                <c:pt idx="17">
+                  <c:v>0</c:v>
+                </c:pt>
+                <c:pt idx="18">
+                  <c:v>0</c:v>
+                </c:pt>
+                <c:pt idx="19">
+                  <c:v>0</c:v>
+                </c:pt>
+                <c:pt idx="20">
+                  <c:v>0</c:v>
+                </c:pt>
+                <c:pt idx="21">
+                  <c:v>0</c:v>
+                </c:pt>
+              </c:numCache>
+            </c:numRef>
+          </c:val>
+        </c:ser>
+        <c:ser>
+          <c:idx val="4"/>
+          <c:order val="4"/>
+          <c:tx>
+            <c:strRef>
+              <c:f>Sheet1!$F$1</c:f>
+              <c:strCache>
+                <c:ptCount val="1"/>
+                <c:pt idx="0">
+                  <c:v>Fst Lap</c:v>
+                </c:pt>
+              </c:strCache>
+            </c:strRef>
+          </c:tx>
+          <c:spPr>
+            <a:solidFill>
+              <a:schemeClr val="tx1"/>
+            </a:solidFill>
+            <a:ln>
+              <a:noFill/>
+            </a:ln>
+            <a:effectLst/>
+          </c:spPr>
+          <c:invertIfNegative val="0"/>
+          <c:cat>
+            <c:strRef>
+              <c:f>Sheet1!$A$2:$A$23</c:f>
+              <c:strCache>
+                <c:ptCount val="22"/>
+                <c:pt idx="0">
+                  <c:v>RAI</c:v>
+                </c:pt>
+                <c:pt idx="1">
+                  <c:v>VET</c:v>
+                </c:pt>
+                <c:pt idx="2">
+                  <c:v>HUL</c:v>
+                </c:pt>
+                <c:pt idx="3">
+                  <c:v>PER</c:v>
+                </c:pt>
+                <c:pt idx="4">
+                  <c:v>GRO</c:v>
+                </c:pt>
+                <c:pt idx="5">
+                  <c:v>GUT</c:v>
+                </c:pt>
+                <c:pt idx="6">
+                  <c:v>WEH</c:v>
+                </c:pt>
+                <c:pt idx="7">
+                  <c:v>HAR</c:v>
+                </c:pt>
+                <c:pt idx="8">
+                  <c:v>VAN</c:v>
+                </c:pt>
+                <c:pt idx="9">
+                  <c:v>BUT</c:v>
+                </c:pt>
+                <c:pt idx="10">
+                  <c:v>ROS</c:v>
+                </c:pt>
+                <c:pt idx="11">
+                  <c:v>HAM</c:v>
+                </c:pt>
+                <c:pt idx="12">
+                  <c:v>RIC</c:v>
+                </c:pt>
+                <c:pt idx="13">
+                  <c:v>KVY</c:v>
+                </c:pt>
+                <c:pt idx="14">
+                  <c:v>MAG</c:v>
+                </c:pt>
+                <c:pt idx="15">
+                  <c:v>PAL</c:v>
+                </c:pt>
+                <c:pt idx="16">
+                  <c:v>ERI</c:v>
+                </c:pt>
+                <c:pt idx="17">
+                  <c:v>NAS</c:v>
+                </c:pt>
+                <c:pt idx="18">
+                  <c:v>VES</c:v>
+                </c:pt>
+                <c:pt idx="19">
+                  <c:v>SAI</c:v>
+                </c:pt>
+                <c:pt idx="20">
+                  <c:v>MAS</c:v>
+                </c:pt>
+                <c:pt idx="21">
+                  <c:v>BOT</c:v>
+                </c:pt>
+              </c:strCache>
+            </c:strRef>
+          </c:cat>
+          <c:val>
+            <c:numRef>
+              <c:f>Sheet1!$F$2:$F$23</c:f>
+              <c:numCache>
+                <c:formatCode>General</c:formatCode>
+                <c:ptCount val="22"/>
+                <c:pt idx="0">
+                  <c:v>0</c:v>
+                </c:pt>
+                <c:pt idx="1">
+                  <c:v>0</c:v>
+                </c:pt>
+                <c:pt idx="2">
+                  <c:v>0</c:v>
+                </c:pt>
+                <c:pt idx="3">
+                  <c:v>0</c:v>
+                </c:pt>
+                <c:pt idx="4">
+                  <c:v>2</c:v>
+                </c:pt>
+                <c:pt idx="5">
+                  <c:v>0</c:v>
+                </c:pt>
+                <c:pt idx="6">
+                  <c:v>0</c:v>
+                </c:pt>
+                <c:pt idx="7">
+                  <c:v>0</c:v>
+                </c:pt>
+                <c:pt idx="8">
+                  <c:v>0</c:v>
+                </c:pt>
+                <c:pt idx="9">
+                  <c:v>0</c:v>
+                </c:pt>
+                <c:pt idx="10">
+                  <c:v>0</c:v>
+                </c:pt>
+                <c:pt idx="11">
+                  <c:v>0</c:v>
+                </c:pt>
+                <c:pt idx="12">
+                  <c:v>0</c:v>
+                </c:pt>
+                <c:pt idx="13">
+                  <c:v>0</c:v>
+                </c:pt>
+                <c:pt idx="14">
+                  <c:v>0</c:v>
+                </c:pt>
+                <c:pt idx="15">
+                  <c:v>0</c:v>
+                </c:pt>
+                <c:pt idx="16">
+                  <c:v>0</c:v>
+                </c:pt>
+                <c:pt idx="17">
+                  <c:v>0</c:v>
+                </c:pt>
+                <c:pt idx="18">
+                  <c:v>0</c:v>
+                </c:pt>
+                <c:pt idx="19">
+                  <c:v>0</c:v>
+                </c:pt>
+                <c:pt idx="20">
+                  <c:v>0</c:v>
+                </c:pt>
+                <c:pt idx="21">
+                  <c:v>0</c:v>
+                </c:pt>
+              </c:numCache>
+            </c:numRef>
+          </c:val>
+        </c:ser>
+        <c:dLbls>
+          <c:showLegendKey val="0"/>
+          <c:showVal val="0"/>
+          <c:showCatName val="0"/>
+          <c:showSerName val="0"/>
+          <c:showPercent val="0"/>
+          <c:showBubbleSize val="0"/>
+        </c:dLbls>
+        <c:gapWidth val="150"/>
+        <c:overlap val="100"/>
+        <c:axId val="318450424"/>
+        <c:axId val="318451992"/>
+      </c:barChart>
+      <c:catAx>
+        <c:axId val="318450424"/>
+        <c:scaling>
+          <c:orientation val="minMax"/>
+        </c:scaling>
+        <c:delete val="0"/>
+        <c:axPos val="b"/>
+        <c:numFmt formatCode="General" sourceLinked="1"/>
+        <c:majorTickMark val="none"/>
+        <c:minorTickMark val="none"/>
+        <c:tickLblPos val="nextTo"/>
+        <c:spPr>
+          <a:noFill/>
+          <a:ln w="41275" cap="flat" cmpd="sng" algn="ctr">
+            <a:solidFill>
+              <a:schemeClr val="tx1">
+                <a:lumMod val="15000"/>
+                <a:lumOff val="85000"/>
+              </a:schemeClr>
+            </a:solidFill>
+            <a:round/>
+          </a:ln>
+          <a:effectLst/>
+        </c:spPr>
+        <c:txPr>
+          <a:bodyPr rot="-60000000" spcFirstLastPara="1" vertOverflow="ellipsis" vert="horz" wrap="square" anchor="ctr" anchorCtr="1"/>
+          <a:lstStyle/>
+          <a:p>
+            <a:pPr>
+              <a:defRPr sz="1197" b="0" i="0" u="none" strike="noStrike" kern="1200" baseline="0">
+                <a:solidFill>
+                  <a:schemeClr val="tx1">
+                    <a:lumMod val="65000"/>
+                    <a:lumOff val="35000"/>
+                  </a:schemeClr>
+                </a:solidFill>
+                <a:latin typeface="+mn-lt"/>
+                <a:ea typeface="+mn-ea"/>
+                <a:cs typeface="+mn-cs"/>
+              </a:defRPr>
+            </a:pPr>
+            <a:endParaRPr lang="en-US"/>
+          </a:p>
+        </c:txPr>
+        <c:crossAx val="318451992"/>
+        <c:crosses val="autoZero"/>
+        <c:auto val="0"/>
+        <c:lblAlgn val="ctr"/>
+        <c:lblOffset val="100"/>
+        <c:noMultiLvlLbl val="0"/>
+      </c:catAx>
+      <c:valAx>
+        <c:axId val="318451992"/>
+        <c:scaling>
+          <c:orientation val="minMax"/>
+        </c:scaling>
+        <c:delete val="0"/>
+        <c:axPos val="l"/>
+        <c:majorGridlines>
+          <c:spPr>
+            <a:ln w="9525" cap="flat" cmpd="sng" algn="ctr">
+              <a:noFill/>
+              <a:round/>
+            </a:ln>
+            <a:effectLst/>
+          </c:spPr>
+        </c:majorGridlines>
+        <c:numFmt formatCode="General" sourceLinked="1"/>
+        <c:majorTickMark val="none"/>
+        <c:minorTickMark val="none"/>
+        <c:tickLblPos val="nextTo"/>
+        <c:spPr>
+          <a:noFill/>
+          <a:ln>
+            <a:noFill/>
+          </a:ln>
+          <a:effectLst/>
+        </c:spPr>
+        <c:txPr>
+          <a:bodyPr rot="-60000000" spcFirstLastPara="1" vertOverflow="ellipsis" vert="horz" wrap="square" anchor="ctr" anchorCtr="1"/>
+          <a:lstStyle/>
+          <a:p>
+            <a:pPr>
+              <a:defRPr sz="1197" b="0" i="0" u="none" strike="noStrike" kern="1200" baseline="0">
+                <a:solidFill>
+                  <a:schemeClr val="tx1">
+                    <a:lumMod val="65000"/>
+                    <a:lumOff val="35000"/>
+                  </a:schemeClr>
+                </a:solidFill>
+                <a:latin typeface="+mn-lt"/>
+                <a:ea typeface="+mn-ea"/>
+                <a:cs typeface="+mn-cs"/>
+              </a:defRPr>
+            </a:pPr>
+            <a:endParaRPr lang="en-US"/>
+          </a:p>
+        </c:txPr>
+        <c:crossAx val="318450424"/>
+        <c:crosses val="autoZero"/>
+        <c:crossBetween val="between"/>
+      </c:valAx>
+      <c:spPr>
+        <a:noFill/>
+        <a:ln>
+          <a:noFill/>
+        </a:ln>
+        <a:effectLst/>
+      </c:spPr>
+    </c:plotArea>
+    <c:plotVisOnly val="1"/>
+    <c:dispBlanksAs val="gap"/>
+    <c:showDLblsOverMax val="0"/>
+  </c:chart>
+  <c:spPr>
+    <a:noFill/>
+    <a:ln w="15875">
+      <a:solidFill>
+        <a:schemeClr val="bg1"/>
+      </a:solidFill>
+    </a:ln>
+    <a:effectLst/>
+  </c:spPr>
+  <c:txPr>
+    <a:bodyPr/>
+    <a:lstStyle/>
+    <a:p>
+      <a:pPr>
+        <a:defRPr/>
+      </a:pPr>
+      <a:endParaRPr lang="en-US"/>
+    </a:p>
+  </c:txPr>
+  <c:externalData r:id="rId3">
+    <c:autoUpdate val="0"/>
+  </c:externalData>
+</c:chartSpace>
+</file>
+
+<file path=ppt/charts/chart4.xml><?xml version="1.0" encoding="utf-8"?>
+<c:chartSpace xmlns:c="http://schemas.openxmlformats.org/drawingml/2006/chart" xmlns:a="http://schemas.openxmlformats.org/drawingml/2006/main" xmlns:r="http://schemas.openxmlformats.org/officeDocument/2006/relationships">
+  <c:date1904 val="0"/>
+  <c:lang val="en-US"/>
+  <c:roundedCorners val="0"/>
+  <mc:AlternateContent xmlns:mc="http://schemas.openxmlformats.org/markup-compatibility/2006">
+    <mc:Choice xmlns:c14="http://schemas.microsoft.com/office/drawing/2007/8/2/chart" Requires="c14">
+      <c14:style val="102"/>
+    </mc:Choice>
+    <mc:Fallback>
+      <c:style val="2"/>
+    </mc:Fallback>
+  </mc:AlternateContent>
+  <c:chart>
+    <c:autoTitleDeleted val="1"/>
+    <c:plotArea>
+      <c:layout>
+        <c:manualLayout>
+          <c:layoutTarget val="inner"/>
+          <c:xMode val="edge"/>
+          <c:yMode val="edge"/>
+          <c:x val="5.5287900501316392E-2"/>
+          <c:y val="4.1877901636088281E-2"/>
+          <c:w val="0.91562905323456345"/>
+          <c:h val="0.82221730701087192"/>
+        </c:manualLayout>
+      </c:layout>
+      <c:barChart>
+        <c:barDir val="col"/>
+        <c:grouping val="stacked"/>
+        <c:varyColors val="0"/>
+        <c:ser>
+          <c:idx val="0"/>
+          <c:order val="0"/>
+          <c:tx>
+            <c:strRef>
+              <c:f>Sheet1!$B$1</c:f>
+              <c:strCache>
+                <c:ptCount val="1"/>
+                <c:pt idx="0">
+                  <c:v>Series 1</c:v>
+                </c:pt>
+              </c:strCache>
+            </c:strRef>
+          </c:tx>
+          <c:spPr>
+            <a:solidFill>
+              <a:srgbClr val="C30000"/>
+            </a:solidFill>
+            <a:ln>
+              <a:noFill/>
+            </a:ln>
+            <a:effectLst/>
+          </c:spPr>
+          <c:invertIfNegative val="0"/>
+          <c:cat>
+            <c:strRef>
+              <c:f>Sheet1!$A$2:$A$6</c:f>
+              <c:strCache>
+                <c:ptCount val="5"/>
+                <c:pt idx="0">
+                  <c:v>Mike</c:v>
+                </c:pt>
+                <c:pt idx="1">
+                  <c:v>John</c:v>
+                </c:pt>
+                <c:pt idx="2">
+                  <c:v>Jason</c:v>
+                </c:pt>
+                <c:pt idx="3">
+                  <c:v>Chris</c:v>
+                </c:pt>
+                <c:pt idx="4">
+                  <c:v>Brian</c:v>
+                </c:pt>
+              </c:strCache>
+            </c:strRef>
+          </c:cat>
+          <c:val>
+            <c:numRef>
+              <c:f>Sheet1!$B$2:$B$6</c:f>
+              <c:numCache>
+                <c:formatCode>General</c:formatCode>
+                <c:ptCount val="5"/>
+                <c:pt idx="0">
+                  <c:v>2</c:v>
+                </c:pt>
+                <c:pt idx="1">
+                  <c:v>12</c:v>
+                </c:pt>
+                <c:pt idx="2">
+                  <c:v>12</c:v>
+                </c:pt>
+                <c:pt idx="3">
+                  <c:v>12</c:v>
+                </c:pt>
+                <c:pt idx="4">
+                  <c:v>1</c:v>
+                </c:pt>
+              </c:numCache>
+            </c:numRef>
+          </c:val>
+        </c:ser>
+        <c:ser>
+          <c:idx val="1"/>
+          <c:order val="1"/>
+          <c:tx>
+            <c:strRef>
+              <c:f>Sheet1!$C$1</c:f>
+              <c:strCache>
+                <c:ptCount val="1"/>
+                <c:pt idx="0">
+                  <c:v>Series 2</c:v>
+                </c:pt>
+              </c:strCache>
+            </c:strRef>
+          </c:tx>
+          <c:spPr>
+            <a:solidFill>
+              <a:srgbClr val="2AB4A5"/>
+            </a:solidFill>
+            <a:ln>
+              <a:noFill/>
+            </a:ln>
+            <a:effectLst/>
+          </c:spPr>
+          <c:invertIfNegative val="0"/>
+          <c:cat>
+            <c:strRef>
+              <c:f>Sheet1!$A$2:$A$6</c:f>
+              <c:strCache>
+                <c:ptCount val="5"/>
+                <c:pt idx="0">
+                  <c:v>Mike</c:v>
+                </c:pt>
+                <c:pt idx="1">
+                  <c:v>John</c:v>
+                </c:pt>
+                <c:pt idx="2">
+                  <c:v>Jason</c:v>
+                </c:pt>
+                <c:pt idx="3">
+                  <c:v>Chris</c:v>
+                </c:pt>
+                <c:pt idx="4">
+                  <c:v>Brian</c:v>
+                </c:pt>
+              </c:strCache>
+            </c:strRef>
+          </c:cat>
+          <c:val>
+            <c:numRef>
+              <c:f>Sheet1!$C$2:$C$6</c:f>
+              <c:numCache>
+                <c:formatCode>General</c:formatCode>
+                <c:ptCount val="5"/>
+                <c:pt idx="0">
+                  <c:v>19</c:v>
+                </c:pt>
+                <c:pt idx="1">
+                  <c:v>19</c:v>
+                </c:pt>
+                <c:pt idx="2">
+                  <c:v>19</c:v>
+                </c:pt>
+                <c:pt idx="3">
+                  <c:v>19</c:v>
+                </c:pt>
+                <c:pt idx="4">
+                  <c:v>14</c:v>
+                </c:pt>
+              </c:numCache>
+            </c:numRef>
+          </c:val>
+        </c:ser>
+        <c:ser>
+          <c:idx val="2"/>
+          <c:order val="2"/>
+          <c:tx>
+            <c:strRef>
+              <c:f>Sheet1!$D$1</c:f>
+              <c:strCache>
+                <c:ptCount val="1"/>
+                <c:pt idx="0">
+                  <c:v>Series 3</c:v>
+                </c:pt>
+              </c:strCache>
+            </c:strRef>
+          </c:tx>
+          <c:spPr>
+            <a:solidFill>
+              <a:srgbClr val="FFB800"/>
+            </a:solidFill>
+            <a:ln>
+              <a:noFill/>
+            </a:ln>
+            <a:effectLst/>
+          </c:spPr>
+          <c:invertIfNegative val="0"/>
+          <c:cat>
+            <c:strRef>
+              <c:f>Sheet1!$A$2:$A$6</c:f>
+              <c:strCache>
+                <c:ptCount val="5"/>
+                <c:pt idx="0">
+                  <c:v>Mike</c:v>
+                </c:pt>
+                <c:pt idx="1">
+                  <c:v>John</c:v>
+                </c:pt>
+                <c:pt idx="2">
+                  <c:v>Jason</c:v>
+                </c:pt>
+                <c:pt idx="3">
+                  <c:v>Chris</c:v>
+                </c:pt>
+                <c:pt idx="4">
+                  <c:v>Brian</c:v>
+                </c:pt>
+              </c:strCache>
+            </c:strRef>
+          </c:cat>
+          <c:val>
+            <c:numRef>
+              <c:f>Sheet1!$D$2:$D$6</c:f>
+              <c:numCache>
+                <c:formatCode>General</c:formatCode>
+                <c:ptCount val="5"/>
+                <c:pt idx="0">
+                  <c:v>7</c:v>
+                </c:pt>
+                <c:pt idx="1">
+                  <c:v>14</c:v>
+                </c:pt>
+                <c:pt idx="2">
+                  <c:v>14</c:v>
+                </c:pt>
+                <c:pt idx="3">
+                  <c:v>14</c:v>
+                </c:pt>
+                <c:pt idx="4">
+                  <c:v>16</c:v>
+                </c:pt>
+              </c:numCache>
+            </c:numRef>
+          </c:val>
+        </c:ser>
+        <c:ser>
+          <c:idx val="3"/>
+          <c:order val="3"/>
+          <c:tx>
+            <c:strRef>
+              <c:f>Sheet1!$E$1</c:f>
+              <c:strCache>
+                <c:ptCount val="1"/>
+                <c:pt idx="0">
+                  <c:v>Series 4</c:v>
+                </c:pt>
+              </c:strCache>
+            </c:strRef>
+          </c:tx>
+          <c:spPr>
+            <a:solidFill>
+              <a:srgbClr val="0005C1"/>
+            </a:solidFill>
+            <a:ln>
+              <a:noFill/>
+            </a:ln>
+            <a:effectLst/>
+          </c:spPr>
+          <c:invertIfNegative val="0"/>
+          <c:cat>
+            <c:strRef>
+              <c:f>Sheet1!$A$2:$A$6</c:f>
+              <c:strCache>
+                <c:ptCount val="5"/>
+                <c:pt idx="0">
+                  <c:v>Mike</c:v>
+                </c:pt>
+                <c:pt idx="1">
+                  <c:v>John</c:v>
+                </c:pt>
+                <c:pt idx="2">
+                  <c:v>Jason</c:v>
+                </c:pt>
+                <c:pt idx="3">
+                  <c:v>Chris</c:v>
+                </c:pt>
+                <c:pt idx="4">
+                  <c:v>Brian</c:v>
+                </c:pt>
+              </c:strCache>
+            </c:strRef>
+          </c:cat>
+          <c:val>
+            <c:numRef>
+              <c:f>Sheet1!$E$2:$E$6</c:f>
+              <c:numCache>
+                <c:formatCode>General</c:formatCode>
+                <c:ptCount val="5"/>
+                <c:pt idx="0">
+                  <c:v>2</c:v>
+                </c:pt>
+                <c:pt idx="1">
+                  <c:v>16</c:v>
+                </c:pt>
+                <c:pt idx="2">
+                  <c:v>13</c:v>
+                </c:pt>
+                <c:pt idx="3">
+                  <c:v>16</c:v>
+                </c:pt>
+                <c:pt idx="4">
+                  <c:v>2</c:v>
+                </c:pt>
+              </c:numCache>
+            </c:numRef>
+          </c:val>
+        </c:ser>
+        <c:ser>
+          <c:idx val="4"/>
+          <c:order val="4"/>
+          <c:tx>
+            <c:strRef>
+              <c:f>Sheet1!$F$1</c:f>
+              <c:strCache>
+                <c:ptCount val="1"/>
+                <c:pt idx="0">
+                  <c:v>Series 5</c:v>
+                </c:pt>
+              </c:strCache>
+            </c:strRef>
+          </c:tx>
+          <c:spPr>
+            <a:solidFill>
+              <a:srgbClr val="4F1AAB"/>
+            </a:solidFill>
+            <a:ln>
+              <a:noFill/>
+            </a:ln>
+            <a:effectLst/>
+          </c:spPr>
+          <c:invertIfNegative val="0"/>
+          <c:cat>
+            <c:strRef>
+              <c:f>Sheet1!$A$2:$A$6</c:f>
+              <c:strCache>
+                <c:ptCount val="5"/>
+                <c:pt idx="0">
+                  <c:v>Mike</c:v>
+                </c:pt>
+                <c:pt idx="1">
+                  <c:v>John</c:v>
+                </c:pt>
+                <c:pt idx="2">
+                  <c:v>Jason</c:v>
+                </c:pt>
+                <c:pt idx="3">
+                  <c:v>Chris</c:v>
+                </c:pt>
+                <c:pt idx="4">
+                  <c:v>Brian</c:v>
+                </c:pt>
+              </c:strCache>
+            </c:strRef>
+          </c:cat>
+          <c:val>
+            <c:numRef>
+              <c:f>Sheet1!$F$2:$F$6</c:f>
+              <c:numCache>
+                <c:formatCode>General</c:formatCode>
+                <c:ptCount val="5"/>
+                <c:pt idx="0">
+                  <c:v>3</c:v>
+                </c:pt>
+                <c:pt idx="1">
+                  <c:v>2</c:v>
+                </c:pt>
+                <c:pt idx="2">
+                  <c:v>16</c:v>
+                </c:pt>
+                <c:pt idx="3">
+                  <c:v>2</c:v>
+                </c:pt>
+                <c:pt idx="4">
+                  <c:v>1</c:v>
+                </c:pt>
+              </c:numCache>
+            </c:numRef>
+          </c:val>
+        </c:ser>
+        <c:ser>
+          <c:idx val="5"/>
+          <c:order val="5"/>
+          <c:tx>
+            <c:strRef>
+              <c:f>Sheet1!$G$1</c:f>
+              <c:strCache>
+                <c:ptCount val="1"/>
+                <c:pt idx="0">
+                  <c:v>Series 6</c:v>
+                </c:pt>
+              </c:strCache>
+            </c:strRef>
+          </c:tx>
+          <c:spPr>
+            <a:solidFill>
+              <a:schemeClr val="tx1"/>
+            </a:solidFill>
+            <a:ln>
+              <a:noFill/>
+            </a:ln>
+            <a:effectLst/>
+          </c:spPr>
+          <c:invertIfNegative val="0"/>
+          <c:cat>
+            <c:strRef>
+              <c:f>Sheet1!$A$2:$A$6</c:f>
+              <c:strCache>
+                <c:ptCount val="5"/>
+                <c:pt idx="0">
+                  <c:v>Mike</c:v>
+                </c:pt>
+                <c:pt idx="1">
+                  <c:v>John</c:v>
+                </c:pt>
+                <c:pt idx="2">
+                  <c:v>Jason</c:v>
+                </c:pt>
+                <c:pt idx="3">
+                  <c:v>Chris</c:v>
+                </c:pt>
+                <c:pt idx="4">
+                  <c:v>Brian</c:v>
+                </c:pt>
+              </c:strCache>
+            </c:strRef>
+          </c:cat>
+          <c:val>
+            <c:numRef>
+              <c:f>Sheet1!$G$2:$G$6</c:f>
+              <c:numCache>
+                <c:formatCode>General</c:formatCode>
+                <c:ptCount val="5"/>
+                <c:pt idx="0">
+                  <c:v>0</c:v>
+                </c:pt>
+                <c:pt idx="1">
+                  <c:v>2</c:v>
+                </c:pt>
+                <c:pt idx="2">
+                  <c:v>7</c:v>
+                </c:pt>
+                <c:pt idx="3">
+                  <c:v>2</c:v>
+                </c:pt>
+                <c:pt idx="4">
+                  <c:v>10</c:v>
+                </c:pt>
+              </c:numCache>
+            </c:numRef>
+          </c:val>
+        </c:ser>
+        <c:dLbls>
+          <c:showLegendKey val="0"/>
+          <c:showVal val="0"/>
+          <c:showCatName val="0"/>
+          <c:showSerName val="0"/>
+          <c:showPercent val="0"/>
+          <c:showBubbleSize val="0"/>
+        </c:dLbls>
+        <c:gapWidth val="150"/>
+        <c:overlap val="100"/>
+        <c:axId val="318454736"/>
+        <c:axId val="318450816"/>
+      </c:barChart>
+      <c:catAx>
+        <c:axId val="318454736"/>
+        <c:scaling>
+          <c:orientation val="minMax"/>
+        </c:scaling>
+        <c:delete val="0"/>
+        <c:axPos val="b"/>
+        <c:numFmt formatCode="General" sourceLinked="1"/>
+        <c:majorTickMark val="none"/>
+        <c:minorTickMark val="none"/>
+        <c:tickLblPos val="nextTo"/>
+        <c:spPr>
+          <a:noFill/>
+          <a:ln w="9525" cap="flat" cmpd="sng" algn="ctr">
+            <a:solidFill>
+              <a:schemeClr val="tx1">
+                <a:lumMod val="15000"/>
+                <a:lumOff val="85000"/>
+              </a:schemeClr>
+            </a:solidFill>
+            <a:round/>
+          </a:ln>
+          <a:effectLst/>
+        </c:spPr>
+        <c:txPr>
+          <a:bodyPr rot="-60000000" spcFirstLastPara="1" vertOverflow="ellipsis" vert="horz" wrap="square" anchor="ctr" anchorCtr="1"/>
+          <a:lstStyle/>
+          <a:p>
+            <a:pPr>
+              <a:defRPr sz="1197" b="0" i="0" u="none" strike="noStrike" kern="1200" baseline="0">
+                <a:solidFill>
+                  <a:schemeClr val="tx1">
+                    <a:lumMod val="65000"/>
+                    <a:lumOff val="35000"/>
+                  </a:schemeClr>
+                </a:solidFill>
+                <a:latin typeface="+mn-lt"/>
+                <a:ea typeface="+mn-ea"/>
+                <a:cs typeface="+mn-cs"/>
+              </a:defRPr>
+            </a:pPr>
+            <a:endParaRPr lang="en-US"/>
+          </a:p>
+        </c:txPr>
+        <c:crossAx val="318450816"/>
+        <c:crosses val="autoZero"/>
+        <c:auto val="1"/>
+        <c:lblAlgn val="ctr"/>
+        <c:lblOffset val="100"/>
+        <c:noMultiLvlLbl val="0"/>
+      </c:catAx>
+      <c:valAx>
+        <c:axId val="318450816"/>
+        <c:scaling>
+          <c:orientation val="minMax"/>
+        </c:scaling>
+        <c:delete val="0"/>
+        <c:axPos val="l"/>
+        <c:majorGridlines>
+          <c:spPr>
+            <a:ln w="9525" cap="flat" cmpd="sng" algn="ctr">
+              <a:noFill/>
+              <a:round/>
+            </a:ln>
+            <a:effectLst/>
+          </c:spPr>
+        </c:majorGridlines>
+        <c:numFmt formatCode="General" sourceLinked="1"/>
+        <c:majorTickMark val="none"/>
+        <c:minorTickMark val="none"/>
+        <c:tickLblPos val="nextTo"/>
+        <c:spPr>
+          <a:noFill/>
+          <a:ln>
+            <a:noFill/>
+          </a:ln>
+          <a:effectLst/>
+        </c:spPr>
+        <c:txPr>
+          <a:bodyPr rot="-60000000" spcFirstLastPara="1" vertOverflow="ellipsis" vert="horz" wrap="square" anchor="ctr" anchorCtr="1"/>
+          <a:lstStyle/>
+          <a:p>
+            <a:pPr>
+              <a:defRPr sz="1197" b="0" i="0" u="none" strike="noStrike" kern="1200" baseline="0">
+                <a:solidFill>
+                  <a:schemeClr val="tx1">
+                    <a:lumMod val="65000"/>
+                    <a:lumOff val="35000"/>
+                  </a:schemeClr>
+                </a:solidFill>
+                <a:latin typeface="+mn-lt"/>
+                <a:ea typeface="+mn-ea"/>
+                <a:cs typeface="+mn-cs"/>
+              </a:defRPr>
+            </a:pPr>
+            <a:endParaRPr lang="en-US"/>
+          </a:p>
+        </c:txPr>
+        <c:crossAx val="318454736"/>
+        <c:crosses val="autoZero"/>
+        <c:crossBetween val="between"/>
+      </c:valAx>
+      <c:spPr>
+        <a:noFill/>
+        <a:ln>
+          <a:noFill/>
+        </a:ln>
+        <a:effectLst/>
+      </c:spPr>
+    </c:plotArea>
+    <c:plotVisOnly val="1"/>
+    <c:dispBlanksAs val="gap"/>
+    <c:showDLblsOverMax val="0"/>
+  </c:chart>
+  <c:spPr>
+    <a:noFill/>
+    <a:ln>
+      <a:noFill/>
+    </a:ln>
+    <a:effectLst/>
+  </c:spPr>
+  <c:txPr>
+    <a:bodyPr/>
+    <a:lstStyle/>
+    <a:p>
+      <a:pPr>
+        <a:defRPr/>
+      </a:pPr>
+      <a:endParaRPr lang="en-US"/>
+    </a:p>
+  </c:txPr>
+  <c:externalData r:id="rId3">
+    <c:autoUpdate val="0"/>
+  </c:externalData>
+</c:chartSpace>
+</file>
+
+<file path=ppt/charts/chart5.xml><?xml version="1.0" encoding="utf-8"?>
+<c:chartSpace xmlns:c="http://schemas.openxmlformats.org/drawingml/2006/chart" xmlns:a="http://schemas.openxmlformats.org/drawingml/2006/main" xmlns:r="http://schemas.openxmlformats.org/officeDocument/2006/relationships">
+  <c:date1904 val="0"/>
+  <c:lang val="en-US"/>
+  <c:roundedCorners val="0"/>
+  <mc:AlternateContent xmlns:mc="http://schemas.openxmlformats.org/markup-compatibility/2006">
+    <mc:Choice xmlns:c14="http://schemas.microsoft.com/office/drawing/2007/8/2/chart" Requires="c14">
+      <c14:style val="102"/>
+    </mc:Choice>
+    <mc:Fallback>
+      <c:style val="2"/>
+    </mc:Fallback>
+  </mc:AlternateContent>
+  <c:chart>
+    <c:autoTitleDeleted val="1"/>
+    <c:plotArea>
+      <c:layout>
+        <c:manualLayout>
+          <c:layoutTarget val="inner"/>
+          <c:xMode val="edge"/>
+          <c:yMode val="edge"/>
+          <c:x val="6.7161536871270106E-2"/>
+          <c:y val="6.0351281369011814E-2"/>
+          <c:w val="0.93283846312872987"/>
+          <c:h val="0.89451927319284463"/>
+        </c:manualLayout>
+      </c:layout>
+      <c:lineChart>
+        <c:grouping val="standard"/>
+        <c:varyColors val="0"/>
+        <c:ser>
+          <c:idx val="0"/>
+          <c:order val="0"/>
+          <c:tx>
+            <c:strRef>
+              <c:f>Sheet1!$B$1</c:f>
+              <c:strCache>
+                <c:ptCount val="1"/>
+                <c:pt idx="0">
+                  <c:v>Mike</c:v>
+                </c:pt>
+              </c:strCache>
+            </c:strRef>
+          </c:tx>
+          <c:spPr>
+            <a:ln w="28575" cap="rnd">
+              <a:solidFill>
+                <a:srgbClr val="FFC000"/>
+              </a:solidFill>
+              <a:round/>
+            </a:ln>
+            <a:effectLst/>
+          </c:spPr>
+          <c:marker>
+            <c:symbol val="none"/>
+          </c:marker>
+          <c:cat>
+            <c:numRef>
+              <c:f>Sheet1!$A$2:$A$11</c:f>
+              <c:numCache>
+                <c:formatCode>General</c:formatCode>
+                <c:ptCount val="10"/>
+                <c:pt idx="0">
+                  <c:v>1</c:v>
+                </c:pt>
+                <c:pt idx="1">
+                  <c:v>2</c:v>
+                </c:pt>
+                <c:pt idx="2">
+                  <c:v>3</c:v>
+                </c:pt>
+                <c:pt idx="3">
+                  <c:v>4</c:v>
+                </c:pt>
+                <c:pt idx="4">
+                  <c:v>5</c:v>
+                </c:pt>
+                <c:pt idx="5">
+                  <c:v>6</c:v>
+                </c:pt>
+                <c:pt idx="6">
+                  <c:v>7</c:v>
+                </c:pt>
+                <c:pt idx="7">
+                  <c:v>8</c:v>
+                </c:pt>
+                <c:pt idx="8">
+                  <c:v>9</c:v>
+                </c:pt>
+                <c:pt idx="9">
+                  <c:v>10</c:v>
+                </c:pt>
+              </c:numCache>
+            </c:numRef>
+          </c:cat>
+          <c:val>
+            <c:numRef>
+              <c:f>Sheet1!$B$2:$B$11</c:f>
+              <c:numCache>
+                <c:formatCode>General</c:formatCode>
+                <c:ptCount val="10"/>
+                <c:pt idx="0">
+                  <c:v>35</c:v>
+                </c:pt>
+                <c:pt idx="1">
+                  <c:v>30</c:v>
+                </c:pt>
+                <c:pt idx="2">
+                  <c:v>26</c:v>
+                </c:pt>
+                <c:pt idx="3">
+                  <c:v>45</c:v>
+                </c:pt>
+                <c:pt idx="4">
+                  <c:v>51</c:v>
+                </c:pt>
+                <c:pt idx="5">
+                  <c:v>50</c:v>
+                </c:pt>
+                <c:pt idx="6">
+                  <c:v>50</c:v>
+                </c:pt>
+                <c:pt idx="7">
+                  <c:v>25</c:v>
+                </c:pt>
+                <c:pt idx="8">
+                  <c:v>36</c:v>
+                </c:pt>
+                <c:pt idx="9">
+                  <c:v>40</c:v>
+                </c:pt>
+              </c:numCache>
+            </c:numRef>
+          </c:val>
+          <c:smooth val="0"/>
+        </c:ser>
+        <c:ser>
+          <c:idx val="1"/>
+          <c:order val="1"/>
+          <c:tx>
+            <c:strRef>
+              <c:f>Sheet1!$C$1</c:f>
+              <c:strCache>
+                <c:ptCount val="1"/>
+                <c:pt idx="0">
+                  <c:v>John</c:v>
+                </c:pt>
+              </c:strCache>
+            </c:strRef>
+          </c:tx>
+          <c:spPr>
+            <a:ln w="28575" cap="rnd">
+              <a:solidFill>
+                <a:srgbClr val="FF0000"/>
+              </a:solidFill>
+              <a:round/>
+            </a:ln>
+            <a:effectLst/>
+          </c:spPr>
+          <c:marker>
+            <c:symbol val="none"/>
+          </c:marker>
+          <c:cat>
+            <c:numRef>
+              <c:f>Sheet1!$A$2:$A$11</c:f>
+              <c:numCache>
+                <c:formatCode>General</c:formatCode>
+                <c:ptCount val="10"/>
+                <c:pt idx="0">
+                  <c:v>1</c:v>
+                </c:pt>
+                <c:pt idx="1">
+                  <c:v>2</c:v>
+                </c:pt>
+                <c:pt idx="2">
+                  <c:v>3</c:v>
+                </c:pt>
+                <c:pt idx="3">
+                  <c:v>4</c:v>
+                </c:pt>
+                <c:pt idx="4">
+                  <c:v>5</c:v>
+                </c:pt>
+                <c:pt idx="5">
+                  <c:v>6</c:v>
+                </c:pt>
+                <c:pt idx="6">
+                  <c:v>7</c:v>
+                </c:pt>
+                <c:pt idx="7">
+                  <c:v>8</c:v>
+                </c:pt>
+                <c:pt idx="8">
+                  <c:v>9</c:v>
+                </c:pt>
+                <c:pt idx="9">
+                  <c:v>10</c:v>
+                </c:pt>
+              </c:numCache>
+            </c:numRef>
+          </c:cat>
+          <c:val>
+            <c:numRef>
+              <c:f>Sheet1!$C$2:$C$11</c:f>
+              <c:numCache>
+                <c:formatCode>General</c:formatCode>
+                <c:ptCount val="10"/>
+                <c:pt idx="0">
+                  <c:v>32</c:v>
+                </c:pt>
+                <c:pt idx="1">
+                  <c:v>30</c:v>
+                </c:pt>
+                <c:pt idx="2">
+                  <c:v>29</c:v>
+                </c:pt>
+                <c:pt idx="3">
+                  <c:v>29</c:v>
+                </c:pt>
+                <c:pt idx="4">
+                  <c:v>28</c:v>
+                </c:pt>
+                <c:pt idx="5">
+                  <c:v>32</c:v>
+                </c:pt>
+                <c:pt idx="6">
+                  <c:v>36</c:v>
+                </c:pt>
+                <c:pt idx="7">
+                  <c:v>31</c:v>
+                </c:pt>
+                <c:pt idx="8">
+                  <c:v>41</c:v>
+                </c:pt>
+                <c:pt idx="9">
+                  <c:v>32</c:v>
+                </c:pt>
+              </c:numCache>
+            </c:numRef>
+          </c:val>
+          <c:smooth val="0"/>
+        </c:ser>
+        <c:ser>
+          <c:idx val="2"/>
+          <c:order val="2"/>
+          <c:tx>
+            <c:strRef>
+              <c:f>Sheet1!$D$1</c:f>
+              <c:strCache>
+                <c:ptCount val="1"/>
+                <c:pt idx="0">
+                  <c:v>Chris</c:v>
+                </c:pt>
+              </c:strCache>
+            </c:strRef>
+          </c:tx>
+          <c:spPr>
+            <a:ln w="28575" cap="rnd">
+              <a:solidFill>
+                <a:srgbClr val="7030A0"/>
+              </a:solidFill>
+              <a:round/>
+            </a:ln>
+            <a:effectLst/>
+          </c:spPr>
+          <c:marker>
+            <c:symbol val="none"/>
+          </c:marker>
+          <c:cat>
+            <c:numRef>
+              <c:f>Sheet1!$A$2:$A$11</c:f>
+              <c:numCache>
+                <c:formatCode>General</c:formatCode>
+                <c:ptCount val="10"/>
+                <c:pt idx="0">
+                  <c:v>1</c:v>
+                </c:pt>
+                <c:pt idx="1">
+                  <c:v>2</c:v>
+                </c:pt>
+                <c:pt idx="2">
+                  <c:v>3</c:v>
+                </c:pt>
+                <c:pt idx="3">
+                  <c:v>4</c:v>
+                </c:pt>
+                <c:pt idx="4">
+                  <c:v>5</c:v>
+                </c:pt>
+                <c:pt idx="5">
+                  <c:v>6</c:v>
+                </c:pt>
+                <c:pt idx="6">
+                  <c:v>7</c:v>
+                </c:pt>
+                <c:pt idx="7">
+                  <c:v>8</c:v>
+                </c:pt>
+                <c:pt idx="8">
+                  <c:v>9</c:v>
+                </c:pt>
+                <c:pt idx="9">
+                  <c:v>10</c:v>
+                </c:pt>
+              </c:numCache>
+            </c:numRef>
+          </c:cat>
+          <c:val>
+            <c:numRef>
+              <c:f>Sheet1!$D$2:$D$11</c:f>
+              <c:numCache>
+                <c:formatCode>General</c:formatCode>
+                <c:ptCount val="10"/>
+                <c:pt idx="0">
+                  <c:v>31</c:v>
+                </c:pt>
+                <c:pt idx="1">
+                  <c:v>31</c:v>
+                </c:pt>
+                <c:pt idx="2">
+                  <c:v>31</c:v>
+                </c:pt>
+                <c:pt idx="3">
+                  <c:v>31</c:v>
+                </c:pt>
+                <c:pt idx="4">
+                  <c:v>31</c:v>
+                </c:pt>
+                <c:pt idx="5">
+                  <c:v>31</c:v>
+                </c:pt>
+                <c:pt idx="6">
+                  <c:v>31</c:v>
+                </c:pt>
+                <c:pt idx="7">
+                  <c:v>31</c:v>
+                </c:pt>
+                <c:pt idx="8">
+                  <c:v>35</c:v>
+                </c:pt>
+                <c:pt idx="9">
+                  <c:v>40</c:v>
+                </c:pt>
+              </c:numCache>
+            </c:numRef>
+          </c:val>
+          <c:smooth val="0"/>
+        </c:ser>
+        <c:ser>
+          <c:idx val="3"/>
+          <c:order val="3"/>
+          <c:tx>
+            <c:strRef>
+              <c:f>Sheet1!$E$1</c:f>
+              <c:strCache>
+                <c:ptCount val="1"/>
+                <c:pt idx="0">
+                  <c:v>Brian</c:v>
+                </c:pt>
+              </c:strCache>
+            </c:strRef>
+          </c:tx>
+          <c:spPr>
+            <a:ln w="28575" cap="rnd">
+              <a:solidFill>
+                <a:schemeClr val="accent6">
+                  <a:lumMod val="75000"/>
+                </a:schemeClr>
+              </a:solidFill>
+              <a:round/>
+            </a:ln>
+            <a:effectLst/>
+          </c:spPr>
+          <c:marker>
+            <c:symbol val="none"/>
+          </c:marker>
+          <c:cat>
+            <c:numRef>
+              <c:f>Sheet1!$A$2:$A$11</c:f>
+              <c:numCache>
+                <c:formatCode>General</c:formatCode>
+                <c:ptCount val="10"/>
+                <c:pt idx="0">
+                  <c:v>1</c:v>
+                </c:pt>
+                <c:pt idx="1">
+                  <c:v>2</c:v>
+                </c:pt>
+                <c:pt idx="2">
+                  <c:v>3</c:v>
+                </c:pt>
+                <c:pt idx="3">
+                  <c:v>4</c:v>
+                </c:pt>
+                <c:pt idx="4">
+                  <c:v>5</c:v>
+                </c:pt>
+                <c:pt idx="5">
+                  <c:v>6</c:v>
+                </c:pt>
+                <c:pt idx="6">
+                  <c:v>7</c:v>
+                </c:pt>
+                <c:pt idx="7">
+                  <c:v>8</c:v>
+                </c:pt>
+                <c:pt idx="8">
+                  <c:v>9</c:v>
+                </c:pt>
+                <c:pt idx="9">
+                  <c:v>10</c:v>
+                </c:pt>
+              </c:numCache>
+            </c:numRef>
+          </c:cat>
+          <c:val>
+            <c:numRef>
+              <c:f>Sheet1!$E$2:$E$11</c:f>
+              <c:numCache>
+                <c:formatCode>General</c:formatCode>
+                <c:ptCount val="10"/>
+                <c:pt idx="0">
+                  <c:v>32</c:v>
+                </c:pt>
+                <c:pt idx="1">
+                  <c:v>56</c:v>
+                </c:pt>
+                <c:pt idx="2">
+                  <c:v>85</c:v>
+                </c:pt>
+                <c:pt idx="3">
+                  <c:v>21</c:v>
+                </c:pt>
+                <c:pt idx="4">
+                  <c:v>68</c:v>
+                </c:pt>
+                <c:pt idx="5">
+                  <c:v>32</c:v>
+                </c:pt>
+                <c:pt idx="6">
+                  <c:v>35</c:v>
+                </c:pt>
+                <c:pt idx="7">
+                  <c:v>41</c:v>
+                </c:pt>
+                <c:pt idx="8">
+                  <c:v>45</c:v>
+                </c:pt>
+                <c:pt idx="9">
+                  <c:v>50</c:v>
+                </c:pt>
+              </c:numCache>
+            </c:numRef>
+          </c:val>
+          <c:smooth val="0"/>
+        </c:ser>
+        <c:ser>
+          <c:idx val="4"/>
+          <c:order val="4"/>
+          <c:tx>
+            <c:strRef>
+              <c:f>Sheet1!$F$1</c:f>
+              <c:strCache>
+                <c:ptCount val="1"/>
+                <c:pt idx="0">
+                  <c:v>Jason</c:v>
+                </c:pt>
+              </c:strCache>
+            </c:strRef>
+          </c:tx>
+          <c:spPr>
+            <a:ln w="28575" cap="rnd">
+              <a:solidFill>
+                <a:schemeClr val="accent5"/>
+              </a:solidFill>
+              <a:round/>
+            </a:ln>
+            <a:effectLst/>
+          </c:spPr>
+          <c:marker>
+            <c:symbol val="none"/>
+          </c:marker>
+          <c:cat>
+            <c:numRef>
+              <c:f>Sheet1!$A$2:$A$11</c:f>
+              <c:numCache>
+                <c:formatCode>General</c:formatCode>
+                <c:ptCount val="10"/>
+                <c:pt idx="0">
+                  <c:v>1</c:v>
+                </c:pt>
+                <c:pt idx="1">
+                  <c:v>2</c:v>
+                </c:pt>
+                <c:pt idx="2">
+                  <c:v>3</c:v>
+                </c:pt>
+                <c:pt idx="3">
+                  <c:v>4</c:v>
+                </c:pt>
+                <c:pt idx="4">
+                  <c:v>5</c:v>
+                </c:pt>
+                <c:pt idx="5">
+                  <c:v>6</c:v>
+                </c:pt>
+                <c:pt idx="6">
+                  <c:v>7</c:v>
+                </c:pt>
+                <c:pt idx="7">
+                  <c:v>8</c:v>
+                </c:pt>
+                <c:pt idx="8">
+                  <c:v>9</c:v>
+                </c:pt>
+                <c:pt idx="9">
+                  <c:v>10</c:v>
+                </c:pt>
+              </c:numCache>
+            </c:numRef>
+          </c:cat>
+          <c:val>
+            <c:numRef>
+              <c:f>Sheet1!$F$2:$F$11</c:f>
+              <c:numCache>
+                <c:formatCode>General</c:formatCode>
+                <c:ptCount val="10"/>
+              </c:numCache>
+            </c:numRef>
+          </c:val>
+          <c:smooth val="0"/>
+        </c:ser>
+        <c:dLbls>
+          <c:showLegendKey val="0"/>
+          <c:showVal val="0"/>
+          <c:showCatName val="0"/>
+          <c:showSerName val="0"/>
+          <c:showPercent val="0"/>
+          <c:showBubbleSize val="0"/>
+        </c:dLbls>
+        <c:smooth val="0"/>
+        <c:axId val="344584216"/>
+        <c:axId val="338603312"/>
+      </c:lineChart>
+      <c:catAx>
+        <c:axId val="344584216"/>
+        <c:scaling>
+          <c:orientation val="minMax"/>
+        </c:scaling>
+        <c:delete val="1"/>
+        <c:axPos val="b"/>
+        <c:numFmt formatCode="General" sourceLinked="1"/>
+        <c:majorTickMark val="none"/>
+        <c:minorTickMark val="none"/>
+        <c:tickLblPos val="nextTo"/>
+        <c:crossAx val="338603312"/>
+        <c:crosses val="autoZero"/>
+        <c:auto val="1"/>
+        <c:lblAlgn val="ctr"/>
+        <c:lblOffset val="100"/>
+        <c:noMultiLvlLbl val="0"/>
+      </c:catAx>
+      <c:valAx>
+        <c:axId val="338603312"/>
+        <c:scaling>
+          <c:orientation val="minMax"/>
+        </c:scaling>
+        <c:delete val="0"/>
+        <c:axPos val="l"/>
+        <c:majorGridlines>
+          <c:spPr>
+            <a:ln w="9525" cap="flat" cmpd="sng" algn="ctr">
+              <a:noFill/>
+              <a:round/>
+            </a:ln>
+            <a:effectLst/>
+          </c:spPr>
+        </c:majorGridlines>
+        <c:numFmt formatCode="General" sourceLinked="1"/>
+        <c:majorTickMark val="none"/>
+        <c:minorTickMark val="none"/>
+        <c:tickLblPos val="nextTo"/>
+        <c:spPr>
+          <a:noFill/>
+          <a:ln>
+            <a:noFill/>
+          </a:ln>
+          <a:effectLst/>
+        </c:spPr>
+        <c:txPr>
+          <a:bodyPr rot="-60000000" spcFirstLastPara="1" vertOverflow="ellipsis" vert="horz" wrap="square" anchor="ctr" anchorCtr="1"/>
+          <a:lstStyle/>
+          <a:p>
+            <a:pPr>
+              <a:defRPr sz="1197" b="0" i="0" u="none" strike="noStrike" kern="1200" baseline="0">
+                <a:solidFill>
+                  <a:schemeClr val="tx1">
+                    <a:lumMod val="65000"/>
+                    <a:lumOff val="35000"/>
+                  </a:schemeClr>
+                </a:solidFill>
+                <a:latin typeface="+mn-lt"/>
+                <a:ea typeface="+mn-ea"/>
+                <a:cs typeface="+mn-cs"/>
+              </a:defRPr>
+            </a:pPr>
+            <a:endParaRPr lang="en-US"/>
+          </a:p>
+        </c:txPr>
+        <c:crossAx val="344584216"/>
         <c:crosses val="autoZero"/>
         <c:crossBetween val="between"/>
       </c:valAx>
@@ -1981,6 +4198,126 @@
 </cs:colorStyle>
 </file>
 
+<file path=ppt/charts/colors3.xml><?xml version="1.0" encoding="utf-8"?>
+<cs:colorStyle xmlns:cs="http://schemas.microsoft.com/office/drawing/2012/chartStyle" xmlns:a="http://schemas.openxmlformats.org/drawingml/2006/main" meth="cycle" id="10">
+  <a:schemeClr val="accent1"/>
+  <a:schemeClr val="accent2"/>
+  <a:schemeClr val="accent3"/>
+  <a:schemeClr val="accent4"/>
+  <a:schemeClr val="accent5"/>
+  <a:schemeClr val="accent6"/>
+  <cs:variation/>
+  <cs:variation>
+    <a:lumMod val="60000"/>
+  </cs:variation>
+  <cs:variation>
+    <a:lumMod val="80000"/>
+    <a:lumOff val="20000"/>
+  </cs:variation>
+  <cs:variation>
+    <a:lumMod val="80000"/>
+  </cs:variation>
+  <cs:variation>
+    <a:lumMod val="60000"/>
+    <a:lumOff val="40000"/>
+  </cs:variation>
+  <cs:variation>
+    <a:lumMod val="50000"/>
+  </cs:variation>
+  <cs:variation>
+    <a:lumMod val="70000"/>
+    <a:lumOff val="30000"/>
+  </cs:variation>
+  <cs:variation>
+    <a:lumMod val="70000"/>
+  </cs:variation>
+  <cs:variation>
+    <a:lumMod val="50000"/>
+    <a:lumOff val="50000"/>
+  </cs:variation>
+</cs:colorStyle>
+</file>
+
+<file path=ppt/charts/colors4.xml><?xml version="1.0" encoding="utf-8"?>
+<cs:colorStyle xmlns:cs="http://schemas.microsoft.com/office/drawing/2012/chartStyle" xmlns:a="http://schemas.openxmlformats.org/drawingml/2006/main" meth="cycle" id="10">
+  <a:schemeClr val="accent1"/>
+  <a:schemeClr val="accent2"/>
+  <a:schemeClr val="accent3"/>
+  <a:schemeClr val="accent4"/>
+  <a:schemeClr val="accent5"/>
+  <a:schemeClr val="accent6"/>
+  <cs:variation/>
+  <cs:variation>
+    <a:lumMod val="60000"/>
+  </cs:variation>
+  <cs:variation>
+    <a:lumMod val="80000"/>
+    <a:lumOff val="20000"/>
+  </cs:variation>
+  <cs:variation>
+    <a:lumMod val="80000"/>
+  </cs:variation>
+  <cs:variation>
+    <a:lumMod val="60000"/>
+    <a:lumOff val="40000"/>
+  </cs:variation>
+  <cs:variation>
+    <a:lumMod val="50000"/>
+  </cs:variation>
+  <cs:variation>
+    <a:lumMod val="70000"/>
+    <a:lumOff val="30000"/>
+  </cs:variation>
+  <cs:variation>
+    <a:lumMod val="70000"/>
+  </cs:variation>
+  <cs:variation>
+    <a:lumMod val="50000"/>
+    <a:lumOff val="50000"/>
+  </cs:variation>
+</cs:colorStyle>
+</file>
+
+<file path=ppt/charts/colors5.xml><?xml version="1.0" encoding="utf-8"?>
+<cs:colorStyle xmlns:cs="http://schemas.microsoft.com/office/drawing/2012/chartStyle" xmlns:a="http://schemas.openxmlformats.org/drawingml/2006/main" meth="cycle" id="10">
+  <a:schemeClr val="accent1"/>
+  <a:schemeClr val="accent2"/>
+  <a:schemeClr val="accent3"/>
+  <a:schemeClr val="accent4"/>
+  <a:schemeClr val="accent5"/>
+  <a:schemeClr val="accent6"/>
+  <cs:variation/>
+  <cs:variation>
+    <a:lumMod val="60000"/>
+  </cs:variation>
+  <cs:variation>
+    <a:lumMod val="80000"/>
+    <a:lumOff val="20000"/>
+  </cs:variation>
+  <cs:variation>
+    <a:lumMod val="80000"/>
+  </cs:variation>
+  <cs:variation>
+    <a:lumMod val="60000"/>
+    <a:lumOff val="40000"/>
+  </cs:variation>
+  <cs:variation>
+    <a:lumMod val="50000"/>
+  </cs:variation>
+  <cs:variation>
+    <a:lumMod val="70000"/>
+    <a:lumOff val="30000"/>
+  </cs:variation>
+  <cs:variation>
+    <a:lumMod val="70000"/>
+  </cs:variation>
+  <cs:variation>
+    <a:lumMod val="50000"/>
+    <a:lumOff val="50000"/>
+  </cs:variation>
+</cs:colorStyle>
+</file>
+
 <file path=ppt/charts/style1.xml><?xml version="1.0" encoding="utf-8"?>
 <cs:chartStyle xmlns:cs="http://schemas.microsoft.com/office/drawing/2012/chartStyle" xmlns:a="http://schemas.openxmlformats.org/drawingml/2006/main" id="297">
   <cs:axisTitle>
@@ -2959,6 +5296,1532 @@
           </a:schemeClr>
         </a:solidFill>
         <a:round/>
+      </a:ln>
+    </cs:spPr>
+  </cs:upBar>
+  <cs:valueAxis>
+    <cs:lnRef idx="0"/>
+    <cs:fillRef idx="0"/>
+    <cs:effectRef idx="0"/>
+    <cs:fontRef idx="minor">
+      <a:schemeClr val="tx1">
+        <a:lumMod val="65000"/>
+        <a:lumOff val="35000"/>
+      </a:schemeClr>
+    </cs:fontRef>
+    <cs:defRPr sz="1197" kern="1200"/>
+  </cs:valueAxis>
+  <cs:wall>
+    <cs:lnRef idx="0"/>
+    <cs:fillRef idx="0"/>
+    <cs:effectRef idx="0"/>
+    <cs:fontRef idx="minor">
+      <a:schemeClr val="tx1"/>
+    </cs:fontRef>
+    <cs:spPr>
+      <a:noFill/>
+      <a:ln>
+        <a:noFill/>
+      </a:ln>
+    </cs:spPr>
+  </cs:wall>
+</cs:chartStyle>
+</file>
+
+<file path=ppt/charts/style3.xml><?xml version="1.0" encoding="utf-8"?>
+<cs:chartStyle xmlns:cs="http://schemas.microsoft.com/office/drawing/2012/chartStyle" xmlns:a="http://schemas.openxmlformats.org/drawingml/2006/main" id="297">
+  <cs:axisTitle>
+    <cs:lnRef idx="0"/>
+    <cs:fillRef idx="0"/>
+    <cs:effectRef idx="0"/>
+    <cs:fontRef idx="minor">
+      <a:schemeClr val="tx1">
+        <a:lumMod val="65000"/>
+        <a:lumOff val="35000"/>
+      </a:schemeClr>
+    </cs:fontRef>
+    <cs:defRPr sz="1330" kern="1200"/>
+  </cs:axisTitle>
+  <cs:categoryAxis>
+    <cs:lnRef idx="0"/>
+    <cs:fillRef idx="0"/>
+    <cs:effectRef idx="0"/>
+    <cs:fontRef idx="minor">
+      <a:schemeClr val="tx1">
+        <a:lumMod val="65000"/>
+        <a:lumOff val="35000"/>
+      </a:schemeClr>
+    </cs:fontRef>
+    <cs:spPr>
+      <a:ln w="9525" cap="flat" cmpd="sng" algn="ctr">
+        <a:solidFill>
+          <a:schemeClr val="tx1">
+            <a:lumMod val="15000"/>
+            <a:lumOff val="85000"/>
+          </a:schemeClr>
+        </a:solidFill>
+        <a:round/>
+      </a:ln>
+    </cs:spPr>
+    <cs:defRPr sz="1197" kern="1200"/>
+  </cs:categoryAxis>
+  <cs:chartArea mods="allowNoFillOverride allowNoLineOverride">
+    <cs:lnRef idx="0"/>
+    <cs:fillRef idx="0"/>
+    <cs:effectRef idx="0"/>
+    <cs:fontRef idx="minor">
+      <a:schemeClr val="tx1"/>
+    </cs:fontRef>
+    <cs:spPr>
+      <a:solidFill>
+        <a:schemeClr val="bg1"/>
+      </a:solidFill>
+      <a:ln w="9525" cap="flat" cmpd="sng" algn="ctr">
+        <a:solidFill>
+          <a:schemeClr val="tx1">
+            <a:lumMod val="15000"/>
+            <a:lumOff val="85000"/>
+          </a:schemeClr>
+        </a:solidFill>
+        <a:round/>
+      </a:ln>
+    </cs:spPr>
+    <cs:defRPr sz="1330" kern="1200"/>
+  </cs:chartArea>
+  <cs:dataLabel>
+    <cs:lnRef idx="0"/>
+    <cs:fillRef idx="0"/>
+    <cs:effectRef idx="0"/>
+    <cs:fontRef idx="minor">
+      <a:schemeClr val="tx1">
+        <a:lumMod val="75000"/>
+        <a:lumOff val="25000"/>
+      </a:schemeClr>
+    </cs:fontRef>
+    <cs:defRPr sz="1197" kern="1200"/>
+  </cs:dataLabel>
+  <cs:dataLabelCallout>
+    <cs:lnRef idx="0"/>
+    <cs:fillRef idx="0"/>
+    <cs:effectRef idx="0"/>
+    <cs:fontRef idx="minor">
+      <a:schemeClr val="dk1">
+        <a:lumMod val="65000"/>
+        <a:lumOff val="35000"/>
+      </a:schemeClr>
+    </cs:fontRef>
+    <cs:spPr>
+      <a:solidFill>
+        <a:schemeClr val="lt1"/>
+      </a:solidFill>
+      <a:ln>
+        <a:solidFill>
+          <a:schemeClr val="dk1">
+            <a:lumMod val="25000"/>
+            <a:lumOff val="75000"/>
+          </a:schemeClr>
+        </a:solidFill>
+      </a:ln>
+    </cs:spPr>
+    <cs:defRPr sz="1197" kern="1200"/>
+    <cs:bodyPr rot="0" spcFirstLastPara="1" vertOverflow="clip" horzOverflow="clip" vert="horz" wrap="square" lIns="36576" tIns="18288" rIns="36576" bIns="18288" anchor="ctr" anchorCtr="1">
+      <a:spAutoFit/>
+    </cs:bodyPr>
+  </cs:dataLabelCallout>
+  <cs:dataPoint>
+    <cs:lnRef idx="0"/>
+    <cs:fillRef idx="1">
+      <cs:styleClr val="auto"/>
+    </cs:fillRef>
+    <cs:effectRef idx="0"/>
+    <cs:fontRef idx="minor">
+      <a:schemeClr val="tx1"/>
+    </cs:fontRef>
+  </cs:dataPoint>
+  <cs:dataPoint3D>
+    <cs:lnRef idx="0"/>
+    <cs:fillRef idx="1">
+      <cs:styleClr val="auto"/>
+    </cs:fillRef>
+    <cs:effectRef idx="0"/>
+    <cs:fontRef idx="minor">
+      <a:schemeClr val="tx1"/>
+    </cs:fontRef>
+  </cs:dataPoint3D>
+  <cs:dataPointLine>
+    <cs:lnRef idx="0">
+      <cs:styleClr val="auto"/>
+    </cs:lnRef>
+    <cs:fillRef idx="1"/>
+    <cs:effectRef idx="0"/>
+    <cs:fontRef idx="minor">
+      <a:schemeClr val="tx1"/>
+    </cs:fontRef>
+    <cs:spPr>
+      <a:ln w="28575" cap="rnd">
+        <a:solidFill>
+          <a:schemeClr val="phClr"/>
+        </a:solidFill>
+        <a:round/>
+      </a:ln>
+    </cs:spPr>
+  </cs:dataPointLine>
+  <cs:dataPointMarker>
+    <cs:lnRef idx="0">
+      <cs:styleClr val="auto"/>
+    </cs:lnRef>
+    <cs:fillRef idx="1">
+      <cs:styleClr val="auto"/>
+    </cs:fillRef>
+    <cs:effectRef idx="0"/>
+    <cs:fontRef idx="minor">
+      <a:schemeClr val="tx1"/>
+    </cs:fontRef>
+    <cs:spPr>
+      <a:ln w="9525">
+        <a:solidFill>
+          <a:schemeClr val="phClr"/>
+        </a:solidFill>
+      </a:ln>
+    </cs:spPr>
+  </cs:dataPointMarker>
+  <cs:dataPointMarkerLayout symbol="circle" size="5"/>
+  <cs:dataPointWireframe>
+    <cs:lnRef idx="0">
+      <cs:styleClr val="auto"/>
+    </cs:lnRef>
+    <cs:fillRef idx="1"/>
+    <cs:effectRef idx="0"/>
+    <cs:fontRef idx="minor">
+      <a:schemeClr val="tx1"/>
+    </cs:fontRef>
+    <cs:spPr>
+      <a:ln w="9525" cap="rnd">
+        <a:solidFill>
+          <a:schemeClr val="phClr"/>
+        </a:solidFill>
+        <a:round/>
+      </a:ln>
+    </cs:spPr>
+  </cs:dataPointWireframe>
+  <cs:dataTable>
+    <cs:lnRef idx="0"/>
+    <cs:fillRef idx="0"/>
+    <cs:effectRef idx="0"/>
+    <cs:fontRef idx="minor">
+      <a:schemeClr val="tx1">
+        <a:lumMod val="65000"/>
+        <a:lumOff val="35000"/>
+      </a:schemeClr>
+    </cs:fontRef>
+    <cs:spPr>
+      <a:noFill/>
+      <a:ln w="9525" cap="flat" cmpd="sng" algn="ctr">
+        <a:solidFill>
+          <a:schemeClr val="tx1">
+            <a:lumMod val="15000"/>
+            <a:lumOff val="85000"/>
+          </a:schemeClr>
+        </a:solidFill>
+        <a:round/>
+      </a:ln>
+    </cs:spPr>
+    <cs:defRPr sz="1197" kern="1200"/>
+  </cs:dataTable>
+  <cs:downBar>
+    <cs:lnRef idx="0"/>
+    <cs:fillRef idx="0"/>
+    <cs:effectRef idx="0"/>
+    <cs:fontRef idx="minor">
+      <a:schemeClr val="tx1"/>
+    </cs:fontRef>
+    <cs:spPr>
+      <a:solidFill>
+        <a:schemeClr val="dk1">
+          <a:lumMod val="75000"/>
+          <a:lumOff val="25000"/>
+        </a:schemeClr>
+      </a:solidFill>
+      <a:ln w="9525" cap="flat" cmpd="sng" algn="ctr">
+        <a:solidFill>
+          <a:schemeClr val="tx1">
+            <a:lumMod val="65000"/>
+            <a:lumOff val="35000"/>
+          </a:schemeClr>
+        </a:solidFill>
+        <a:round/>
+      </a:ln>
+    </cs:spPr>
+  </cs:downBar>
+  <cs:dropLine>
+    <cs:lnRef idx="0"/>
+    <cs:fillRef idx="0"/>
+    <cs:effectRef idx="0"/>
+    <cs:fontRef idx="minor">
+      <a:schemeClr val="tx1"/>
+    </cs:fontRef>
+    <cs:spPr>
+      <a:ln w="9525" cap="flat" cmpd="sng" algn="ctr">
+        <a:solidFill>
+          <a:schemeClr val="tx1">
+            <a:lumMod val="35000"/>
+            <a:lumOff val="65000"/>
+          </a:schemeClr>
+        </a:solidFill>
+        <a:round/>
+      </a:ln>
+    </cs:spPr>
+  </cs:dropLine>
+  <cs:errorBar>
+    <cs:lnRef idx="0"/>
+    <cs:fillRef idx="0"/>
+    <cs:effectRef idx="0"/>
+    <cs:fontRef idx="minor">
+      <a:schemeClr val="tx1"/>
+    </cs:fontRef>
+    <cs:spPr>
+      <a:ln w="9525" cap="flat" cmpd="sng" algn="ctr">
+        <a:solidFill>
+          <a:schemeClr val="tx1">
+            <a:lumMod val="65000"/>
+            <a:lumOff val="35000"/>
+          </a:schemeClr>
+        </a:solidFill>
+        <a:round/>
+      </a:ln>
+    </cs:spPr>
+  </cs:errorBar>
+  <cs:floor>
+    <cs:lnRef idx="0"/>
+    <cs:fillRef idx="0"/>
+    <cs:effectRef idx="0"/>
+    <cs:fontRef idx="minor">
+      <a:schemeClr val="tx1"/>
+    </cs:fontRef>
+    <cs:spPr>
+      <a:noFill/>
+      <a:ln>
+        <a:noFill/>
+      </a:ln>
+    </cs:spPr>
+  </cs:floor>
+  <cs:gridlineMajor>
+    <cs:lnRef idx="0"/>
+    <cs:fillRef idx="0"/>
+    <cs:effectRef idx="0"/>
+    <cs:fontRef idx="minor">
+      <a:schemeClr val="tx1"/>
+    </cs:fontRef>
+    <cs:spPr>
+      <a:ln w="9525" cap="flat" cmpd="sng" algn="ctr">
+        <a:solidFill>
+          <a:schemeClr val="tx1">
+            <a:lumMod val="15000"/>
+            <a:lumOff val="85000"/>
+          </a:schemeClr>
+        </a:solidFill>
+        <a:round/>
+      </a:ln>
+    </cs:spPr>
+  </cs:gridlineMajor>
+  <cs:gridlineMinor>
+    <cs:lnRef idx="0"/>
+    <cs:fillRef idx="0"/>
+    <cs:effectRef idx="0"/>
+    <cs:fontRef idx="minor">
+      <a:schemeClr val="tx1"/>
+    </cs:fontRef>
+    <cs:spPr>
+      <a:ln w="9525" cap="flat" cmpd="sng" algn="ctr">
+        <a:solidFill>
+          <a:schemeClr val="tx1">
+            <a:lumMod val="5000"/>
+            <a:lumOff val="95000"/>
+          </a:schemeClr>
+        </a:solidFill>
+        <a:round/>
+      </a:ln>
+    </cs:spPr>
+  </cs:gridlineMinor>
+  <cs:hiLoLine>
+    <cs:lnRef idx="0"/>
+    <cs:fillRef idx="0"/>
+    <cs:effectRef idx="0"/>
+    <cs:fontRef idx="minor">
+      <a:schemeClr val="tx1"/>
+    </cs:fontRef>
+    <cs:spPr>
+      <a:ln w="9525" cap="flat" cmpd="sng" algn="ctr">
+        <a:solidFill>
+          <a:schemeClr val="tx1">
+            <a:lumMod val="50000"/>
+            <a:lumOff val="50000"/>
+          </a:schemeClr>
+        </a:solidFill>
+        <a:round/>
+      </a:ln>
+    </cs:spPr>
+  </cs:hiLoLine>
+  <cs:leaderLine>
+    <cs:lnRef idx="0"/>
+    <cs:fillRef idx="0"/>
+    <cs:effectRef idx="0"/>
+    <cs:fontRef idx="minor">
+      <a:schemeClr val="tx1"/>
+    </cs:fontRef>
+    <cs:spPr>
+      <a:ln w="9525" cap="flat" cmpd="sng" algn="ctr">
+        <a:solidFill>
+          <a:schemeClr val="tx1">
+            <a:lumMod val="35000"/>
+            <a:lumOff val="65000"/>
+          </a:schemeClr>
+        </a:solidFill>
+        <a:round/>
+      </a:ln>
+    </cs:spPr>
+  </cs:leaderLine>
+  <cs:legend>
+    <cs:lnRef idx="0"/>
+    <cs:fillRef idx="0"/>
+    <cs:effectRef idx="0"/>
+    <cs:fontRef idx="minor">
+      <a:schemeClr val="tx1">
+        <a:lumMod val="65000"/>
+        <a:lumOff val="35000"/>
+      </a:schemeClr>
+    </cs:fontRef>
+    <cs:defRPr sz="1197" kern="1200"/>
+  </cs:legend>
+  <cs:plotArea mods="allowNoFillOverride allowNoLineOverride">
+    <cs:lnRef idx="0"/>
+    <cs:fillRef idx="0"/>
+    <cs:effectRef idx="0"/>
+    <cs:fontRef idx="minor">
+      <a:schemeClr val="tx1"/>
+    </cs:fontRef>
+  </cs:plotArea>
+  <cs:plotArea3D mods="allowNoFillOverride allowNoLineOverride">
+    <cs:lnRef idx="0"/>
+    <cs:fillRef idx="0"/>
+    <cs:effectRef idx="0"/>
+    <cs:fontRef idx="minor">
+      <a:schemeClr val="tx1"/>
+    </cs:fontRef>
+  </cs:plotArea3D>
+  <cs:seriesAxis>
+    <cs:lnRef idx="0"/>
+    <cs:fillRef idx="0"/>
+    <cs:effectRef idx="0"/>
+    <cs:fontRef idx="minor">
+      <a:schemeClr val="tx1">
+        <a:lumMod val="65000"/>
+        <a:lumOff val="35000"/>
+      </a:schemeClr>
+    </cs:fontRef>
+    <cs:defRPr sz="1197" kern="1200"/>
+  </cs:seriesAxis>
+  <cs:seriesLine>
+    <cs:lnRef idx="0"/>
+    <cs:fillRef idx="0"/>
+    <cs:effectRef idx="0"/>
+    <cs:fontRef idx="minor">
+      <a:schemeClr val="tx1"/>
+    </cs:fontRef>
+    <cs:spPr>
+      <a:ln w="9525" cap="flat" cmpd="sng" algn="ctr">
+        <a:solidFill>
+          <a:schemeClr val="tx1">
+            <a:lumMod val="35000"/>
+            <a:lumOff val="65000"/>
+          </a:schemeClr>
+        </a:solidFill>
+        <a:round/>
+      </a:ln>
+    </cs:spPr>
+  </cs:seriesLine>
+  <cs:title>
+    <cs:lnRef idx="0"/>
+    <cs:fillRef idx="0"/>
+    <cs:effectRef idx="0"/>
+    <cs:fontRef idx="minor">
+      <a:schemeClr val="tx1">
+        <a:lumMod val="65000"/>
+        <a:lumOff val="35000"/>
+      </a:schemeClr>
+    </cs:fontRef>
+    <cs:defRPr sz="1862" b="0" kern="1200" spc="0" baseline="0"/>
+  </cs:title>
+  <cs:trendline>
+    <cs:lnRef idx="0">
+      <cs:styleClr val="auto"/>
+    </cs:lnRef>
+    <cs:fillRef idx="0"/>
+    <cs:effectRef idx="0"/>
+    <cs:fontRef idx="minor">
+      <a:schemeClr val="tx1"/>
+    </cs:fontRef>
+    <cs:spPr>
+      <a:ln w="19050" cap="rnd">
+        <a:solidFill>
+          <a:schemeClr val="phClr"/>
+        </a:solidFill>
+        <a:prstDash val="sysDot"/>
+      </a:ln>
+    </cs:spPr>
+  </cs:trendline>
+  <cs:trendlineLabel>
+    <cs:lnRef idx="0"/>
+    <cs:fillRef idx="0"/>
+    <cs:effectRef idx="0"/>
+    <cs:fontRef idx="minor">
+      <a:schemeClr val="tx1">
+        <a:lumMod val="65000"/>
+        <a:lumOff val="35000"/>
+      </a:schemeClr>
+    </cs:fontRef>
+    <cs:defRPr sz="1197" kern="1200"/>
+  </cs:trendlineLabel>
+  <cs:upBar>
+    <cs:lnRef idx="0"/>
+    <cs:fillRef idx="0"/>
+    <cs:effectRef idx="0"/>
+    <cs:fontRef idx="minor">
+      <a:schemeClr val="tx1"/>
+    </cs:fontRef>
+    <cs:spPr>
+      <a:solidFill>
+        <a:schemeClr val="lt1"/>
+      </a:solidFill>
+      <a:ln w="9525" cap="flat" cmpd="sng" algn="ctr">
+        <a:solidFill>
+          <a:schemeClr val="tx1">
+            <a:lumMod val="65000"/>
+            <a:lumOff val="35000"/>
+          </a:schemeClr>
+        </a:solidFill>
+        <a:round/>
+      </a:ln>
+    </cs:spPr>
+  </cs:upBar>
+  <cs:valueAxis>
+    <cs:lnRef idx="0"/>
+    <cs:fillRef idx="0"/>
+    <cs:effectRef idx="0"/>
+    <cs:fontRef idx="minor">
+      <a:schemeClr val="tx1">
+        <a:lumMod val="65000"/>
+        <a:lumOff val="35000"/>
+      </a:schemeClr>
+    </cs:fontRef>
+    <cs:defRPr sz="1197" kern="1200"/>
+  </cs:valueAxis>
+  <cs:wall>
+    <cs:lnRef idx="0"/>
+    <cs:fillRef idx="0"/>
+    <cs:effectRef idx="0"/>
+    <cs:fontRef idx="minor">
+      <a:schemeClr val="tx1"/>
+    </cs:fontRef>
+    <cs:spPr>
+      <a:noFill/>
+      <a:ln>
+        <a:noFill/>
+      </a:ln>
+    </cs:spPr>
+  </cs:wall>
+</cs:chartStyle>
+</file>
+
+<file path=ppt/charts/style4.xml><?xml version="1.0" encoding="utf-8"?>
+<cs:chartStyle xmlns:cs="http://schemas.microsoft.com/office/drawing/2012/chartStyle" xmlns:a="http://schemas.openxmlformats.org/drawingml/2006/main" id="297">
+  <cs:axisTitle>
+    <cs:lnRef idx="0"/>
+    <cs:fillRef idx="0"/>
+    <cs:effectRef idx="0"/>
+    <cs:fontRef idx="minor">
+      <a:schemeClr val="tx1">
+        <a:lumMod val="65000"/>
+        <a:lumOff val="35000"/>
+      </a:schemeClr>
+    </cs:fontRef>
+    <cs:defRPr sz="1330" kern="1200"/>
+  </cs:axisTitle>
+  <cs:categoryAxis>
+    <cs:lnRef idx="0"/>
+    <cs:fillRef idx="0"/>
+    <cs:effectRef idx="0"/>
+    <cs:fontRef idx="minor">
+      <a:schemeClr val="tx1">
+        <a:lumMod val="65000"/>
+        <a:lumOff val="35000"/>
+      </a:schemeClr>
+    </cs:fontRef>
+    <cs:spPr>
+      <a:ln w="9525" cap="flat" cmpd="sng" algn="ctr">
+        <a:solidFill>
+          <a:schemeClr val="tx1">
+            <a:lumMod val="15000"/>
+            <a:lumOff val="85000"/>
+          </a:schemeClr>
+        </a:solidFill>
+        <a:round/>
+      </a:ln>
+    </cs:spPr>
+    <cs:defRPr sz="1197" kern="1200"/>
+  </cs:categoryAxis>
+  <cs:chartArea mods="allowNoFillOverride allowNoLineOverride">
+    <cs:lnRef idx="0"/>
+    <cs:fillRef idx="0"/>
+    <cs:effectRef idx="0"/>
+    <cs:fontRef idx="minor">
+      <a:schemeClr val="tx1"/>
+    </cs:fontRef>
+    <cs:spPr>
+      <a:solidFill>
+        <a:schemeClr val="bg1"/>
+      </a:solidFill>
+      <a:ln w="9525" cap="flat" cmpd="sng" algn="ctr">
+        <a:solidFill>
+          <a:schemeClr val="tx1">
+            <a:lumMod val="15000"/>
+            <a:lumOff val="85000"/>
+          </a:schemeClr>
+        </a:solidFill>
+        <a:round/>
+      </a:ln>
+    </cs:spPr>
+    <cs:defRPr sz="1330" kern="1200"/>
+  </cs:chartArea>
+  <cs:dataLabel>
+    <cs:lnRef idx="0"/>
+    <cs:fillRef idx="0"/>
+    <cs:effectRef idx="0"/>
+    <cs:fontRef idx="minor">
+      <a:schemeClr val="tx1">
+        <a:lumMod val="75000"/>
+        <a:lumOff val="25000"/>
+      </a:schemeClr>
+    </cs:fontRef>
+    <cs:defRPr sz="1197" kern="1200"/>
+  </cs:dataLabel>
+  <cs:dataLabelCallout>
+    <cs:lnRef idx="0"/>
+    <cs:fillRef idx="0"/>
+    <cs:effectRef idx="0"/>
+    <cs:fontRef idx="minor">
+      <a:schemeClr val="dk1">
+        <a:lumMod val="65000"/>
+        <a:lumOff val="35000"/>
+      </a:schemeClr>
+    </cs:fontRef>
+    <cs:spPr>
+      <a:solidFill>
+        <a:schemeClr val="lt1"/>
+      </a:solidFill>
+      <a:ln>
+        <a:solidFill>
+          <a:schemeClr val="dk1">
+            <a:lumMod val="25000"/>
+            <a:lumOff val="75000"/>
+          </a:schemeClr>
+        </a:solidFill>
+      </a:ln>
+    </cs:spPr>
+    <cs:defRPr sz="1197" kern="1200"/>
+    <cs:bodyPr rot="0" spcFirstLastPara="1" vertOverflow="clip" horzOverflow="clip" vert="horz" wrap="square" lIns="36576" tIns="18288" rIns="36576" bIns="18288" anchor="ctr" anchorCtr="1">
+      <a:spAutoFit/>
+    </cs:bodyPr>
+  </cs:dataLabelCallout>
+  <cs:dataPoint>
+    <cs:lnRef idx="0"/>
+    <cs:fillRef idx="1">
+      <cs:styleClr val="auto"/>
+    </cs:fillRef>
+    <cs:effectRef idx="0"/>
+    <cs:fontRef idx="minor">
+      <a:schemeClr val="tx1"/>
+    </cs:fontRef>
+  </cs:dataPoint>
+  <cs:dataPoint3D>
+    <cs:lnRef idx="0"/>
+    <cs:fillRef idx="1">
+      <cs:styleClr val="auto"/>
+    </cs:fillRef>
+    <cs:effectRef idx="0"/>
+    <cs:fontRef idx="minor">
+      <a:schemeClr val="tx1"/>
+    </cs:fontRef>
+  </cs:dataPoint3D>
+  <cs:dataPointLine>
+    <cs:lnRef idx="0">
+      <cs:styleClr val="auto"/>
+    </cs:lnRef>
+    <cs:fillRef idx="1"/>
+    <cs:effectRef idx="0"/>
+    <cs:fontRef idx="minor">
+      <a:schemeClr val="tx1"/>
+    </cs:fontRef>
+    <cs:spPr>
+      <a:ln w="28575" cap="rnd">
+        <a:solidFill>
+          <a:schemeClr val="phClr"/>
+        </a:solidFill>
+        <a:round/>
+      </a:ln>
+    </cs:spPr>
+  </cs:dataPointLine>
+  <cs:dataPointMarker>
+    <cs:lnRef idx="0">
+      <cs:styleClr val="auto"/>
+    </cs:lnRef>
+    <cs:fillRef idx="1">
+      <cs:styleClr val="auto"/>
+    </cs:fillRef>
+    <cs:effectRef idx="0"/>
+    <cs:fontRef idx="minor">
+      <a:schemeClr val="tx1"/>
+    </cs:fontRef>
+    <cs:spPr>
+      <a:ln w="9525">
+        <a:solidFill>
+          <a:schemeClr val="phClr"/>
+        </a:solidFill>
+      </a:ln>
+    </cs:spPr>
+  </cs:dataPointMarker>
+  <cs:dataPointMarkerLayout symbol="circle" size="5"/>
+  <cs:dataPointWireframe>
+    <cs:lnRef idx="0">
+      <cs:styleClr val="auto"/>
+    </cs:lnRef>
+    <cs:fillRef idx="1"/>
+    <cs:effectRef idx="0"/>
+    <cs:fontRef idx="minor">
+      <a:schemeClr val="tx1"/>
+    </cs:fontRef>
+    <cs:spPr>
+      <a:ln w="9525" cap="rnd">
+        <a:solidFill>
+          <a:schemeClr val="phClr"/>
+        </a:solidFill>
+        <a:round/>
+      </a:ln>
+    </cs:spPr>
+  </cs:dataPointWireframe>
+  <cs:dataTable>
+    <cs:lnRef idx="0"/>
+    <cs:fillRef idx="0"/>
+    <cs:effectRef idx="0"/>
+    <cs:fontRef idx="minor">
+      <a:schemeClr val="tx1">
+        <a:lumMod val="65000"/>
+        <a:lumOff val="35000"/>
+      </a:schemeClr>
+    </cs:fontRef>
+    <cs:spPr>
+      <a:noFill/>
+      <a:ln w="9525" cap="flat" cmpd="sng" algn="ctr">
+        <a:solidFill>
+          <a:schemeClr val="tx1">
+            <a:lumMod val="15000"/>
+            <a:lumOff val="85000"/>
+          </a:schemeClr>
+        </a:solidFill>
+        <a:round/>
+      </a:ln>
+    </cs:spPr>
+    <cs:defRPr sz="1197" kern="1200"/>
+  </cs:dataTable>
+  <cs:downBar>
+    <cs:lnRef idx="0"/>
+    <cs:fillRef idx="0"/>
+    <cs:effectRef idx="0"/>
+    <cs:fontRef idx="minor">
+      <a:schemeClr val="tx1"/>
+    </cs:fontRef>
+    <cs:spPr>
+      <a:solidFill>
+        <a:schemeClr val="dk1">
+          <a:lumMod val="75000"/>
+          <a:lumOff val="25000"/>
+        </a:schemeClr>
+      </a:solidFill>
+      <a:ln w="9525" cap="flat" cmpd="sng" algn="ctr">
+        <a:solidFill>
+          <a:schemeClr val="tx1">
+            <a:lumMod val="65000"/>
+            <a:lumOff val="35000"/>
+          </a:schemeClr>
+        </a:solidFill>
+        <a:round/>
+      </a:ln>
+    </cs:spPr>
+  </cs:downBar>
+  <cs:dropLine>
+    <cs:lnRef idx="0"/>
+    <cs:fillRef idx="0"/>
+    <cs:effectRef idx="0"/>
+    <cs:fontRef idx="minor">
+      <a:schemeClr val="tx1"/>
+    </cs:fontRef>
+    <cs:spPr>
+      <a:ln w="9525" cap="flat" cmpd="sng" algn="ctr">
+        <a:solidFill>
+          <a:schemeClr val="tx1">
+            <a:lumMod val="35000"/>
+            <a:lumOff val="65000"/>
+          </a:schemeClr>
+        </a:solidFill>
+        <a:round/>
+      </a:ln>
+    </cs:spPr>
+  </cs:dropLine>
+  <cs:errorBar>
+    <cs:lnRef idx="0"/>
+    <cs:fillRef idx="0"/>
+    <cs:effectRef idx="0"/>
+    <cs:fontRef idx="minor">
+      <a:schemeClr val="tx1"/>
+    </cs:fontRef>
+    <cs:spPr>
+      <a:ln w="9525" cap="flat" cmpd="sng" algn="ctr">
+        <a:solidFill>
+          <a:schemeClr val="tx1">
+            <a:lumMod val="65000"/>
+            <a:lumOff val="35000"/>
+          </a:schemeClr>
+        </a:solidFill>
+        <a:round/>
+      </a:ln>
+    </cs:spPr>
+  </cs:errorBar>
+  <cs:floor>
+    <cs:lnRef idx="0"/>
+    <cs:fillRef idx="0"/>
+    <cs:effectRef idx="0"/>
+    <cs:fontRef idx="minor">
+      <a:schemeClr val="tx1"/>
+    </cs:fontRef>
+    <cs:spPr>
+      <a:noFill/>
+      <a:ln>
+        <a:noFill/>
+      </a:ln>
+    </cs:spPr>
+  </cs:floor>
+  <cs:gridlineMajor>
+    <cs:lnRef idx="0"/>
+    <cs:fillRef idx="0"/>
+    <cs:effectRef idx="0"/>
+    <cs:fontRef idx="minor">
+      <a:schemeClr val="tx1"/>
+    </cs:fontRef>
+    <cs:spPr>
+      <a:ln w="9525" cap="flat" cmpd="sng" algn="ctr">
+        <a:solidFill>
+          <a:schemeClr val="tx1">
+            <a:lumMod val="15000"/>
+            <a:lumOff val="85000"/>
+          </a:schemeClr>
+        </a:solidFill>
+        <a:round/>
+      </a:ln>
+    </cs:spPr>
+  </cs:gridlineMajor>
+  <cs:gridlineMinor>
+    <cs:lnRef idx="0"/>
+    <cs:fillRef idx="0"/>
+    <cs:effectRef idx="0"/>
+    <cs:fontRef idx="minor">
+      <a:schemeClr val="tx1"/>
+    </cs:fontRef>
+    <cs:spPr>
+      <a:ln w="9525" cap="flat" cmpd="sng" algn="ctr">
+        <a:solidFill>
+          <a:schemeClr val="tx1">
+            <a:lumMod val="5000"/>
+            <a:lumOff val="95000"/>
+          </a:schemeClr>
+        </a:solidFill>
+        <a:round/>
+      </a:ln>
+    </cs:spPr>
+  </cs:gridlineMinor>
+  <cs:hiLoLine>
+    <cs:lnRef idx="0"/>
+    <cs:fillRef idx="0"/>
+    <cs:effectRef idx="0"/>
+    <cs:fontRef idx="minor">
+      <a:schemeClr val="tx1"/>
+    </cs:fontRef>
+    <cs:spPr>
+      <a:ln w="9525" cap="flat" cmpd="sng" algn="ctr">
+        <a:solidFill>
+          <a:schemeClr val="tx1">
+            <a:lumMod val="50000"/>
+            <a:lumOff val="50000"/>
+          </a:schemeClr>
+        </a:solidFill>
+        <a:round/>
+      </a:ln>
+    </cs:spPr>
+  </cs:hiLoLine>
+  <cs:leaderLine>
+    <cs:lnRef idx="0"/>
+    <cs:fillRef idx="0"/>
+    <cs:effectRef idx="0"/>
+    <cs:fontRef idx="minor">
+      <a:schemeClr val="tx1"/>
+    </cs:fontRef>
+    <cs:spPr>
+      <a:ln w="9525" cap="flat" cmpd="sng" algn="ctr">
+        <a:solidFill>
+          <a:schemeClr val="tx1">
+            <a:lumMod val="35000"/>
+            <a:lumOff val="65000"/>
+          </a:schemeClr>
+        </a:solidFill>
+        <a:round/>
+      </a:ln>
+    </cs:spPr>
+  </cs:leaderLine>
+  <cs:legend>
+    <cs:lnRef idx="0"/>
+    <cs:fillRef idx="0"/>
+    <cs:effectRef idx="0"/>
+    <cs:fontRef idx="minor">
+      <a:schemeClr val="tx1">
+        <a:lumMod val="65000"/>
+        <a:lumOff val="35000"/>
+      </a:schemeClr>
+    </cs:fontRef>
+    <cs:defRPr sz="1197" kern="1200"/>
+  </cs:legend>
+  <cs:plotArea mods="allowNoFillOverride allowNoLineOverride">
+    <cs:lnRef idx="0"/>
+    <cs:fillRef idx="0"/>
+    <cs:effectRef idx="0"/>
+    <cs:fontRef idx="minor">
+      <a:schemeClr val="tx1"/>
+    </cs:fontRef>
+  </cs:plotArea>
+  <cs:plotArea3D mods="allowNoFillOverride allowNoLineOverride">
+    <cs:lnRef idx="0"/>
+    <cs:fillRef idx="0"/>
+    <cs:effectRef idx="0"/>
+    <cs:fontRef idx="minor">
+      <a:schemeClr val="tx1"/>
+    </cs:fontRef>
+  </cs:plotArea3D>
+  <cs:seriesAxis>
+    <cs:lnRef idx="0"/>
+    <cs:fillRef idx="0"/>
+    <cs:effectRef idx="0"/>
+    <cs:fontRef idx="minor">
+      <a:schemeClr val="tx1">
+        <a:lumMod val="65000"/>
+        <a:lumOff val="35000"/>
+      </a:schemeClr>
+    </cs:fontRef>
+    <cs:defRPr sz="1197" kern="1200"/>
+  </cs:seriesAxis>
+  <cs:seriesLine>
+    <cs:lnRef idx="0"/>
+    <cs:fillRef idx="0"/>
+    <cs:effectRef idx="0"/>
+    <cs:fontRef idx="minor">
+      <a:schemeClr val="tx1"/>
+    </cs:fontRef>
+    <cs:spPr>
+      <a:ln w="9525" cap="flat" cmpd="sng" algn="ctr">
+        <a:solidFill>
+          <a:schemeClr val="tx1">
+            <a:lumMod val="35000"/>
+            <a:lumOff val="65000"/>
+          </a:schemeClr>
+        </a:solidFill>
+        <a:round/>
+      </a:ln>
+    </cs:spPr>
+  </cs:seriesLine>
+  <cs:title>
+    <cs:lnRef idx="0"/>
+    <cs:fillRef idx="0"/>
+    <cs:effectRef idx="0"/>
+    <cs:fontRef idx="minor">
+      <a:schemeClr val="tx1">
+        <a:lumMod val="65000"/>
+        <a:lumOff val="35000"/>
+      </a:schemeClr>
+    </cs:fontRef>
+    <cs:defRPr sz="1862" b="0" kern="1200" spc="0" baseline="0"/>
+  </cs:title>
+  <cs:trendline>
+    <cs:lnRef idx="0">
+      <cs:styleClr val="auto"/>
+    </cs:lnRef>
+    <cs:fillRef idx="0"/>
+    <cs:effectRef idx="0"/>
+    <cs:fontRef idx="minor">
+      <a:schemeClr val="tx1"/>
+    </cs:fontRef>
+    <cs:spPr>
+      <a:ln w="19050" cap="rnd">
+        <a:solidFill>
+          <a:schemeClr val="phClr"/>
+        </a:solidFill>
+        <a:prstDash val="sysDot"/>
+      </a:ln>
+    </cs:spPr>
+  </cs:trendline>
+  <cs:trendlineLabel>
+    <cs:lnRef idx="0"/>
+    <cs:fillRef idx="0"/>
+    <cs:effectRef idx="0"/>
+    <cs:fontRef idx="minor">
+      <a:schemeClr val="tx1">
+        <a:lumMod val="65000"/>
+        <a:lumOff val="35000"/>
+      </a:schemeClr>
+    </cs:fontRef>
+    <cs:defRPr sz="1197" kern="1200"/>
+  </cs:trendlineLabel>
+  <cs:upBar>
+    <cs:lnRef idx="0"/>
+    <cs:fillRef idx="0"/>
+    <cs:effectRef idx="0"/>
+    <cs:fontRef idx="minor">
+      <a:schemeClr val="tx1"/>
+    </cs:fontRef>
+    <cs:spPr>
+      <a:solidFill>
+        <a:schemeClr val="lt1"/>
+      </a:solidFill>
+      <a:ln w="9525" cap="flat" cmpd="sng" algn="ctr">
+        <a:solidFill>
+          <a:schemeClr val="tx1">
+            <a:lumMod val="65000"/>
+            <a:lumOff val="35000"/>
+          </a:schemeClr>
+        </a:solidFill>
+        <a:round/>
+      </a:ln>
+    </cs:spPr>
+  </cs:upBar>
+  <cs:valueAxis>
+    <cs:lnRef idx="0"/>
+    <cs:fillRef idx="0"/>
+    <cs:effectRef idx="0"/>
+    <cs:fontRef idx="minor">
+      <a:schemeClr val="tx1">
+        <a:lumMod val="65000"/>
+        <a:lumOff val="35000"/>
+      </a:schemeClr>
+    </cs:fontRef>
+    <cs:defRPr sz="1197" kern="1200"/>
+  </cs:valueAxis>
+  <cs:wall>
+    <cs:lnRef idx="0"/>
+    <cs:fillRef idx="0"/>
+    <cs:effectRef idx="0"/>
+    <cs:fontRef idx="minor">
+      <a:schemeClr val="tx1"/>
+    </cs:fontRef>
+    <cs:spPr>
+      <a:noFill/>
+      <a:ln>
+        <a:noFill/>
+      </a:ln>
+    </cs:spPr>
+  </cs:wall>
+</cs:chartStyle>
+</file>
+
+<file path=ppt/charts/style5.xml><?xml version="1.0" encoding="utf-8"?>
+<cs:chartStyle xmlns:cs="http://schemas.microsoft.com/office/drawing/2012/chartStyle" xmlns:a="http://schemas.openxmlformats.org/drawingml/2006/main" id="227">
+  <cs:axisTitle>
+    <cs:lnRef idx="0"/>
+    <cs:fillRef idx="0"/>
+    <cs:effectRef idx="0"/>
+    <cs:fontRef idx="minor">
+      <a:schemeClr val="tx1">
+        <a:lumMod val="65000"/>
+        <a:lumOff val="35000"/>
+      </a:schemeClr>
+    </cs:fontRef>
+    <cs:defRPr sz="1330" kern="1200"/>
+  </cs:axisTitle>
+  <cs:categoryAxis>
+    <cs:lnRef idx="0"/>
+    <cs:fillRef idx="0"/>
+    <cs:effectRef idx="0"/>
+    <cs:fontRef idx="minor">
+      <a:schemeClr val="tx1">
+        <a:lumMod val="65000"/>
+        <a:lumOff val="35000"/>
+      </a:schemeClr>
+    </cs:fontRef>
+    <cs:spPr>
+      <a:ln w="9525" cap="flat" cmpd="sng" algn="ctr">
+        <a:solidFill>
+          <a:schemeClr val="tx1">
+            <a:lumMod val="15000"/>
+            <a:lumOff val="85000"/>
+          </a:schemeClr>
+        </a:solidFill>
+        <a:round/>
+      </a:ln>
+    </cs:spPr>
+    <cs:defRPr sz="1197" kern="1200"/>
+  </cs:categoryAxis>
+  <cs:chartArea mods="allowNoFillOverride allowNoLineOverride">
+    <cs:lnRef idx="0"/>
+    <cs:fillRef idx="0"/>
+    <cs:effectRef idx="0"/>
+    <cs:fontRef idx="minor">
+      <a:schemeClr val="tx1"/>
+    </cs:fontRef>
+    <cs:spPr>
+      <a:solidFill>
+        <a:schemeClr val="bg1"/>
+      </a:solidFill>
+      <a:ln w="9525" cap="flat" cmpd="sng" algn="ctr">
+        <a:solidFill>
+          <a:schemeClr val="tx1">
+            <a:lumMod val="15000"/>
+            <a:lumOff val="85000"/>
+          </a:schemeClr>
+        </a:solidFill>
+        <a:round/>
+      </a:ln>
+    </cs:spPr>
+    <cs:defRPr sz="1330" kern="1200"/>
+  </cs:chartArea>
+  <cs:dataLabel>
+    <cs:lnRef idx="0"/>
+    <cs:fillRef idx="0"/>
+    <cs:effectRef idx="0"/>
+    <cs:fontRef idx="minor">
+      <a:schemeClr val="tx1">
+        <a:lumMod val="75000"/>
+        <a:lumOff val="25000"/>
+      </a:schemeClr>
+    </cs:fontRef>
+    <cs:defRPr sz="1197" kern="1200"/>
+  </cs:dataLabel>
+  <cs:dataLabelCallout>
+    <cs:lnRef idx="0"/>
+    <cs:fillRef idx="0"/>
+    <cs:effectRef idx="0"/>
+    <cs:fontRef idx="minor">
+      <a:schemeClr val="dk1">
+        <a:lumMod val="65000"/>
+        <a:lumOff val="35000"/>
+      </a:schemeClr>
+    </cs:fontRef>
+    <cs:spPr>
+      <a:solidFill>
+        <a:schemeClr val="lt1"/>
+      </a:solidFill>
+      <a:ln>
+        <a:solidFill>
+          <a:schemeClr val="dk1">
+            <a:lumMod val="25000"/>
+            <a:lumOff val="75000"/>
+          </a:schemeClr>
+        </a:solidFill>
+      </a:ln>
+    </cs:spPr>
+    <cs:defRPr sz="1197" kern="1200"/>
+    <cs:bodyPr rot="0" spcFirstLastPara="1" vertOverflow="clip" horzOverflow="clip" vert="horz" wrap="square" lIns="36576" tIns="18288" rIns="36576" bIns="18288" anchor="ctr" anchorCtr="1">
+      <a:spAutoFit/>
+    </cs:bodyPr>
+  </cs:dataLabelCallout>
+  <cs:dataPoint>
+    <cs:lnRef idx="0"/>
+    <cs:fillRef idx="1">
+      <cs:styleClr val="auto"/>
+    </cs:fillRef>
+    <cs:effectRef idx="0"/>
+    <cs:fontRef idx="minor">
+      <a:schemeClr val="tx1"/>
+    </cs:fontRef>
+    <cs:spPr>
+      <a:solidFill>
+        <a:schemeClr val="phClr"/>
+      </a:solidFill>
+    </cs:spPr>
+  </cs:dataPoint>
+  <cs:dataPoint3D>
+    <cs:lnRef idx="0"/>
+    <cs:fillRef idx="1">
+      <cs:styleClr val="auto"/>
+    </cs:fillRef>
+    <cs:effectRef idx="0"/>
+    <cs:fontRef idx="minor">
+      <a:schemeClr val="tx1"/>
+    </cs:fontRef>
+    <cs:spPr>
+      <a:solidFill>
+        <a:schemeClr val="phClr"/>
+      </a:solidFill>
+    </cs:spPr>
+  </cs:dataPoint3D>
+  <cs:dataPointLine>
+    <cs:lnRef idx="0">
+      <cs:styleClr val="auto"/>
+    </cs:lnRef>
+    <cs:fillRef idx="1"/>
+    <cs:effectRef idx="0"/>
+    <cs:fontRef idx="minor">
+      <a:schemeClr val="tx1"/>
+    </cs:fontRef>
+    <cs:spPr>
+      <a:ln w="28575" cap="rnd">
+        <a:solidFill>
+          <a:schemeClr val="phClr"/>
+        </a:solidFill>
+        <a:round/>
+      </a:ln>
+    </cs:spPr>
+  </cs:dataPointLine>
+  <cs:dataPointMarker>
+    <cs:lnRef idx="0">
+      <cs:styleClr val="auto"/>
+    </cs:lnRef>
+    <cs:fillRef idx="1">
+      <cs:styleClr val="auto"/>
+    </cs:fillRef>
+    <cs:effectRef idx="0"/>
+    <cs:fontRef idx="minor">
+      <a:schemeClr val="tx1"/>
+    </cs:fontRef>
+    <cs:spPr>
+      <a:solidFill>
+        <a:schemeClr val="phClr"/>
+      </a:solidFill>
+      <a:ln w="9525">
+        <a:solidFill>
+          <a:schemeClr val="phClr"/>
+        </a:solidFill>
+      </a:ln>
+    </cs:spPr>
+  </cs:dataPointMarker>
+  <cs:dataPointMarkerLayout symbol="circle" size="5"/>
+  <cs:dataPointWireframe>
+    <cs:lnRef idx="0">
+      <cs:styleClr val="auto"/>
+    </cs:lnRef>
+    <cs:fillRef idx="1"/>
+    <cs:effectRef idx="0"/>
+    <cs:fontRef idx="minor">
+      <a:schemeClr val="tx1"/>
+    </cs:fontRef>
+    <cs:spPr>
+      <a:ln w="9525" cap="rnd">
+        <a:solidFill>
+          <a:schemeClr val="phClr"/>
+        </a:solidFill>
+        <a:round/>
+      </a:ln>
+    </cs:spPr>
+  </cs:dataPointWireframe>
+  <cs:dataTable>
+    <cs:lnRef idx="0"/>
+    <cs:fillRef idx="0"/>
+    <cs:effectRef idx="0"/>
+    <cs:fontRef idx="minor">
+      <a:schemeClr val="tx1">
+        <a:lumMod val="65000"/>
+        <a:lumOff val="35000"/>
+      </a:schemeClr>
+    </cs:fontRef>
+    <cs:spPr>
+      <a:noFill/>
+      <a:ln w="9525" cap="flat" cmpd="sng" algn="ctr">
+        <a:solidFill>
+          <a:schemeClr val="tx1">
+            <a:lumMod val="15000"/>
+            <a:lumOff val="85000"/>
+          </a:schemeClr>
+        </a:solidFill>
+        <a:round/>
+      </a:ln>
+    </cs:spPr>
+    <cs:defRPr sz="1197" kern="1200"/>
+  </cs:dataTable>
+  <cs:downBar>
+    <cs:lnRef idx="0"/>
+    <cs:fillRef idx="0"/>
+    <cs:effectRef idx="0"/>
+    <cs:fontRef idx="minor">
+      <a:schemeClr val="dk1"/>
+    </cs:fontRef>
+    <cs:spPr>
+      <a:solidFill>
+        <a:schemeClr val="dk1">
+          <a:lumMod val="65000"/>
+          <a:lumOff val="35000"/>
+        </a:schemeClr>
+      </a:solidFill>
+      <a:ln w="9525">
+        <a:solidFill>
+          <a:schemeClr val="tx1">
+            <a:lumMod val="65000"/>
+            <a:lumOff val="35000"/>
+          </a:schemeClr>
+        </a:solidFill>
+      </a:ln>
+    </cs:spPr>
+  </cs:downBar>
+  <cs:dropLine>
+    <cs:lnRef idx="0"/>
+    <cs:fillRef idx="0"/>
+    <cs:effectRef idx="0"/>
+    <cs:fontRef idx="minor">
+      <a:schemeClr val="tx1"/>
+    </cs:fontRef>
+    <cs:spPr>
+      <a:ln w="9525" cap="flat" cmpd="sng" algn="ctr">
+        <a:solidFill>
+          <a:schemeClr val="tx1">
+            <a:lumMod val="35000"/>
+            <a:lumOff val="65000"/>
+          </a:schemeClr>
+        </a:solidFill>
+        <a:round/>
+      </a:ln>
+    </cs:spPr>
+  </cs:dropLine>
+  <cs:errorBar>
+    <cs:lnRef idx="0"/>
+    <cs:fillRef idx="0"/>
+    <cs:effectRef idx="0"/>
+    <cs:fontRef idx="minor">
+      <a:schemeClr val="tx1"/>
+    </cs:fontRef>
+    <cs:spPr>
+      <a:ln w="9525" cap="flat" cmpd="sng" algn="ctr">
+        <a:solidFill>
+          <a:schemeClr val="tx1">
+            <a:lumMod val="65000"/>
+            <a:lumOff val="35000"/>
+          </a:schemeClr>
+        </a:solidFill>
+        <a:round/>
+      </a:ln>
+    </cs:spPr>
+  </cs:errorBar>
+  <cs:floor>
+    <cs:lnRef idx="0"/>
+    <cs:fillRef idx="0"/>
+    <cs:effectRef idx="0"/>
+    <cs:fontRef idx="minor">
+      <a:schemeClr val="tx1"/>
+    </cs:fontRef>
+    <cs:spPr>
+      <a:noFill/>
+      <a:ln>
+        <a:noFill/>
+      </a:ln>
+    </cs:spPr>
+  </cs:floor>
+  <cs:gridlineMajor>
+    <cs:lnRef idx="0"/>
+    <cs:fillRef idx="0"/>
+    <cs:effectRef idx="0"/>
+    <cs:fontRef idx="minor">
+      <a:schemeClr val="tx1"/>
+    </cs:fontRef>
+    <cs:spPr>
+      <a:ln w="9525" cap="flat" cmpd="sng" algn="ctr">
+        <a:solidFill>
+          <a:schemeClr val="tx1">
+            <a:lumMod val="15000"/>
+            <a:lumOff val="85000"/>
+          </a:schemeClr>
+        </a:solidFill>
+        <a:round/>
+      </a:ln>
+    </cs:spPr>
+  </cs:gridlineMajor>
+  <cs:gridlineMinor>
+    <cs:lnRef idx="0"/>
+    <cs:fillRef idx="0"/>
+    <cs:effectRef idx="0"/>
+    <cs:fontRef idx="minor">
+      <a:schemeClr val="tx1"/>
+    </cs:fontRef>
+    <cs:spPr>
+      <a:ln w="9525" cap="flat" cmpd="sng" algn="ctr">
+        <a:solidFill>
+          <a:schemeClr val="tx1">
+            <a:lumMod val="5000"/>
+            <a:lumOff val="95000"/>
+          </a:schemeClr>
+        </a:solidFill>
+        <a:round/>
+      </a:ln>
+    </cs:spPr>
+  </cs:gridlineMinor>
+  <cs:hiLoLine>
+    <cs:lnRef idx="0"/>
+    <cs:fillRef idx="0"/>
+    <cs:effectRef idx="0"/>
+    <cs:fontRef idx="minor">
+      <a:schemeClr val="tx1"/>
+    </cs:fontRef>
+    <cs:spPr>
+      <a:ln w="9525" cap="flat" cmpd="sng" algn="ctr">
+        <a:solidFill>
+          <a:schemeClr val="tx1">
+            <a:lumMod val="75000"/>
+            <a:lumOff val="25000"/>
+          </a:schemeClr>
+        </a:solidFill>
+        <a:round/>
+      </a:ln>
+    </cs:spPr>
+  </cs:hiLoLine>
+  <cs:leaderLine>
+    <cs:lnRef idx="0"/>
+    <cs:fillRef idx="0"/>
+    <cs:effectRef idx="0"/>
+    <cs:fontRef idx="minor">
+      <a:schemeClr val="tx1"/>
+    </cs:fontRef>
+    <cs:spPr>
+      <a:ln w="9525" cap="flat" cmpd="sng" algn="ctr">
+        <a:solidFill>
+          <a:schemeClr val="tx1">
+            <a:lumMod val="35000"/>
+            <a:lumOff val="65000"/>
+          </a:schemeClr>
+        </a:solidFill>
+        <a:round/>
+      </a:ln>
+    </cs:spPr>
+  </cs:leaderLine>
+  <cs:legend>
+    <cs:lnRef idx="0"/>
+    <cs:fillRef idx="0"/>
+    <cs:effectRef idx="0"/>
+    <cs:fontRef idx="minor">
+      <a:schemeClr val="tx1">
+        <a:lumMod val="65000"/>
+        <a:lumOff val="35000"/>
+      </a:schemeClr>
+    </cs:fontRef>
+    <cs:defRPr sz="1197" kern="1200"/>
+  </cs:legend>
+  <cs:plotArea mods="allowNoFillOverride allowNoLineOverride">
+    <cs:lnRef idx="0"/>
+    <cs:fillRef idx="0"/>
+    <cs:effectRef idx="0"/>
+    <cs:fontRef idx="minor">
+      <a:schemeClr val="tx1"/>
+    </cs:fontRef>
+  </cs:plotArea>
+  <cs:plotArea3D mods="allowNoFillOverride allowNoLineOverride">
+    <cs:lnRef idx="0"/>
+    <cs:fillRef idx="0"/>
+    <cs:effectRef idx="0"/>
+    <cs:fontRef idx="minor">
+      <a:schemeClr val="tx1"/>
+    </cs:fontRef>
+  </cs:plotArea3D>
+  <cs:seriesAxis>
+    <cs:lnRef idx="0"/>
+    <cs:fillRef idx="0"/>
+    <cs:effectRef idx="0"/>
+    <cs:fontRef idx="minor">
+      <a:schemeClr val="tx1">
+        <a:lumMod val="65000"/>
+        <a:lumOff val="35000"/>
+      </a:schemeClr>
+    </cs:fontRef>
+    <cs:defRPr sz="1197" kern="1200"/>
+  </cs:seriesAxis>
+  <cs:seriesLine>
+    <cs:lnRef idx="0"/>
+    <cs:fillRef idx="0"/>
+    <cs:effectRef idx="0"/>
+    <cs:fontRef idx="minor">
+      <a:schemeClr val="tx1"/>
+    </cs:fontRef>
+    <cs:spPr>
+      <a:ln w="9525" cap="flat" cmpd="sng" algn="ctr">
+        <a:solidFill>
+          <a:schemeClr val="tx1">
+            <a:lumMod val="35000"/>
+            <a:lumOff val="65000"/>
+          </a:schemeClr>
+        </a:solidFill>
+        <a:round/>
+      </a:ln>
+    </cs:spPr>
+  </cs:seriesLine>
+  <cs:title>
+    <cs:lnRef idx="0"/>
+    <cs:fillRef idx="0"/>
+    <cs:effectRef idx="0"/>
+    <cs:fontRef idx="minor">
+      <a:schemeClr val="tx1">
+        <a:lumMod val="65000"/>
+        <a:lumOff val="35000"/>
+      </a:schemeClr>
+    </cs:fontRef>
+    <cs:defRPr sz="1862" b="0" kern="1200" spc="0" baseline="0"/>
+  </cs:title>
+  <cs:trendline>
+    <cs:lnRef idx="0">
+      <cs:styleClr val="auto"/>
+    </cs:lnRef>
+    <cs:fillRef idx="0"/>
+    <cs:effectRef idx="0"/>
+    <cs:fontRef idx="minor">
+      <a:schemeClr val="tx1"/>
+    </cs:fontRef>
+    <cs:spPr>
+      <a:ln w="19050" cap="rnd">
+        <a:solidFill>
+          <a:schemeClr val="phClr"/>
+        </a:solidFill>
+        <a:prstDash val="sysDot"/>
+      </a:ln>
+    </cs:spPr>
+  </cs:trendline>
+  <cs:trendlineLabel>
+    <cs:lnRef idx="0"/>
+    <cs:fillRef idx="0"/>
+    <cs:effectRef idx="0"/>
+    <cs:fontRef idx="minor">
+      <a:schemeClr val="tx1">
+        <a:lumMod val="65000"/>
+        <a:lumOff val="35000"/>
+      </a:schemeClr>
+    </cs:fontRef>
+    <cs:defRPr sz="1197" kern="1200"/>
+  </cs:trendlineLabel>
+  <cs:upBar>
+    <cs:lnRef idx="0"/>
+    <cs:fillRef idx="0"/>
+    <cs:effectRef idx="0"/>
+    <cs:fontRef idx="minor">
+      <a:schemeClr val="dk1"/>
+    </cs:fontRef>
+    <cs:spPr>
+      <a:solidFill>
+        <a:schemeClr val="lt1"/>
+      </a:solidFill>
+      <a:ln w="9525">
+        <a:solidFill>
+          <a:schemeClr val="tx1">
+            <a:lumMod val="15000"/>
+            <a:lumOff val="85000"/>
+          </a:schemeClr>
+        </a:solidFill>
       </a:ln>
     </cs:spPr>
   </cs:upBar>
@@ -3122,7 +6985,7 @@
           <a:p>
             <a:fld id="{8936E08A-5C27-4B14-818C-CB1A61A1E7C9}" type="datetimeFigureOut">
               <a:rPr lang="en-US" smtClean="0"/>
-              <a:t>4/12/2016</a:t>
+              <a:t>4/13/2016</a:t>
             </a:fld>
             <a:endParaRPr lang="en-US"/>
           </a:p>
@@ -3292,7 +7155,7 @@
           <a:p>
             <a:fld id="{8936E08A-5C27-4B14-818C-CB1A61A1E7C9}" type="datetimeFigureOut">
               <a:rPr lang="en-US" smtClean="0"/>
-              <a:t>4/12/2016</a:t>
+              <a:t>4/13/2016</a:t>
             </a:fld>
             <a:endParaRPr lang="en-US"/>
           </a:p>
@@ -3472,7 +7335,7 @@
           <a:p>
             <a:fld id="{8936E08A-5C27-4B14-818C-CB1A61A1E7C9}" type="datetimeFigureOut">
               <a:rPr lang="en-US" smtClean="0"/>
-              <a:t>4/12/2016</a:t>
+              <a:t>4/13/2016</a:t>
             </a:fld>
             <a:endParaRPr lang="en-US"/>
           </a:p>
@@ -3642,7 +7505,7 @@
           <a:p>
             <a:fld id="{8936E08A-5C27-4B14-818C-CB1A61A1E7C9}" type="datetimeFigureOut">
               <a:rPr lang="en-US" smtClean="0"/>
-              <a:t>4/12/2016</a:t>
+              <a:t>4/13/2016</a:t>
             </a:fld>
             <a:endParaRPr lang="en-US"/>
           </a:p>
@@ -3888,7 +7751,7 @@
           <a:p>
             <a:fld id="{8936E08A-5C27-4B14-818C-CB1A61A1E7C9}" type="datetimeFigureOut">
               <a:rPr lang="en-US" smtClean="0"/>
-              <a:t>4/12/2016</a:t>
+              <a:t>4/13/2016</a:t>
             </a:fld>
             <a:endParaRPr lang="en-US"/>
           </a:p>
@@ -4120,7 +7983,7 @@
           <a:p>
             <a:fld id="{8936E08A-5C27-4B14-818C-CB1A61A1E7C9}" type="datetimeFigureOut">
               <a:rPr lang="en-US" smtClean="0"/>
-              <a:t>4/12/2016</a:t>
+              <a:t>4/13/2016</a:t>
             </a:fld>
             <a:endParaRPr lang="en-US"/>
           </a:p>
@@ -4487,7 +8350,7 @@
           <a:p>
             <a:fld id="{8936E08A-5C27-4B14-818C-CB1A61A1E7C9}" type="datetimeFigureOut">
               <a:rPr lang="en-US" smtClean="0"/>
-              <a:t>4/12/2016</a:t>
+              <a:t>4/13/2016</a:t>
             </a:fld>
             <a:endParaRPr lang="en-US"/>
           </a:p>
@@ -4605,7 +8468,7 @@
           <a:p>
             <a:fld id="{8936E08A-5C27-4B14-818C-CB1A61A1E7C9}" type="datetimeFigureOut">
               <a:rPr lang="en-US" smtClean="0"/>
-              <a:t>4/12/2016</a:t>
+              <a:t>4/13/2016</a:t>
             </a:fld>
             <a:endParaRPr lang="en-US"/>
           </a:p>
@@ -4700,7 +8563,7 @@
           <a:p>
             <a:fld id="{8936E08A-5C27-4B14-818C-CB1A61A1E7C9}" type="datetimeFigureOut">
               <a:rPr lang="en-US" smtClean="0"/>
-              <a:t>4/12/2016</a:t>
+              <a:t>4/13/2016</a:t>
             </a:fld>
             <a:endParaRPr lang="en-US"/>
           </a:p>
@@ -4977,7 +8840,7 @@
           <a:p>
             <a:fld id="{8936E08A-5C27-4B14-818C-CB1A61A1E7C9}" type="datetimeFigureOut">
               <a:rPr lang="en-US" smtClean="0"/>
-              <a:t>4/12/2016</a:t>
+              <a:t>4/13/2016</a:t>
             </a:fld>
             <a:endParaRPr lang="en-US"/>
           </a:p>
@@ -5230,7 +9093,7 @@
           <a:p>
             <a:fld id="{8936E08A-5C27-4B14-818C-CB1A61A1E7C9}" type="datetimeFigureOut">
               <a:rPr lang="en-US" smtClean="0"/>
-              <a:t>4/12/2016</a:t>
+              <a:t>4/13/2016</a:t>
             </a:fld>
             <a:endParaRPr lang="en-US"/>
           </a:p>
@@ -5443,7 +9306,7 @@
           <a:p>
             <a:fld id="{8936E08A-5C27-4B14-818C-CB1A61A1E7C9}" type="datetimeFigureOut">
               <a:rPr lang="en-US" smtClean="0"/>
-              <a:t>4/12/2016</a:t>
+              <a:t>4/13/2016</a:t>
             </a:fld>
             <a:endParaRPr lang="en-US"/>
           </a:p>
@@ -7181,7 +11044,7 @@
             <a:avLst/>
           </a:prstGeom>
           <a:solidFill>
-            <a:schemeClr val="accent2"/>
+            <a:srgbClr val="2AB4A5"/>
           </a:solidFill>
         </p:spPr>
         <p:txBody>
@@ -7214,7 +11077,7 @@
             <a:avLst/>
           </a:prstGeom>
           <a:solidFill>
-            <a:schemeClr val="accent2"/>
+            <a:srgbClr val="2AB4A5"/>
           </a:solidFill>
         </p:spPr>
         <p:txBody>
@@ -7247,7 +11110,7 @@
             <a:avLst/>
           </a:prstGeom>
           <a:solidFill>
-            <a:schemeClr val="accent2"/>
+            <a:schemeClr val="bg1"/>
           </a:solidFill>
         </p:spPr>
         <p:txBody>
@@ -7280,7 +11143,7 @@
             <a:avLst/>
           </a:prstGeom>
           <a:solidFill>
-            <a:schemeClr val="accent2"/>
+            <a:srgbClr val="C30000"/>
           </a:solidFill>
         </p:spPr>
         <p:txBody>
@@ -7313,7 +11176,7 @@
             <a:avLst/>
           </a:prstGeom>
           <a:solidFill>
-            <a:schemeClr val="accent2"/>
+            <a:schemeClr val="bg1"/>
           </a:solidFill>
         </p:spPr>
         <p:txBody>
@@ -7346,7 +11209,7 @@
             <a:avLst/>
           </a:prstGeom>
           <a:solidFill>
-            <a:schemeClr val="accent2"/>
+            <a:srgbClr val="C30000"/>
           </a:solidFill>
         </p:spPr>
         <p:txBody>
@@ -7379,7 +11242,7 @@
             <a:avLst/>
           </a:prstGeom>
           <a:solidFill>
-            <a:schemeClr val="accent2"/>
+            <a:srgbClr val="FF5F0F"/>
           </a:solidFill>
         </p:spPr>
         <p:txBody>
@@ -7412,7 +11275,7 @@
             <a:avLst/>
           </a:prstGeom>
           <a:solidFill>
-            <a:schemeClr val="accent2"/>
+            <a:srgbClr val="4F1AAB"/>
           </a:solidFill>
         </p:spPr>
         <p:txBody>
@@ -7445,7 +11308,7 @@
             <a:avLst/>
           </a:prstGeom>
           <a:solidFill>
-            <a:schemeClr val="accent2"/>
+            <a:srgbClr val="4F1AAB"/>
           </a:solidFill>
         </p:spPr>
         <p:txBody>
@@ -7478,7 +11341,7 @@
             <a:avLst/>
           </a:prstGeom>
           <a:solidFill>
-            <a:schemeClr val="accent2"/>
+            <a:srgbClr val="FFB800"/>
           </a:solidFill>
         </p:spPr>
         <p:txBody>
@@ -7511,7 +11374,7 @@
             <a:avLst/>
           </a:prstGeom>
           <a:solidFill>
-            <a:schemeClr val="accent2"/>
+            <a:srgbClr val="0063FF"/>
           </a:solidFill>
         </p:spPr>
         <p:txBody>
@@ -7523,7 +11386,7 @@
             <a:pPr algn="ctr"/>
             <a:r>
               <a:rPr lang="en-US" dirty="0" smtClean="0"/>
-              <a:t>KYO</a:t>
+              <a:t>ERI</a:t>
             </a:r>
             <a:endParaRPr lang="en-US" dirty="0"/>
           </a:p>
@@ -7544,7 +11407,7 @@
             <a:avLst/>
           </a:prstGeom>
           <a:solidFill>
-            <a:schemeClr val="accent2"/>
+            <a:srgbClr val="6E0000"/>
           </a:solidFill>
         </p:spPr>
         <p:txBody>
@@ -7577,7 +11440,7 @@
             <a:avLst/>
           </a:prstGeom>
           <a:solidFill>
-            <a:schemeClr val="accent2"/>
+            <a:srgbClr val="FF5F0F"/>
           </a:solidFill>
         </p:spPr>
         <p:txBody>
@@ -7610,7 +11473,7 @@
             <a:avLst/>
           </a:prstGeom>
           <a:solidFill>
-            <a:schemeClr val="accent2"/>
+            <a:srgbClr val="0005C1"/>
           </a:solidFill>
         </p:spPr>
         <p:txBody>
@@ -7643,7 +11506,7 @@
             <a:avLst/>
           </a:prstGeom>
           <a:solidFill>
-            <a:schemeClr val="accent2"/>
+            <a:srgbClr val="0005C1"/>
           </a:solidFill>
         </p:spPr>
         <p:txBody>
@@ -8327,7 +12190,7 @@
           <p:nvPr>
             <p:extLst>
               <p:ext uri="{D42A27DB-BD31-4B8C-83A1-F6EECF244321}">
-                <p14:modId xmlns:p14="http://schemas.microsoft.com/office/powerpoint/2010/main" val="1676517719"/>
+                <p14:modId xmlns:p14="http://schemas.microsoft.com/office/powerpoint/2010/main" val="799052780"/>
               </p:ext>
             </p:extLst>
           </p:nvPr>
@@ -9183,6 +13046,955 @@
     <p:extLst>
       <p:ext uri="{BB962C8B-B14F-4D97-AF65-F5344CB8AC3E}">
         <p14:creationId xmlns:p14="http://schemas.microsoft.com/office/powerpoint/2010/main" val="1161016032"/>
+      </p:ext>
+    </p:extLst>
+  </p:cSld>
+  <p:clrMapOvr>
+    <a:masterClrMapping/>
+  </p:clrMapOvr>
+  <p:timing>
+    <p:tnLst>
+      <p:par>
+        <p:cTn id="1" dur="indefinite" restart="never" nodeType="tmRoot"/>
+      </p:par>
+    </p:tnLst>
+  </p:timing>
+</p:sld>
+</file>
+
+<file path=ppt/slides/slide2.xml><?xml version="1.0" encoding="utf-8"?>
+<p:sld xmlns:a="http://schemas.openxmlformats.org/drawingml/2006/main" xmlns:r="http://schemas.openxmlformats.org/officeDocument/2006/relationships" xmlns:p="http://schemas.openxmlformats.org/presentationml/2006/main">
+  <p:cSld>
+    <p:spTree>
+      <p:nvGrpSpPr>
+        <p:cNvPr id="1" name=""/>
+        <p:cNvGrpSpPr/>
+        <p:nvPr/>
+      </p:nvGrpSpPr>
+      <p:grpSpPr>
+        <a:xfrm>
+          <a:off x="0" y="0"/>
+          <a:ext cx="0" cy="0"/>
+          <a:chOff x="0" y="0"/>
+          <a:chExt cx="0" cy="0"/>
+        </a:xfrm>
+      </p:grpSpPr>
+      <p:graphicFrame>
+        <p:nvGraphicFramePr>
+          <p:cNvPr id="68" name="Chart 67"/>
+          <p:cNvGraphicFramePr/>
+          <p:nvPr>
+            <p:extLst>
+              <p:ext uri="{D42A27DB-BD31-4B8C-83A1-F6EECF244321}">
+                <p14:modId xmlns:p14="http://schemas.microsoft.com/office/powerpoint/2010/main" val="3887549509"/>
+              </p:ext>
+            </p:extLst>
+          </p:nvPr>
+        </p:nvGraphicFramePr>
+        <p:xfrm>
+          <a:off x="46722" y="2072003"/>
+          <a:ext cx="12091884" cy="3369106"/>
+        </p:xfrm>
+        <a:graphic>
+          <a:graphicData uri="http://schemas.openxmlformats.org/drawingml/2006/chart">
+            <c:chart xmlns:c="http://schemas.openxmlformats.org/drawingml/2006/chart" xmlns:r="http://schemas.openxmlformats.org/officeDocument/2006/relationships" r:id="rId2"/>
+          </a:graphicData>
+        </a:graphic>
+      </p:graphicFrame>
+      <p:graphicFrame>
+        <p:nvGraphicFramePr>
+          <p:cNvPr id="72" name="Chart 71"/>
+          <p:cNvGraphicFramePr/>
+          <p:nvPr>
+            <p:extLst>
+              <p:ext uri="{D42A27DB-BD31-4B8C-83A1-F6EECF244321}">
+                <p14:modId xmlns:p14="http://schemas.microsoft.com/office/powerpoint/2010/main" val="3020308165"/>
+              </p:ext>
+            </p:extLst>
+          </p:nvPr>
+        </p:nvGraphicFramePr>
+        <p:xfrm>
+          <a:off x="6267311" y="0"/>
+          <a:ext cx="5924689" cy="2215345"/>
+        </p:xfrm>
+        <a:graphic>
+          <a:graphicData uri="http://schemas.openxmlformats.org/drawingml/2006/chart">
+            <c:chart xmlns:c="http://schemas.openxmlformats.org/drawingml/2006/chart" xmlns:r="http://schemas.openxmlformats.org/officeDocument/2006/relationships" r:id="rId3"/>
+          </a:graphicData>
+        </a:graphic>
+      </p:graphicFrame>
+      <p:sp>
+        <p:nvSpPr>
+          <p:cNvPr id="78" name="TextBox 77"/>
+          <p:cNvSpPr txBox="1"/>
+          <p:nvPr/>
+        </p:nvSpPr>
+        <p:spPr>
+          <a:xfrm>
+            <a:off x="1604109" y="5956271"/>
+            <a:ext cx="297003" cy="308707"/>
+          </a:xfrm>
+          <a:prstGeom prst="rect">
+            <a:avLst/>
+          </a:prstGeom>
+          <a:solidFill>
+            <a:srgbClr val="0005C1"/>
+          </a:solidFill>
+        </p:spPr>
+        <p:txBody>
+          <a:bodyPr wrap="square" rtlCol="0">
+            <a:spAutoFit/>
+          </a:bodyPr>
+          <a:lstStyle/>
+          <a:p>
+            <a:pPr algn="ctr"/>
+            <a:endParaRPr lang="en-US" sz="1400" dirty="0" smtClean="0"/>
+          </a:p>
+        </p:txBody>
+      </p:sp>
+      <p:sp>
+        <p:nvSpPr>
+          <p:cNvPr id="87" name="TextBox 86"/>
+          <p:cNvSpPr txBox="1"/>
+          <p:nvPr/>
+        </p:nvSpPr>
+        <p:spPr>
+          <a:xfrm>
+            <a:off x="1616763" y="5648494"/>
+            <a:ext cx="284339" cy="307777"/>
+          </a:xfrm>
+          <a:prstGeom prst="rect">
+            <a:avLst/>
+          </a:prstGeom>
+          <a:solidFill>
+            <a:srgbClr val="7030A0"/>
+          </a:solidFill>
+        </p:spPr>
+        <p:txBody>
+          <a:bodyPr wrap="square" rtlCol="0">
+            <a:spAutoFit/>
+          </a:bodyPr>
+          <a:lstStyle/>
+          <a:p>
+            <a:pPr algn="ctr"/>
+            <a:endParaRPr lang="en-US" sz="1400" dirty="0" smtClean="0"/>
+          </a:p>
+        </p:txBody>
+      </p:sp>
+      <p:sp>
+        <p:nvSpPr>
+          <p:cNvPr id="98" name="TextBox 97"/>
+          <p:cNvSpPr txBox="1"/>
+          <p:nvPr/>
+        </p:nvSpPr>
+        <p:spPr>
+          <a:xfrm>
+            <a:off x="1604099" y="6240352"/>
+            <a:ext cx="297003" cy="308707"/>
+          </a:xfrm>
+          <a:prstGeom prst="rect">
+            <a:avLst/>
+          </a:prstGeom>
+          <a:solidFill>
+            <a:srgbClr val="FFB800"/>
+          </a:solidFill>
+        </p:spPr>
+        <p:txBody>
+          <a:bodyPr wrap="square" rtlCol="0">
+            <a:spAutoFit/>
+          </a:bodyPr>
+          <a:lstStyle/>
+          <a:p>
+            <a:pPr algn="ctr"/>
+            <a:endParaRPr lang="en-US" sz="1400" dirty="0" smtClean="0"/>
+          </a:p>
+        </p:txBody>
+      </p:sp>
+      <p:sp>
+        <p:nvSpPr>
+          <p:cNvPr id="99" name="TextBox 98"/>
+          <p:cNvSpPr txBox="1"/>
+          <p:nvPr/>
+        </p:nvSpPr>
+        <p:spPr>
+          <a:xfrm>
+            <a:off x="1604089" y="6538216"/>
+            <a:ext cx="297003" cy="308707"/>
+          </a:xfrm>
+          <a:prstGeom prst="rect">
+            <a:avLst/>
+          </a:prstGeom>
+          <a:solidFill>
+            <a:srgbClr val="FF0000"/>
+          </a:solidFill>
+        </p:spPr>
+        <p:txBody>
+          <a:bodyPr wrap="square" rtlCol="0">
+            <a:spAutoFit/>
+          </a:bodyPr>
+          <a:lstStyle/>
+          <a:p>
+            <a:pPr algn="ctr"/>
+            <a:endParaRPr lang="en-US" sz="1400" dirty="0" smtClean="0"/>
+          </a:p>
+        </p:txBody>
+      </p:sp>
+      <p:sp>
+        <p:nvSpPr>
+          <p:cNvPr id="100" name="TextBox 99"/>
+          <p:cNvSpPr txBox="1"/>
+          <p:nvPr/>
+        </p:nvSpPr>
+        <p:spPr>
+          <a:xfrm>
+            <a:off x="1610430" y="5347302"/>
+            <a:ext cx="290672" cy="307777"/>
+          </a:xfrm>
+          <a:prstGeom prst="rect">
+            <a:avLst/>
+          </a:prstGeom>
+          <a:solidFill>
+            <a:schemeClr val="accent6">
+              <a:lumMod val="50000"/>
+            </a:schemeClr>
+          </a:solidFill>
+        </p:spPr>
+        <p:txBody>
+          <a:bodyPr wrap="square" rtlCol="0">
+            <a:spAutoFit/>
+          </a:bodyPr>
+          <a:lstStyle/>
+          <a:p>
+            <a:pPr algn="ctr"/>
+            <a:endParaRPr lang="en-US" sz="1400" dirty="0" smtClean="0"/>
+          </a:p>
+        </p:txBody>
+      </p:sp>
+      <p:sp>
+        <p:nvSpPr>
+          <p:cNvPr id="101" name="TextBox 100"/>
+          <p:cNvSpPr txBox="1"/>
+          <p:nvPr/>
+        </p:nvSpPr>
+        <p:spPr>
+          <a:xfrm>
+            <a:off x="3158155" y="5358147"/>
+            <a:ext cx="290672" cy="307777"/>
+          </a:xfrm>
+          <a:prstGeom prst="rect">
+            <a:avLst/>
+          </a:prstGeom>
+          <a:solidFill>
+            <a:schemeClr val="accent6">
+              <a:lumMod val="50000"/>
+            </a:schemeClr>
+          </a:solidFill>
+        </p:spPr>
+        <p:txBody>
+          <a:bodyPr wrap="square" rtlCol="0">
+            <a:spAutoFit/>
+          </a:bodyPr>
+          <a:lstStyle/>
+          <a:p>
+            <a:pPr algn="ctr"/>
+            <a:endParaRPr lang="en-US" sz="1400" dirty="0" smtClean="0"/>
+          </a:p>
+        </p:txBody>
+      </p:sp>
+      <p:sp>
+        <p:nvSpPr>
+          <p:cNvPr id="102" name="TextBox 101"/>
+          <p:cNvSpPr txBox="1"/>
+          <p:nvPr/>
+        </p:nvSpPr>
+        <p:spPr>
+          <a:xfrm>
+            <a:off x="4267901" y="5358146"/>
+            <a:ext cx="290672" cy="307777"/>
+          </a:xfrm>
+          <a:prstGeom prst="rect">
+            <a:avLst/>
+          </a:prstGeom>
+          <a:solidFill>
+            <a:schemeClr val="accent6">
+              <a:lumMod val="50000"/>
+            </a:schemeClr>
+          </a:solidFill>
+        </p:spPr>
+        <p:txBody>
+          <a:bodyPr wrap="square" rtlCol="0">
+            <a:spAutoFit/>
+          </a:bodyPr>
+          <a:lstStyle/>
+          <a:p>
+            <a:pPr algn="ctr"/>
+            <a:endParaRPr lang="en-US" sz="1400" dirty="0" smtClean="0"/>
+          </a:p>
+        </p:txBody>
+      </p:sp>
+      <p:sp>
+        <p:nvSpPr>
+          <p:cNvPr id="103" name="TextBox 102"/>
+          <p:cNvSpPr txBox="1"/>
+          <p:nvPr/>
+        </p:nvSpPr>
+        <p:spPr>
+          <a:xfrm>
+            <a:off x="1053694" y="5358149"/>
+            <a:ext cx="290672" cy="307777"/>
+          </a:xfrm>
+          <a:prstGeom prst="rect">
+            <a:avLst/>
+          </a:prstGeom>
+          <a:solidFill>
+            <a:schemeClr val="accent6">
+              <a:lumMod val="50000"/>
+            </a:schemeClr>
+          </a:solidFill>
+        </p:spPr>
+        <p:txBody>
+          <a:bodyPr wrap="square" rtlCol="0">
+            <a:spAutoFit/>
+          </a:bodyPr>
+          <a:lstStyle/>
+          <a:p>
+            <a:pPr algn="ctr"/>
+            <a:endParaRPr lang="en-US" sz="1400" dirty="0" smtClean="0"/>
+          </a:p>
+        </p:txBody>
+      </p:sp>
+      <p:sp>
+        <p:nvSpPr>
+          <p:cNvPr id="104" name="TextBox 103"/>
+          <p:cNvSpPr txBox="1"/>
+          <p:nvPr/>
+        </p:nvSpPr>
+        <p:spPr>
+          <a:xfrm>
+            <a:off x="2667635" y="5358147"/>
+            <a:ext cx="290672" cy="307777"/>
+          </a:xfrm>
+          <a:prstGeom prst="rect">
+            <a:avLst/>
+          </a:prstGeom>
+          <a:solidFill>
+            <a:schemeClr val="accent6">
+              <a:lumMod val="50000"/>
+            </a:schemeClr>
+          </a:solidFill>
+        </p:spPr>
+        <p:txBody>
+          <a:bodyPr wrap="square" rtlCol="0">
+            <a:spAutoFit/>
+          </a:bodyPr>
+          <a:lstStyle/>
+          <a:p>
+            <a:pPr algn="ctr"/>
+            <a:endParaRPr lang="en-US" sz="1400" dirty="0" smtClean="0"/>
+          </a:p>
+        </p:txBody>
+      </p:sp>
+      <p:sp>
+        <p:nvSpPr>
+          <p:cNvPr id="105" name="TextBox 104"/>
+          <p:cNvSpPr txBox="1"/>
+          <p:nvPr/>
+        </p:nvSpPr>
+        <p:spPr>
+          <a:xfrm>
+            <a:off x="3669415" y="5659571"/>
+            <a:ext cx="284339" cy="307777"/>
+          </a:xfrm>
+          <a:prstGeom prst="rect">
+            <a:avLst/>
+          </a:prstGeom>
+          <a:solidFill>
+            <a:srgbClr val="7030A0"/>
+          </a:solidFill>
+        </p:spPr>
+        <p:txBody>
+          <a:bodyPr wrap="square" rtlCol="0">
+            <a:spAutoFit/>
+          </a:bodyPr>
+          <a:lstStyle/>
+          <a:p>
+            <a:pPr algn="ctr"/>
+            <a:endParaRPr lang="en-US" sz="1400" dirty="0" smtClean="0"/>
+          </a:p>
+        </p:txBody>
+      </p:sp>
+      <p:sp>
+        <p:nvSpPr>
+          <p:cNvPr id="106" name="TextBox 105"/>
+          <p:cNvSpPr txBox="1"/>
+          <p:nvPr/>
+        </p:nvSpPr>
+        <p:spPr>
+          <a:xfrm>
+            <a:off x="1053684" y="5665924"/>
+            <a:ext cx="284339" cy="307777"/>
+          </a:xfrm>
+          <a:prstGeom prst="rect">
+            <a:avLst/>
+          </a:prstGeom>
+          <a:solidFill>
+            <a:srgbClr val="7030A0"/>
+          </a:solidFill>
+        </p:spPr>
+        <p:txBody>
+          <a:bodyPr wrap="square" rtlCol="0">
+            <a:spAutoFit/>
+          </a:bodyPr>
+          <a:lstStyle/>
+          <a:p>
+            <a:pPr algn="ctr"/>
+            <a:endParaRPr lang="en-US" sz="1400" dirty="0" smtClean="0"/>
+          </a:p>
+        </p:txBody>
+      </p:sp>
+      <p:sp>
+        <p:nvSpPr>
+          <p:cNvPr id="107" name="TextBox 106"/>
+          <p:cNvSpPr txBox="1"/>
+          <p:nvPr/>
+        </p:nvSpPr>
+        <p:spPr>
+          <a:xfrm>
+            <a:off x="5292959" y="5648493"/>
+            <a:ext cx="284339" cy="307777"/>
+          </a:xfrm>
+          <a:prstGeom prst="rect">
+            <a:avLst/>
+          </a:prstGeom>
+          <a:solidFill>
+            <a:srgbClr val="7030A0"/>
+          </a:solidFill>
+        </p:spPr>
+        <p:txBody>
+          <a:bodyPr wrap="square" rtlCol="0">
+            <a:spAutoFit/>
+          </a:bodyPr>
+          <a:lstStyle/>
+          <a:p>
+            <a:pPr algn="ctr"/>
+            <a:endParaRPr lang="en-US" sz="1400" dirty="0" smtClean="0"/>
+          </a:p>
+        </p:txBody>
+      </p:sp>
+      <p:sp>
+        <p:nvSpPr>
+          <p:cNvPr id="108" name="TextBox 107"/>
+          <p:cNvSpPr txBox="1"/>
+          <p:nvPr/>
+        </p:nvSpPr>
+        <p:spPr>
+          <a:xfrm>
+            <a:off x="5893677" y="5665926"/>
+            <a:ext cx="284339" cy="307777"/>
+          </a:xfrm>
+          <a:prstGeom prst="rect">
+            <a:avLst/>
+          </a:prstGeom>
+          <a:solidFill>
+            <a:srgbClr val="7030A0"/>
+          </a:solidFill>
+        </p:spPr>
+        <p:txBody>
+          <a:bodyPr wrap="square" rtlCol="0">
+            <a:spAutoFit/>
+          </a:bodyPr>
+          <a:lstStyle/>
+          <a:p>
+            <a:pPr algn="ctr"/>
+            <a:endParaRPr lang="en-US" sz="1400" dirty="0" smtClean="0"/>
+          </a:p>
+        </p:txBody>
+      </p:sp>
+      <p:sp>
+        <p:nvSpPr>
+          <p:cNvPr id="109" name="TextBox 108"/>
+          <p:cNvSpPr txBox="1"/>
+          <p:nvPr/>
+        </p:nvSpPr>
+        <p:spPr>
+          <a:xfrm>
+            <a:off x="3158155" y="5962431"/>
+            <a:ext cx="297003" cy="308707"/>
+          </a:xfrm>
+          <a:prstGeom prst="rect">
+            <a:avLst/>
+          </a:prstGeom>
+          <a:solidFill>
+            <a:srgbClr val="0005C1"/>
+          </a:solidFill>
+        </p:spPr>
+        <p:txBody>
+          <a:bodyPr wrap="square" rtlCol="0">
+            <a:spAutoFit/>
+          </a:bodyPr>
+          <a:lstStyle/>
+          <a:p>
+            <a:pPr algn="ctr"/>
+            <a:endParaRPr lang="en-US" sz="1400" dirty="0" smtClean="0"/>
+          </a:p>
+        </p:txBody>
+      </p:sp>
+      <p:sp>
+        <p:nvSpPr>
+          <p:cNvPr id="110" name="TextBox 109"/>
+          <p:cNvSpPr txBox="1"/>
+          <p:nvPr/>
+        </p:nvSpPr>
+        <p:spPr>
+          <a:xfrm>
+            <a:off x="4252892" y="5981965"/>
+            <a:ext cx="297003" cy="308707"/>
+          </a:xfrm>
+          <a:prstGeom prst="rect">
+            <a:avLst/>
+          </a:prstGeom>
+          <a:solidFill>
+            <a:srgbClr val="0005C1"/>
+          </a:solidFill>
+        </p:spPr>
+        <p:txBody>
+          <a:bodyPr wrap="square" rtlCol="0">
+            <a:spAutoFit/>
+          </a:bodyPr>
+          <a:lstStyle/>
+          <a:p>
+            <a:pPr algn="ctr"/>
+            <a:endParaRPr lang="en-US" sz="1400" dirty="0" smtClean="0"/>
+          </a:p>
+        </p:txBody>
+      </p:sp>
+      <p:sp>
+        <p:nvSpPr>
+          <p:cNvPr id="111" name="TextBox 110"/>
+          <p:cNvSpPr txBox="1"/>
+          <p:nvPr/>
+        </p:nvSpPr>
+        <p:spPr>
+          <a:xfrm>
+            <a:off x="1047351" y="5969985"/>
+            <a:ext cx="297003" cy="308707"/>
+          </a:xfrm>
+          <a:prstGeom prst="rect">
+            <a:avLst/>
+          </a:prstGeom>
+          <a:solidFill>
+            <a:srgbClr val="0005C1"/>
+          </a:solidFill>
+        </p:spPr>
+        <p:txBody>
+          <a:bodyPr wrap="square" rtlCol="0">
+            <a:spAutoFit/>
+          </a:bodyPr>
+          <a:lstStyle/>
+          <a:p>
+            <a:pPr algn="ctr"/>
+            <a:endParaRPr lang="en-US" sz="1400" dirty="0" smtClean="0"/>
+          </a:p>
+        </p:txBody>
+      </p:sp>
+      <p:sp>
+        <p:nvSpPr>
+          <p:cNvPr id="112" name="TextBox 111"/>
+          <p:cNvSpPr txBox="1"/>
+          <p:nvPr/>
+        </p:nvSpPr>
+        <p:spPr>
+          <a:xfrm>
+            <a:off x="7427743" y="5973701"/>
+            <a:ext cx="297003" cy="308707"/>
+          </a:xfrm>
+          <a:prstGeom prst="rect">
+            <a:avLst/>
+          </a:prstGeom>
+          <a:solidFill>
+            <a:srgbClr val="0005C1"/>
+          </a:solidFill>
+        </p:spPr>
+        <p:txBody>
+          <a:bodyPr wrap="square" rtlCol="0">
+            <a:spAutoFit/>
+          </a:bodyPr>
+          <a:lstStyle/>
+          <a:p>
+            <a:pPr algn="ctr"/>
+            <a:endParaRPr lang="en-US" sz="1400" dirty="0" smtClean="0"/>
+          </a:p>
+        </p:txBody>
+      </p:sp>
+      <p:sp>
+        <p:nvSpPr>
+          <p:cNvPr id="113" name="TextBox 112"/>
+          <p:cNvSpPr txBox="1"/>
+          <p:nvPr/>
+        </p:nvSpPr>
+        <p:spPr>
+          <a:xfrm>
+            <a:off x="3158155" y="6259708"/>
+            <a:ext cx="297003" cy="308707"/>
+          </a:xfrm>
+          <a:prstGeom prst="rect">
+            <a:avLst/>
+          </a:prstGeom>
+          <a:solidFill>
+            <a:srgbClr val="FFB800"/>
+          </a:solidFill>
+        </p:spPr>
+        <p:txBody>
+          <a:bodyPr wrap="square" rtlCol="0">
+            <a:spAutoFit/>
+          </a:bodyPr>
+          <a:lstStyle/>
+          <a:p>
+            <a:pPr algn="ctr"/>
+            <a:endParaRPr lang="en-US" sz="1400" dirty="0" smtClean="0"/>
+          </a:p>
+        </p:txBody>
+      </p:sp>
+      <p:sp>
+        <p:nvSpPr>
+          <p:cNvPr id="114" name="TextBox 113"/>
+          <p:cNvSpPr txBox="1"/>
+          <p:nvPr/>
+        </p:nvSpPr>
+        <p:spPr>
+          <a:xfrm>
+            <a:off x="4791751" y="6247778"/>
+            <a:ext cx="297003" cy="308707"/>
+          </a:xfrm>
+          <a:prstGeom prst="rect">
+            <a:avLst/>
+          </a:prstGeom>
+          <a:solidFill>
+            <a:srgbClr val="FFB800"/>
+          </a:solidFill>
+        </p:spPr>
+        <p:txBody>
+          <a:bodyPr wrap="square" rtlCol="0">
+            <a:spAutoFit/>
+          </a:bodyPr>
+          <a:lstStyle/>
+          <a:p>
+            <a:pPr algn="ctr"/>
+            <a:endParaRPr lang="en-US" sz="1400" dirty="0" smtClean="0"/>
+          </a:p>
+        </p:txBody>
+      </p:sp>
+      <p:sp>
+        <p:nvSpPr>
+          <p:cNvPr id="115" name="TextBox 114"/>
+          <p:cNvSpPr txBox="1"/>
+          <p:nvPr/>
+        </p:nvSpPr>
+        <p:spPr>
+          <a:xfrm>
+            <a:off x="3694223" y="6263895"/>
+            <a:ext cx="297003" cy="308707"/>
+          </a:xfrm>
+          <a:prstGeom prst="rect">
+            <a:avLst/>
+          </a:prstGeom>
+          <a:solidFill>
+            <a:srgbClr val="FFB800"/>
+          </a:solidFill>
+        </p:spPr>
+        <p:txBody>
+          <a:bodyPr wrap="square" rtlCol="0">
+            <a:spAutoFit/>
+          </a:bodyPr>
+          <a:lstStyle/>
+          <a:p>
+            <a:pPr algn="ctr"/>
+            <a:endParaRPr lang="en-US" sz="1400" dirty="0" smtClean="0"/>
+          </a:p>
+        </p:txBody>
+      </p:sp>
+      <p:sp>
+        <p:nvSpPr>
+          <p:cNvPr id="116" name="TextBox 115"/>
+          <p:cNvSpPr txBox="1"/>
+          <p:nvPr/>
+        </p:nvSpPr>
+        <p:spPr>
+          <a:xfrm>
+            <a:off x="2665316" y="6258682"/>
+            <a:ext cx="297003" cy="308707"/>
+          </a:xfrm>
+          <a:prstGeom prst="rect">
+            <a:avLst/>
+          </a:prstGeom>
+          <a:solidFill>
+            <a:srgbClr val="FFB800"/>
+          </a:solidFill>
+        </p:spPr>
+        <p:txBody>
+          <a:bodyPr wrap="square" rtlCol="0">
+            <a:spAutoFit/>
+          </a:bodyPr>
+          <a:lstStyle/>
+          <a:p>
+            <a:pPr algn="ctr"/>
+            <a:endParaRPr lang="en-US" sz="1400" dirty="0" smtClean="0"/>
+          </a:p>
+        </p:txBody>
+      </p:sp>
+      <p:sp>
+        <p:nvSpPr>
+          <p:cNvPr id="117" name="TextBox 116"/>
+          <p:cNvSpPr txBox="1"/>
+          <p:nvPr/>
+        </p:nvSpPr>
+        <p:spPr>
+          <a:xfrm>
+            <a:off x="1039472" y="6563358"/>
+            <a:ext cx="297003" cy="308707"/>
+          </a:xfrm>
+          <a:prstGeom prst="rect">
+            <a:avLst/>
+          </a:prstGeom>
+          <a:solidFill>
+            <a:srgbClr val="FF0000"/>
+          </a:solidFill>
+        </p:spPr>
+        <p:txBody>
+          <a:bodyPr wrap="square" rtlCol="0">
+            <a:spAutoFit/>
+          </a:bodyPr>
+          <a:lstStyle/>
+          <a:p>
+            <a:pPr algn="ctr"/>
+            <a:endParaRPr lang="en-US" sz="1400" dirty="0" smtClean="0"/>
+          </a:p>
+        </p:txBody>
+      </p:sp>
+      <p:sp>
+        <p:nvSpPr>
+          <p:cNvPr id="118" name="TextBox 117"/>
+          <p:cNvSpPr txBox="1"/>
+          <p:nvPr/>
+        </p:nvSpPr>
+        <p:spPr>
+          <a:xfrm>
+            <a:off x="3151824" y="6556985"/>
+            <a:ext cx="297003" cy="308707"/>
+          </a:xfrm>
+          <a:prstGeom prst="rect">
+            <a:avLst/>
+          </a:prstGeom>
+          <a:solidFill>
+            <a:srgbClr val="FF0000"/>
+          </a:solidFill>
+        </p:spPr>
+        <p:txBody>
+          <a:bodyPr wrap="square" rtlCol="0">
+            <a:spAutoFit/>
+          </a:bodyPr>
+          <a:lstStyle/>
+          <a:p>
+            <a:pPr algn="ctr"/>
+            <a:endParaRPr lang="en-US" sz="1400" dirty="0" smtClean="0"/>
+          </a:p>
+        </p:txBody>
+      </p:sp>
+      <p:sp>
+        <p:nvSpPr>
+          <p:cNvPr id="119" name="TextBox 118"/>
+          <p:cNvSpPr txBox="1"/>
+          <p:nvPr/>
+        </p:nvSpPr>
+        <p:spPr>
+          <a:xfrm>
+            <a:off x="3696727" y="6549293"/>
+            <a:ext cx="297003" cy="308707"/>
+          </a:xfrm>
+          <a:prstGeom prst="rect">
+            <a:avLst/>
+          </a:prstGeom>
+          <a:solidFill>
+            <a:srgbClr val="FF0000"/>
+          </a:solidFill>
+        </p:spPr>
+        <p:txBody>
+          <a:bodyPr wrap="square" rtlCol="0">
+            <a:spAutoFit/>
+          </a:bodyPr>
+          <a:lstStyle/>
+          <a:p>
+            <a:pPr algn="ctr"/>
+            <a:endParaRPr lang="en-US" sz="1400" dirty="0" smtClean="0"/>
+          </a:p>
+        </p:txBody>
+      </p:sp>
+      <p:sp>
+        <p:nvSpPr>
+          <p:cNvPr id="120" name="TextBox 119"/>
+          <p:cNvSpPr txBox="1"/>
+          <p:nvPr/>
+        </p:nvSpPr>
+        <p:spPr>
+          <a:xfrm>
+            <a:off x="4777668" y="6538215"/>
+            <a:ext cx="297003" cy="308707"/>
+          </a:xfrm>
+          <a:prstGeom prst="rect">
+            <a:avLst/>
+          </a:prstGeom>
+          <a:solidFill>
+            <a:srgbClr val="FF0000"/>
+          </a:solidFill>
+        </p:spPr>
+        <p:txBody>
+          <a:bodyPr wrap="square" rtlCol="0">
+            <a:spAutoFit/>
+          </a:bodyPr>
+          <a:lstStyle/>
+          <a:p>
+            <a:pPr algn="ctr"/>
+            <a:endParaRPr lang="en-US" sz="1400" dirty="0" smtClean="0"/>
+          </a:p>
+        </p:txBody>
+      </p:sp>
+      <p:graphicFrame>
+        <p:nvGraphicFramePr>
+          <p:cNvPr id="65" name="Chart 64"/>
+          <p:cNvGraphicFramePr/>
+          <p:nvPr>
+            <p:extLst>
+              <p:ext uri="{D42A27DB-BD31-4B8C-83A1-F6EECF244321}">
+                <p14:modId xmlns:p14="http://schemas.microsoft.com/office/powerpoint/2010/main" val="3742515439"/>
+              </p:ext>
+            </p:extLst>
+          </p:nvPr>
+        </p:nvGraphicFramePr>
+        <p:xfrm>
+          <a:off x="-7108" y="0"/>
+          <a:ext cx="5823884" cy="2055731"/>
+        </p:xfrm>
+        <a:graphic>
+          <a:graphicData uri="http://schemas.openxmlformats.org/drawingml/2006/chart">
+            <c:chart xmlns:c="http://schemas.openxmlformats.org/drawingml/2006/chart" xmlns:r="http://schemas.openxmlformats.org/officeDocument/2006/relationships" r:id="rId4"/>
+          </a:graphicData>
+        </a:graphic>
+      </p:graphicFrame>
+      <p:graphicFrame>
+        <p:nvGraphicFramePr>
+          <p:cNvPr id="66" name="Table 65"/>
+          <p:cNvGraphicFramePr>
+            <a:graphicFrameLocks noGrp="1"/>
+          </p:cNvGraphicFramePr>
+          <p:nvPr>
+            <p:extLst>
+              <p:ext uri="{D42A27DB-BD31-4B8C-83A1-F6EECF244321}">
+                <p14:modId xmlns:p14="http://schemas.microsoft.com/office/powerpoint/2010/main" val="3367055640"/>
+              </p:ext>
+            </p:extLst>
+          </p:nvPr>
+        </p:nvGraphicFramePr>
+        <p:xfrm>
+          <a:off x="-54496" y="5272095"/>
+          <a:ext cx="575103" cy="1590685"/>
+        </p:xfrm>
+        <a:graphic>
+          <a:graphicData uri="http://schemas.openxmlformats.org/drawingml/2006/table">
+            <a:tbl>
+              <a:tblPr firstRow="1" bandRow="1">
+                <a:tableStyleId>{D7AC3CCA-C797-4891-BE02-D94E43425B78}</a:tableStyleId>
+              </a:tblPr>
+              <a:tblGrid>
+                <a:gridCol w="575103"/>
+              </a:tblGrid>
+              <a:tr h="318137">
+                <a:tc>
+                  <a:txBody>
+                    <a:bodyPr/>
+                    <a:lstStyle/>
+                    <a:p>
+                      <a:r>
+                        <a:rPr lang="en-US" sz="1200" b="0" dirty="0" smtClean="0"/>
+                        <a:t>Brian</a:t>
+                      </a:r>
+                      <a:endParaRPr lang="en-US" sz="1200" b="0" dirty="0"/>
+                    </a:p>
+                  </a:txBody>
+                  <a:tcPr/>
+                </a:tc>
+              </a:tr>
+              <a:tr h="318137">
+                <a:tc>
+                  <a:txBody>
+                    <a:bodyPr/>
+                    <a:lstStyle/>
+                    <a:p>
+                      <a:r>
+                        <a:rPr lang="en-US" sz="1200" dirty="0" smtClean="0"/>
+                        <a:t>Chris</a:t>
+                      </a:r>
+                      <a:endParaRPr lang="en-US" sz="1200" dirty="0"/>
+                    </a:p>
+                  </a:txBody>
+                  <a:tcPr/>
+                </a:tc>
+              </a:tr>
+              <a:tr h="318137">
+                <a:tc>
+                  <a:txBody>
+                    <a:bodyPr/>
+                    <a:lstStyle/>
+                    <a:p>
+                      <a:r>
+                        <a:rPr lang="en-US" sz="1200" dirty="0" smtClean="0"/>
+                        <a:t>Jason</a:t>
+                      </a:r>
+                      <a:endParaRPr lang="en-US" sz="1200" dirty="0"/>
+                    </a:p>
+                  </a:txBody>
+                  <a:tcPr/>
+                </a:tc>
+              </a:tr>
+              <a:tr h="318137">
+                <a:tc>
+                  <a:txBody>
+                    <a:bodyPr/>
+                    <a:lstStyle/>
+                    <a:p>
+                      <a:r>
+                        <a:rPr lang="en-US" sz="1200" dirty="0" smtClean="0"/>
+                        <a:t>Mike</a:t>
+                      </a:r>
+                      <a:endParaRPr lang="en-US" sz="1200" dirty="0"/>
+                    </a:p>
+                  </a:txBody>
+                  <a:tcPr/>
+                </a:tc>
+              </a:tr>
+              <a:tr h="318137">
+                <a:tc>
+                  <a:txBody>
+                    <a:bodyPr/>
+                    <a:lstStyle/>
+                    <a:p>
+                      <a:r>
+                        <a:rPr lang="en-US" sz="1200" dirty="0" smtClean="0"/>
+                        <a:t>John</a:t>
+                      </a:r>
+                      <a:endParaRPr lang="en-US" sz="1200" dirty="0"/>
+                    </a:p>
+                  </a:txBody>
+                  <a:tcPr/>
+                </a:tc>
+              </a:tr>
+            </a:tbl>
+          </a:graphicData>
+        </a:graphic>
+      </p:graphicFrame>
+    </p:spTree>
+    <p:extLst>
+      <p:ext uri="{BB962C8B-B14F-4D97-AF65-F5344CB8AC3E}">
+        <p14:creationId xmlns:p14="http://schemas.microsoft.com/office/powerpoint/2010/main" val="1103450877"/>
       </p:ext>
     </p:extLst>
   </p:cSld>

--- a/dashboard ideas1.pptx
+++ b/dashboard ideas1.pptx
@@ -7,6 +7,7 @@
   <p:sldIdLst>
     <p:sldId id="256" r:id="rId2"/>
     <p:sldId id="257" r:id="rId3"/>
+    <p:sldId id="258" r:id="rId4"/>
   </p:sldIdLst>
   <p:sldSz cx="12192000" cy="6858000"/>
   <p:notesSz cx="6858000" cy="9144000"/>
@@ -1020,11 +1021,11 @@
         </c:dLbls>
         <c:gapWidth val="150"/>
         <c:overlap val="100"/>
-        <c:axId val="176165560"/>
-        <c:axId val="6948800"/>
+        <c:axId val="240735712"/>
+        <c:axId val="227516680"/>
       </c:barChart>
       <c:catAx>
-        <c:axId val="176165560"/>
+        <c:axId val="240735712"/>
         <c:scaling>
           <c:orientation val="minMax"/>
         </c:scaling>
@@ -1067,7 +1068,7 @@
             <a:endParaRPr lang="en-US"/>
           </a:p>
         </c:txPr>
-        <c:crossAx val="6948800"/>
+        <c:crossAx val="227516680"/>
         <c:crosses val="autoZero"/>
         <c:auto val="1"/>
         <c:lblAlgn val="ctr"/>
@@ -1075,7 +1076,7 @@
         <c:noMultiLvlLbl val="0"/>
       </c:catAx>
       <c:valAx>
-        <c:axId val="6948800"/>
+        <c:axId val="227516680"/>
         <c:scaling>
           <c:orientation val="minMax"/>
         </c:scaling>
@@ -1126,7 +1127,7 @@
             <a:endParaRPr lang="en-US"/>
           </a:p>
         </c:txPr>
-        <c:crossAx val="176165560"/>
+        <c:crossAx val="240735712"/>
         <c:crosses val="autoZero"/>
         <c:crossBetween val="between"/>
       </c:valAx>
@@ -1669,11 +1670,11 @@
         </c:dLbls>
         <c:gapWidth val="150"/>
         <c:overlap val="100"/>
-        <c:axId val="176291336"/>
-        <c:axId val="176372000"/>
+        <c:axId val="437255792"/>
+        <c:axId val="437256184"/>
       </c:barChart>
       <c:catAx>
-        <c:axId val="176291336"/>
+        <c:axId val="437255792"/>
         <c:scaling>
           <c:orientation val="minMax"/>
         </c:scaling>
@@ -1716,7 +1717,7 @@
             <a:endParaRPr lang="en-US"/>
           </a:p>
         </c:txPr>
-        <c:crossAx val="176372000"/>
+        <c:crossAx val="437256184"/>
         <c:crosses val="autoZero"/>
         <c:auto val="1"/>
         <c:lblAlgn val="ctr"/>
@@ -1724,7 +1725,7 @@
         <c:noMultiLvlLbl val="0"/>
       </c:catAx>
       <c:valAx>
-        <c:axId val="176372000"/>
+        <c:axId val="437256184"/>
         <c:scaling>
           <c:orientation val="minMax"/>
         </c:scaling>
@@ -1775,7 +1776,7 @@
             <a:endParaRPr lang="en-US"/>
           </a:p>
         </c:txPr>
-        <c:crossAx val="176291336"/>
+        <c:crossAx val="437255792"/>
         <c:crosses val="autoZero"/>
         <c:crossBetween val="between"/>
       </c:valAx>
@@ -2715,11 +2716,11 @@
         </c:dLbls>
         <c:gapWidth val="150"/>
         <c:overlap val="100"/>
-        <c:axId val="318450424"/>
-        <c:axId val="318451992"/>
+        <c:axId val="480747968"/>
+        <c:axId val="480758552"/>
       </c:barChart>
       <c:catAx>
-        <c:axId val="318450424"/>
+        <c:axId val="480747968"/>
         <c:scaling>
           <c:orientation val="minMax"/>
         </c:scaling>
@@ -2762,7 +2763,7 @@
             <a:endParaRPr lang="en-US"/>
           </a:p>
         </c:txPr>
-        <c:crossAx val="318451992"/>
+        <c:crossAx val="480758552"/>
         <c:crosses val="autoZero"/>
         <c:auto val="0"/>
         <c:lblAlgn val="ctr"/>
@@ -2770,7 +2771,7 @@
         <c:noMultiLvlLbl val="0"/>
       </c:catAx>
       <c:valAx>
-        <c:axId val="318451992"/>
+        <c:axId val="480758552"/>
         <c:scaling>
           <c:orientation val="minMax"/>
         </c:scaling>
@@ -2816,7 +2817,7 @@
             <a:endParaRPr lang="en-US"/>
           </a:p>
         </c:txPr>
-        <c:crossAx val="318450424"/>
+        <c:crossAx val="480747968"/>
         <c:crosses val="autoZero"/>
         <c:crossBetween val="between"/>
       </c:valAx>
@@ -3330,11 +3331,11 @@
         </c:dLbls>
         <c:gapWidth val="150"/>
         <c:overlap val="100"/>
-        <c:axId val="318454736"/>
-        <c:axId val="318450816"/>
+        <c:axId val="480759336"/>
+        <c:axId val="480750712"/>
       </c:barChart>
       <c:catAx>
-        <c:axId val="318454736"/>
+        <c:axId val="480759336"/>
         <c:scaling>
           <c:orientation val="minMax"/>
         </c:scaling>
@@ -3377,7 +3378,7 @@
             <a:endParaRPr lang="en-US"/>
           </a:p>
         </c:txPr>
-        <c:crossAx val="318450816"/>
+        <c:crossAx val="480750712"/>
         <c:crosses val="autoZero"/>
         <c:auto val="1"/>
         <c:lblAlgn val="ctr"/>
@@ -3385,7 +3386,7 @@
         <c:noMultiLvlLbl val="0"/>
       </c:catAx>
       <c:valAx>
-        <c:axId val="318450816"/>
+        <c:axId val="480750712"/>
         <c:scaling>
           <c:orientation val="minMax"/>
         </c:scaling>
@@ -3431,7 +3432,7 @@
             <a:endParaRPr lang="en-US"/>
           </a:p>
         </c:txPr>
-        <c:crossAx val="318454736"/>
+        <c:crossAx val="480759336"/>
         <c:crosses val="autoZero"/>
         <c:crossBetween val="between"/>
       </c:valAx>
@@ -4011,11 +4012,11 @@
           <c:showBubbleSize val="0"/>
         </c:dLbls>
         <c:smooth val="0"/>
-        <c:axId val="344584216"/>
-        <c:axId val="338603312"/>
+        <c:axId val="480758944"/>
+        <c:axId val="480747576"/>
       </c:lineChart>
       <c:catAx>
-        <c:axId val="344584216"/>
+        <c:axId val="480758944"/>
         <c:scaling>
           <c:orientation val="minMax"/>
         </c:scaling>
@@ -4025,7 +4026,7 @@
         <c:majorTickMark val="none"/>
         <c:minorTickMark val="none"/>
         <c:tickLblPos val="nextTo"/>
-        <c:crossAx val="338603312"/>
+        <c:crossAx val="480747576"/>
         <c:crosses val="autoZero"/>
         <c:auto val="1"/>
         <c:lblAlgn val="ctr"/>
@@ -4033,7 +4034,7 @@
         <c:noMultiLvlLbl val="0"/>
       </c:catAx>
       <c:valAx>
-        <c:axId val="338603312"/>
+        <c:axId val="480747576"/>
         <c:scaling>
           <c:orientation val="minMax"/>
         </c:scaling>
@@ -4079,7 +4080,7 @@
             <a:endParaRPr lang="en-US"/>
           </a:p>
         </c:txPr>
-        <c:crossAx val="344584216"/>
+        <c:crossAx val="480758944"/>
         <c:crosses val="autoZero"/>
         <c:crossBetween val="between"/>
       </c:valAx>
@@ -6985,7 +6986,7 @@
           <a:p>
             <a:fld id="{8936E08A-5C27-4B14-818C-CB1A61A1E7C9}" type="datetimeFigureOut">
               <a:rPr lang="en-US" smtClean="0"/>
-              <a:t>4/13/2016</a:t>
+              <a:t>4/30/2016</a:t>
             </a:fld>
             <a:endParaRPr lang="en-US"/>
           </a:p>
@@ -7155,7 +7156,7 @@
           <a:p>
             <a:fld id="{8936E08A-5C27-4B14-818C-CB1A61A1E7C9}" type="datetimeFigureOut">
               <a:rPr lang="en-US" smtClean="0"/>
-              <a:t>4/13/2016</a:t>
+              <a:t>4/30/2016</a:t>
             </a:fld>
             <a:endParaRPr lang="en-US"/>
           </a:p>
@@ -7335,7 +7336,7 @@
           <a:p>
             <a:fld id="{8936E08A-5C27-4B14-818C-CB1A61A1E7C9}" type="datetimeFigureOut">
               <a:rPr lang="en-US" smtClean="0"/>
-              <a:t>4/13/2016</a:t>
+              <a:t>4/30/2016</a:t>
             </a:fld>
             <a:endParaRPr lang="en-US"/>
           </a:p>
@@ -7505,7 +7506,7 @@
           <a:p>
             <a:fld id="{8936E08A-5C27-4B14-818C-CB1A61A1E7C9}" type="datetimeFigureOut">
               <a:rPr lang="en-US" smtClean="0"/>
-              <a:t>4/13/2016</a:t>
+              <a:t>4/30/2016</a:t>
             </a:fld>
             <a:endParaRPr lang="en-US"/>
           </a:p>
@@ -7751,7 +7752,7 @@
           <a:p>
             <a:fld id="{8936E08A-5C27-4B14-818C-CB1A61A1E7C9}" type="datetimeFigureOut">
               <a:rPr lang="en-US" smtClean="0"/>
-              <a:t>4/13/2016</a:t>
+              <a:t>4/30/2016</a:t>
             </a:fld>
             <a:endParaRPr lang="en-US"/>
           </a:p>
@@ -7983,7 +7984,7 @@
           <a:p>
             <a:fld id="{8936E08A-5C27-4B14-818C-CB1A61A1E7C9}" type="datetimeFigureOut">
               <a:rPr lang="en-US" smtClean="0"/>
-              <a:t>4/13/2016</a:t>
+              <a:t>4/30/2016</a:t>
             </a:fld>
             <a:endParaRPr lang="en-US"/>
           </a:p>
@@ -8350,7 +8351,7 @@
           <a:p>
             <a:fld id="{8936E08A-5C27-4B14-818C-CB1A61A1E7C9}" type="datetimeFigureOut">
               <a:rPr lang="en-US" smtClean="0"/>
-              <a:t>4/13/2016</a:t>
+              <a:t>4/30/2016</a:t>
             </a:fld>
             <a:endParaRPr lang="en-US"/>
           </a:p>
@@ -8468,7 +8469,7 @@
           <a:p>
             <a:fld id="{8936E08A-5C27-4B14-818C-CB1A61A1E7C9}" type="datetimeFigureOut">
               <a:rPr lang="en-US" smtClean="0"/>
-              <a:t>4/13/2016</a:t>
+              <a:t>4/30/2016</a:t>
             </a:fld>
             <a:endParaRPr lang="en-US"/>
           </a:p>
@@ -8563,7 +8564,7 @@
           <a:p>
             <a:fld id="{8936E08A-5C27-4B14-818C-CB1A61A1E7C9}" type="datetimeFigureOut">
               <a:rPr lang="en-US" smtClean="0"/>
-              <a:t>4/13/2016</a:t>
+              <a:t>4/30/2016</a:t>
             </a:fld>
             <a:endParaRPr lang="en-US"/>
           </a:p>
@@ -8840,7 +8841,7 @@
           <a:p>
             <a:fld id="{8936E08A-5C27-4B14-818C-CB1A61A1E7C9}" type="datetimeFigureOut">
               <a:rPr lang="en-US" smtClean="0"/>
-              <a:t>4/13/2016</a:t>
+              <a:t>4/30/2016</a:t>
             </a:fld>
             <a:endParaRPr lang="en-US"/>
           </a:p>
@@ -9093,7 +9094,7 @@
           <a:p>
             <a:fld id="{8936E08A-5C27-4B14-818C-CB1A61A1E7C9}" type="datetimeFigureOut">
               <a:rPr lang="en-US" smtClean="0"/>
-              <a:t>4/13/2016</a:t>
+              <a:t>4/30/2016</a:t>
             </a:fld>
             <a:endParaRPr lang="en-US"/>
           </a:p>
@@ -9306,7 +9307,7 @@
           <a:p>
             <a:fld id="{8936E08A-5C27-4B14-818C-CB1A61A1E7C9}" type="datetimeFigureOut">
               <a:rPr lang="en-US" smtClean="0"/>
-              <a:t>4/13/2016</a:t>
+              <a:t>4/30/2016</a:t>
             </a:fld>
             <a:endParaRPr lang="en-US"/>
           </a:p>
@@ -14011,6 +14012,84 @@
 </p:sld>
 </file>
 
+<file path=ppt/slides/slide3.xml><?xml version="1.0" encoding="utf-8"?>
+<p:sld xmlns:a="http://schemas.openxmlformats.org/drawingml/2006/main" xmlns:r="http://schemas.openxmlformats.org/officeDocument/2006/relationships" xmlns:p="http://schemas.openxmlformats.org/presentationml/2006/main">
+  <p:cSld>
+    <p:spTree>
+      <p:nvGrpSpPr>
+        <p:cNvPr id="1" name=""/>
+        <p:cNvGrpSpPr/>
+        <p:nvPr/>
+      </p:nvGrpSpPr>
+      <p:grpSpPr>
+        <a:xfrm>
+          <a:off x="0" y="0"/>
+          <a:ext cx="0" cy="0"/>
+          <a:chOff x="0" y="0"/>
+          <a:chExt cx="0" cy="0"/>
+        </a:xfrm>
+      </p:grpSpPr>
+      <p:pic>
+        <p:nvPicPr>
+          <p:cNvPr id="2" name="Picture 1"/>
+          <p:cNvPicPr>
+            <a:picLocks noChangeAspect="1"/>
+          </p:cNvPicPr>
+          <p:nvPr/>
+        </p:nvPicPr>
+        <p:blipFill>
+          <a:blip r:embed="rId2"/>
+          <a:stretch>
+            <a:fillRect/>
+          </a:stretch>
+        </p:blipFill>
+        <p:spPr>
+          <a:xfrm>
+            <a:off x="736256" y="394644"/>
+            <a:ext cx="3733800" cy="4552950"/>
+          </a:xfrm>
+          <a:prstGeom prst="rect">
+            <a:avLst/>
+          </a:prstGeom>
+        </p:spPr>
+      </p:pic>
+      <p:pic>
+        <p:nvPicPr>
+          <p:cNvPr id="3" name="Picture 2"/>
+          <p:cNvPicPr>
+            <a:picLocks noChangeAspect="1"/>
+          </p:cNvPicPr>
+          <p:nvPr/>
+        </p:nvPicPr>
+        <p:blipFill>
+          <a:blip r:embed="rId3"/>
+          <a:stretch>
+            <a:fillRect/>
+          </a:stretch>
+        </p:blipFill>
+        <p:spPr>
+          <a:xfrm>
+            <a:off x="5465762" y="1562100"/>
+            <a:ext cx="1743075" cy="1905000"/>
+          </a:xfrm>
+          <a:prstGeom prst="rect">
+            <a:avLst/>
+          </a:prstGeom>
+        </p:spPr>
+      </p:pic>
+    </p:spTree>
+    <p:extLst>
+      <p:ext uri="{BB962C8B-B14F-4D97-AF65-F5344CB8AC3E}">
+        <p14:creationId xmlns:p14="http://schemas.microsoft.com/office/powerpoint/2010/main" val="3934625847"/>
+      </p:ext>
+    </p:extLst>
+  </p:cSld>
+  <p:clrMapOvr>
+    <a:masterClrMapping/>
+  </p:clrMapOvr>
+</p:sld>
+</file>
+
 <file path=ppt/theme/theme1.xml><?xml version="1.0" encoding="utf-8"?>
 <a:theme xmlns:a="http://schemas.openxmlformats.org/drawingml/2006/main" name="Office Theme">
   <a:themeElements>
